--- a/Bản trình bày1.pptx
+++ b/Bản trình bày1.pptx
@@ -7,7 +7,8 @@
   <p:sldIdLst>
     <p:sldId id="256" r:id="rId2"/>
     <p:sldId id="257" r:id="rId3"/>
-    <p:sldId id="258" r:id="rId4"/>
+    <p:sldId id="292" r:id="rId4"/>
+    <p:sldId id="258" r:id="rId5"/>
   </p:sldIdLst>
   <p:sldSz cx="12192000" cy="6858000"/>
   <p:notesSz cx="6858000" cy="9144000"/>
@@ -261,7 +262,7 @@
           <a:p>
             <a:fld id="{6AE564EA-92B0-44EA-B2C2-C792C716ADE0}" type="datetimeFigureOut">
               <a:rPr lang="vi-VN" smtClean="0"/>
-              <a:t>26/12/2022</a:t>
+              <a:t>30/12/2022</a:t>
             </a:fld>
             <a:endParaRPr lang="vi-VN"/>
           </a:p>
@@ -459,7 +460,7 @@
           <a:p>
             <a:fld id="{6AE564EA-92B0-44EA-B2C2-C792C716ADE0}" type="datetimeFigureOut">
               <a:rPr lang="vi-VN" smtClean="0"/>
-              <a:t>26/12/2022</a:t>
+              <a:t>30/12/2022</a:t>
             </a:fld>
             <a:endParaRPr lang="vi-VN"/>
           </a:p>
@@ -667,7 +668,7 @@
           <a:p>
             <a:fld id="{6AE564EA-92B0-44EA-B2C2-C792C716ADE0}" type="datetimeFigureOut">
               <a:rPr lang="vi-VN" smtClean="0"/>
-              <a:t>26/12/2022</a:t>
+              <a:t>30/12/2022</a:t>
             </a:fld>
             <a:endParaRPr lang="vi-VN"/>
           </a:p>
@@ -865,7 +866,7 @@
           <a:p>
             <a:fld id="{6AE564EA-92B0-44EA-B2C2-C792C716ADE0}" type="datetimeFigureOut">
               <a:rPr lang="vi-VN" smtClean="0"/>
-              <a:t>26/12/2022</a:t>
+              <a:t>30/12/2022</a:t>
             </a:fld>
             <a:endParaRPr lang="vi-VN"/>
           </a:p>
@@ -1140,7 +1141,7 @@
           <a:p>
             <a:fld id="{6AE564EA-92B0-44EA-B2C2-C792C716ADE0}" type="datetimeFigureOut">
               <a:rPr lang="vi-VN" smtClean="0"/>
-              <a:t>26/12/2022</a:t>
+              <a:t>30/12/2022</a:t>
             </a:fld>
             <a:endParaRPr lang="vi-VN"/>
           </a:p>
@@ -1405,7 +1406,7 @@
           <a:p>
             <a:fld id="{6AE564EA-92B0-44EA-B2C2-C792C716ADE0}" type="datetimeFigureOut">
               <a:rPr lang="vi-VN" smtClean="0"/>
-              <a:t>26/12/2022</a:t>
+              <a:t>30/12/2022</a:t>
             </a:fld>
             <a:endParaRPr lang="vi-VN"/>
           </a:p>
@@ -1817,7 +1818,7 @@
           <a:p>
             <a:fld id="{6AE564EA-92B0-44EA-B2C2-C792C716ADE0}" type="datetimeFigureOut">
               <a:rPr lang="vi-VN" smtClean="0"/>
-              <a:t>26/12/2022</a:t>
+              <a:t>30/12/2022</a:t>
             </a:fld>
             <a:endParaRPr lang="vi-VN"/>
           </a:p>
@@ -1958,7 +1959,7 @@
           <a:p>
             <a:fld id="{6AE564EA-92B0-44EA-B2C2-C792C716ADE0}" type="datetimeFigureOut">
               <a:rPr lang="vi-VN" smtClean="0"/>
-              <a:t>26/12/2022</a:t>
+              <a:t>30/12/2022</a:t>
             </a:fld>
             <a:endParaRPr lang="vi-VN"/>
           </a:p>
@@ -2071,7 +2072,7 @@
           <a:p>
             <a:fld id="{6AE564EA-92B0-44EA-B2C2-C792C716ADE0}" type="datetimeFigureOut">
               <a:rPr lang="vi-VN" smtClean="0"/>
-              <a:t>26/12/2022</a:t>
+              <a:t>30/12/2022</a:t>
             </a:fld>
             <a:endParaRPr lang="vi-VN"/>
           </a:p>
@@ -2382,7 +2383,7 @@
           <a:p>
             <a:fld id="{6AE564EA-92B0-44EA-B2C2-C792C716ADE0}" type="datetimeFigureOut">
               <a:rPr lang="vi-VN" smtClean="0"/>
-              <a:t>26/12/2022</a:t>
+              <a:t>30/12/2022</a:t>
             </a:fld>
             <a:endParaRPr lang="vi-VN"/>
           </a:p>
@@ -2670,7 +2671,7 @@
           <a:p>
             <a:fld id="{6AE564EA-92B0-44EA-B2C2-C792C716ADE0}" type="datetimeFigureOut">
               <a:rPr lang="vi-VN" smtClean="0"/>
-              <a:t>26/12/2022</a:t>
+              <a:t>30/12/2022</a:t>
             </a:fld>
             <a:endParaRPr lang="vi-VN"/>
           </a:p>
@@ -2911,7 +2912,7 @@
           <a:p>
             <a:fld id="{6AE564EA-92B0-44EA-B2C2-C792C716ADE0}" type="datetimeFigureOut">
               <a:rPr lang="vi-VN" smtClean="0"/>
-              <a:t>26/12/2022</a:t>
+              <a:t>30/12/2022</a:t>
             </a:fld>
             <a:endParaRPr lang="vi-VN"/>
           </a:p>
@@ -3462,6 +3463,7 @@
               <a:solidFill>
                 <a:schemeClr val="tx1"/>
               </a:solidFill>
+              <a:latin typeface="+mj-lt"/>
             </a:endParaRPr>
           </a:p>
         </p:txBody>
@@ -3480,7 +3482,7 @@
         </p:nvSpPr>
         <p:spPr>
           <a:xfrm>
-            <a:off x="7641667" y="963260"/>
+            <a:off x="7641667" y="1123280"/>
             <a:ext cx="1303530" cy="1303530"/>
           </a:xfrm>
           <a:prstGeom prst="rect">
@@ -3516,7 +3518,9 @@
           <a:lstStyle/>
           <a:p>
             <a:pPr algn="ctr"/>
-            <a:endParaRPr lang="vi-VN"/>
+            <a:endParaRPr lang="vi-VN">
+              <a:latin typeface="+mj-lt"/>
+            </a:endParaRPr>
           </a:p>
         </p:txBody>
       </p:sp>
@@ -3534,7 +3538,7 @@
         </p:nvSpPr>
         <p:spPr>
           <a:xfrm>
-            <a:off x="7641667" y="963260"/>
+            <a:off x="7641667" y="1123280"/>
             <a:ext cx="360836" cy="360836"/>
           </a:xfrm>
           <a:prstGeom prst="rect">
@@ -3570,7 +3574,9 @@
           <a:lstStyle/>
           <a:p>
             <a:pPr algn="ctr"/>
-            <a:endParaRPr lang="vi-VN"/>
+            <a:endParaRPr lang="vi-VN">
+              <a:latin typeface="+mj-lt"/>
+            </a:endParaRPr>
           </a:p>
         </p:txBody>
       </p:sp>
@@ -3588,7 +3594,7 @@
         </p:nvSpPr>
         <p:spPr>
           <a:xfrm>
-            <a:off x="7755017" y="1389777"/>
+            <a:off x="7755017" y="1549797"/>
             <a:ext cx="1303530" cy="1303530"/>
           </a:xfrm>
           <a:prstGeom prst="rect">
@@ -3624,7 +3630,9 @@
           <a:lstStyle/>
           <a:p>
             <a:pPr algn="ctr"/>
-            <a:endParaRPr lang="vi-VN"/>
+            <a:endParaRPr lang="vi-VN">
+              <a:latin typeface="+mj-lt"/>
+            </a:endParaRPr>
           </a:p>
         </p:txBody>
       </p:sp>
@@ -3642,7 +3650,7 @@
         </p:nvSpPr>
         <p:spPr>
           <a:xfrm>
-            <a:off x="7755017" y="1389777"/>
+            <a:off x="7755017" y="1549797"/>
             <a:ext cx="360836" cy="360836"/>
           </a:xfrm>
           <a:prstGeom prst="rect">
@@ -3678,39 +3686,12 @@
           <a:lstStyle/>
           <a:p>
             <a:pPr algn="ctr"/>
-            <a:endParaRPr lang="vi-VN"/>
+            <a:endParaRPr lang="vi-VN">
+              <a:latin typeface="+mj-lt"/>
+            </a:endParaRPr>
           </a:p>
         </p:txBody>
       </p:sp>
-      <p:pic>
-        <p:nvPicPr>
-          <p:cNvPr id="5" name="Hình ảnh 4">
-            <a:extLst>
-              <a:ext uri="{FF2B5EF4-FFF2-40B4-BE49-F238E27FC236}">
-                <a16:creationId xmlns:a16="http://schemas.microsoft.com/office/drawing/2014/main" id="{9648456C-A642-CE81-D498-487AF893B63B}"/>
-              </a:ext>
-            </a:extLst>
-          </p:cNvPr>
-          <p:cNvPicPr>
-            <a:picLocks noChangeAspect="1"/>
-          </p:cNvPicPr>
-          <p:nvPr/>
-        </p:nvPicPr>
-        <p:blipFill rotWithShape="1">
-          <a:blip r:embed="rId2"/>
-          <a:srcRect l="20077" t="41842" r="22692" b="31068"/>
-          <a:stretch/>
-        </p:blipFill>
-        <p:spPr>
-          <a:xfrm>
-            <a:off x="-186202" y="4511845"/>
-            <a:ext cx="12191028" cy="3244389"/>
-          </a:xfrm>
-          <a:prstGeom prst="rect">
-            <a:avLst/>
-          </a:prstGeom>
-        </p:spPr>
-      </p:pic>
       <p:sp>
         <p:nvSpPr>
           <p:cNvPr id="6" name="Hình chữ nhật 5">
@@ -3725,8 +3706,8 @@
         </p:nvSpPr>
         <p:spPr>
           <a:xfrm>
-            <a:off x="495300" y="1538287"/>
-            <a:ext cx="1890713" cy="1890713"/>
+            <a:off x="214014" y="1538287"/>
+            <a:ext cx="2172000" cy="2172000"/>
           </a:xfrm>
           <a:prstGeom prst="rect">
             <a:avLst/>
@@ -3759,7 +3740,9 @@
           <a:lstStyle/>
           <a:p>
             <a:pPr algn="ctr"/>
-            <a:endParaRPr lang="vi-VN"/>
+            <a:endParaRPr lang="vi-VN">
+              <a:latin typeface="+mj-lt"/>
+            </a:endParaRPr>
           </a:p>
         </p:txBody>
       </p:sp>
@@ -3811,7 +3794,9 @@
           <a:lstStyle/>
           <a:p>
             <a:pPr algn="ctr"/>
-            <a:endParaRPr lang="vi-VN"/>
+            <a:endParaRPr lang="vi-VN">
+              <a:latin typeface="+mj-lt"/>
+            </a:endParaRPr>
           </a:p>
         </p:txBody>
       </p:sp>
@@ -3863,7 +3848,9 @@
           <a:lstStyle/>
           <a:p>
             <a:pPr algn="ctr"/>
-            <a:endParaRPr lang="vi-VN"/>
+            <a:endParaRPr lang="vi-VN">
+              <a:latin typeface="+mj-lt"/>
+            </a:endParaRPr>
           </a:p>
         </p:txBody>
       </p:sp>
@@ -3915,7 +3902,9 @@
           <a:lstStyle/>
           <a:p>
             <a:pPr algn="ctr"/>
-            <a:endParaRPr lang="vi-VN"/>
+            <a:endParaRPr lang="vi-VN">
+              <a:latin typeface="+mj-lt"/>
+            </a:endParaRPr>
           </a:p>
         </p:txBody>
       </p:sp>
@@ -3967,7 +3956,9 @@
           <a:lstStyle/>
           <a:p>
             <a:pPr algn="ctr"/>
-            <a:endParaRPr lang="vi-VN"/>
+            <a:endParaRPr lang="vi-VN">
+              <a:latin typeface="+mj-lt"/>
+            </a:endParaRPr>
           </a:p>
         </p:txBody>
       </p:sp>
@@ -4019,7 +4010,9 @@
           <a:lstStyle/>
           <a:p>
             <a:pPr algn="ctr"/>
-            <a:endParaRPr lang="vi-VN"/>
+            <a:endParaRPr lang="vi-VN">
+              <a:latin typeface="+mj-lt"/>
+            </a:endParaRPr>
           </a:p>
         </p:txBody>
       </p:sp>
@@ -4071,7 +4064,9 @@
           <a:lstStyle/>
           <a:p>
             <a:pPr algn="ctr"/>
-            <a:endParaRPr lang="vi-VN"/>
+            <a:endParaRPr lang="vi-VN">
+              <a:latin typeface="+mj-lt"/>
+            </a:endParaRPr>
           </a:p>
         </p:txBody>
       </p:sp>
@@ -4123,7 +4118,9 @@
           <a:lstStyle/>
           <a:p>
             <a:pPr algn="ctr"/>
-            <a:endParaRPr lang="vi-VN"/>
+            <a:endParaRPr lang="vi-VN">
+              <a:latin typeface="+mj-lt"/>
+            </a:endParaRPr>
           </a:p>
         </p:txBody>
       </p:sp>
@@ -4175,7 +4172,9 @@
           <a:lstStyle/>
           <a:p>
             <a:pPr algn="ctr"/>
-            <a:endParaRPr lang="vi-VN"/>
+            <a:endParaRPr lang="vi-VN">
+              <a:latin typeface="+mj-lt"/>
+            </a:endParaRPr>
           </a:p>
         </p:txBody>
       </p:sp>
@@ -4193,8 +4192,8 @@
         </p:nvSpPr>
         <p:spPr>
           <a:xfrm>
-            <a:off x="1624013" y="1061799"/>
-            <a:ext cx="762000" cy="246221"/>
+            <a:off x="1474253" y="1067663"/>
+            <a:ext cx="1061086" cy="246221"/>
           </a:xfrm>
           <a:prstGeom prst="rect">
             <a:avLst/>
@@ -4209,10 +4208,14 @@
           <a:p>
             <a:pPr algn="ctr"/>
             <a:r>
-              <a:rPr lang="en-US" sz="1000"/>
-              <a:t>Pixels</a:t>
+              <a:rPr lang="en-US" sz="1000">
+                <a:latin typeface="+mj-lt"/>
+              </a:rPr>
+              <a:t>Patch image</a:t>
             </a:r>
-            <a:endParaRPr lang="vi-VN" sz="1000"/>
+            <a:endParaRPr lang="vi-VN" sz="1000">
+              <a:latin typeface="+mj-lt"/>
+            </a:endParaRPr>
           </a:p>
         </p:txBody>
       </p:sp>
@@ -4228,13 +4231,14 @@
           <p:cNvCxnSpPr>
             <a:cxnSpLocks/>
             <a:stCxn id="15" idx="2"/>
+            <a:endCxn id="9" idx="3"/>
           </p:cNvCxnSpPr>
           <p:nvPr/>
         </p:nvCxnSpPr>
         <p:spPr>
           <a:xfrm>
-            <a:off x="2005013" y="1308020"/>
-            <a:ext cx="0" cy="718900"/>
+            <a:off x="2004796" y="1313884"/>
+            <a:ext cx="217" cy="903536"/>
           </a:xfrm>
           <a:prstGeom prst="straightConnector1">
             <a:avLst/>
@@ -4313,8 +4317,8 @@
         </p:nvSpPr>
         <p:spPr>
           <a:xfrm>
-            <a:off x="2524126" y="2099935"/>
-            <a:ext cx="762000" cy="400110"/>
+            <a:off x="2618940" y="2234599"/>
+            <a:ext cx="771170" cy="246221"/>
           </a:xfrm>
           <a:prstGeom prst="rect">
             <a:avLst/>
@@ -4328,10 +4332,14 @@
           <a:lstStyle/>
           <a:p>
             <a:r>
-              <a:rPr lang="en-US" sz="1000"/>
-              <a:t>Flatten &amp; Normalize</a:t>
+              <a:rPr lang="en-US" sz="1000">
+                <a:latin typeface="+mj-lt"/>
+              </a:rPr>
+              <a:t>Flatten</a:t>
             </a:r>
-            <a:endParaRPr lang="vi-VN" sz="1000"/>
+            <a:endParaRPr lang="vi-VN" sz="1000">
+              <a:latin typeface="+mj-lt"/>
+            </a:endParaRPr>
           </a:p>
         </p:txBody>
       </p:sp>
@@ -4389,6 +4397,7 @@
               <a:solidFill>
                 <a:schemeClr val="tx1"/>
               </a:solidFill>
+              <a:latin typeface="+mj-lt"/>
             </a:endParaRPr>
           </a:p>
         </p:txBody>
@@ -4463,16 +4472,22 @@
           <a:lstStyle/>
           <a:p>
             <a:r>
-              <a:rPr lang="en-US" sz="1000"/>
+              <a:rPr lang="en-US" sz="1000">
+                <a:latin typeface="+mj-lt"/>
+              </a:rPr>
               <a:t>Amplitude</a:t>
             </a:r>
           </a:p>
           <a:p>
             <a:r>
-              <a:rPr lang="en-US" sz="1000"/>
+              <a:rPr lang="en-US" sz="1000">
+                <a:latin typeface="+mj-lt"/>
+              </a:rPr>
               <a:t>Encoding</a:t>
             </a:r>
-            <a:endParaRPr lang="vi-VN" sz="1000"/>
+            <a:endParaRPr lang="vi-VN" sz="1000">
+              <a:latin typeface="+mj-lt"/>
+            </a:endParaRPr>
           </a:p>
         </p:txBody>
       </p:sp>
@@ -4524,7 +4539,9 @@
           <a:lstStyle/>
           <a:p>
             <a:pPr algn="ctr"/>
-            <a:endParaRPr lang="vi-VN"/>
+            <a:endParaRPr lang="vi-VN">
+              <a:latin typeface="+mj-lt"/>
+            </a:endParaRPr>
           </a:p>
         </p:txBody>
       </p:sp>
@@ -4576,7 +4593,9 @@
           <a:lstStyle/>
           <a:p>
             <a:pPr algn="ctr"/>
-            <a:endParaRPr lang="vi-VN"/>
+            <a:endParaRPr lang="vi-VN">
+              <a:latin typeface="+mj-lt"/>
+            </a:endParaRPr>
           </a:p>
         </p:txBody>
       </p:sp>
@@ -4628,7 +4647,9 @@
           <a:lstStyle/>
           <a:p>
             <a:pPr algn="ctr"/>
-            <a:endParaRPr lang="vi-VN"/>
+            <a:endParaRPr lang="vi-VN">
+              <a:latin typeface="+mj-lt"/>
+            </a:endParaRPr>
           </a:p>
         </p:txBody>
       </p:sp>
@@ -4680,7 +4701,9 @@
           <a:lstStyle/>
           <a:p>
             <a:pPr algn="ctr"/>
-            <a:endParaRPr lang="vi-VN"/>
+            <a:endParaRPr lang="vi-VN">
+              <a:latin typeface="+mj-lt"/>
+            </a:endParaRPr>
           </a:p>
         </p:txBody>
       </p:sp>
@@ -4739,7 +4762,7 @@
         </p:nvSpPr>
         <p:spPr>
           <a:xfrm>
-            <a:off x="5909312" y="2099935"/>
+            <a:off x="5956484" y="2233090"/>
             <a:ext cx="971548" cy="246221"/>
           </a:xfrm>
           <a:prstGeom prst="rect">
@@ -4754,10 +4777,14 @@
           <a:lstStyle/>
           <a:p>
             <a:r>
-              <a:rPr lang="en-US" sz="1000"/>
+              <a:rPr lang="en-US" sz="1000">
+                <a:latin typeface="+mj-lt"/>
+              </a:rPr>
               <a:t>Measure</a:t>
             </a:r>
-            <a:endParaRPr lang="vi-VN" sz="1000"/>
+            <a:endParaRPr lang="vi-VN" sz="1000">
+              <a:latin typeface="+mj-lt"/>
+            </a:endParaRPr>
           </a:p>
         </p:txBody>
       </p:sp>
@@ -4804,7 +4831,9 @@
           <a:lstStyle/>
           <a:p>
             <a:pPr algn="ctr"/>
-            <a:endParaRPr lang="vi-VN"/>
+            <a:endParaRPr lang="vi-VN">
+              <a:latin typeface="+mj-lt"/>
+            </a:endParaRPr>
           </a:p>
         </p:txBody>
       </p:sp>
@@ -4890,7 +4919,9 @@
           <a:lstStyle/>
           <a:p>
             <a:pPr algn="ctr"/>
-            <a:endParaRPr lang="vi-VN"/>
+            <a:endParaRPr lang="vi-VN">
+              <a:latin typeface="+mj-lt"/>
+            </a:endParaRPr>
           </a:p>
         </p:txBody>
       </p:sp>
@@ -4976,7 +5007,9 @@
           <a:lstStyle/>
           <a:p>
             <a:pPr algn="ctr"/>
-            <a:endParaRPr lang="vi-VN"/>
+            <a:endParaRPr lang="vi-VN">
+              <a:latin typeface="+mj-lt"/>
+            </a:endParaRPr>
           </a:p>
         </p:txBody>
       </p:sp>
@@ -5062,7 +5095,9 @@
           <a:lstStyle/>
           <a:p>
             <a:pPr algn="ctr"/>
-            <a:endParaRPr lang="vi-VN"/>
+            <a:endParaRPr lang="vi-VN">
+              <a:latin typeface="+mj-lt"/>
+            </a:endParaRPr>
           </a:p>
         </p:txBody>
       </p:sp>
@@ -5119,7 +5154,7 @@
         </p:nvSpPr>
         <p:spPr>
           <a:xfrm>
-            <a:off x="7876538" y="1816294"/>
+            <a:off x="7876538" y="1976314"/>
             <a:ext cx="1303530" cy="1303530"/>
           </a:xfrm>
           <a:prstGeom prst="rect">
@@ -5155,7 +5190,9 @@
           <a:lstStyle/>
           <a:p>
             <a:pPr algn="ctr"/>
-            <a:endParaRPr lang="vi-VN"/>
+            <a:endParaRPr lang="vi-VN">
+              <a:latin typeface="+mj-lt"/>
+            </a:endParaRPr>
           </a:p>
         </p:txBody>
       </p:sp>
@@ -5173,7 +5210,7 @@
         </p:nvSpPr>
         <p:spPr>
           <a:xfrm>
-            <a:off x="7876538" y="1816294"/>
+            <a:off x="7876538" y="1976314"/>
             <a:ext cx="360836" cy="360836"/>
           </a:xfrm>
           <a:prstGeom prst="rect">
@@ -5209,7 +5246,9 @@
           <a:lstStyle/>
           <a:p>
             <a:pPr algn="ctr"/>
-            <a:endParaRPr lang="vi-VN"/>
+            <a:endParaRPr lang="vi-VN">
+              <a:latin typeface="+mj-lt"/>
+            </a:endParaRPr>
           </a:p>
         </p:txBody>
       </p:sp>
@@ -5227,7 +5266,7 @@
         </p:nvSpPr>
         <p:spPr>
           <a:xfrm>
-            <a:off x="7989888" y="2266789"/>
+            <a:off x="7989888" y="2426809"/>
             <a:ext cx="1303530" cy="1303530"/>
           </a:xfrm>
           <a:prstGeom prst="rect">
@@ -5263,7 +5302,9 @@
           <a:lstStyle/>
           <a:p>
             <a:pPr algn="ctr"/>
-            <a:endParaRPr lang="vi-VN"/>
+            <a:endParaRPr lang="vi-VN">
+              <a:latin typeface="+mj-lt"/>
+            </a:endParaRPr>
           </a:p>
         </p:txBody>
       </p:sp>
@@ -5281,7 +5322,7 @@
         </p:nvSpPr>
         <p:spPr>
           <a:xfrm>
-            <a:off x="7989888" y="2266789"/>
+            <a:off x="7989888" y="2426809"/>
             <a:ext cx="360836" cy="360836"/>
           </a:xfrm>
           <a:prstGeom prst="rect">
@@ -5317,7 +5358,9 @@
           <a:lstStyle/>
           <a:p>
             <a:pPr algn="ctr"/>
-            <a:endParaRPr lang="vi-VN"/>
+            <a:endParaRPr lang="vi-VN">
+              <a:latin typeface="+mj-lt"/>
+            </a:endParaRPr>
           </a:p>
         </p:txBody>
       </p:sp>
@@ -5338,8 +5381,8 @@
         </p:nvCxnSpPr>
         <p:spPr>
           <a:xfrm flipV="1">
-            <a:off x="7096125" y="1143678"/>
-            <a:ext cx="545542" cy="883242"/>
+            <a:off x="7096125" y="1303698"/>
+            <a:ext cx="545542" cy="723222"/>
           </a:xfrm>
           <a:prstGeom prst="bentConnector3">
             <a:avLst/>
@@ -5381,8 +5424,8 @@
         </p:nvCxnSpPr>
         <p:spPr>
           <a:xfrm flipV="1">
-            <a:off x="7096125" y="1570195"/>
-            <a:ext cx="658892" cy="837725"/>
+            <a:off x="7096125" y="1730215"/>
+            <a:ext cx="658892" cy="677705"/>
           </a:xfrm>
           <a:prstGeom prst="bentConnector3">
             <a:avLst/>
@@ -5424,8 +5467,8 @@
         </p:nvCxnSpPr>
         <p:spPr>
           <a:xfrm flipV="1">
-            <a:off x="7096125" y="1996712"/>
-            <a:ext cx="780413" cy="789826"/>
+            <a:off x="7096125" y="2156732"/>
+            <a:ext cx="780413" cy="629806"/>
           </a:xfrm>
           <a:prstGeom prst="bentConnector3">
             <a:avLst/>
@@ -5467,8 +5510,8 @@
         </p:nvCxnSpPr>
         <p:spPr>
           <a:xfrm flipV="1">
-            <a:off x="7096125" y="2447207"/>
-            <a:ext cx="893763" cy="720331"/>
+            <a:off x="7096125" y="2607227"/>
+            <a:ext cx="893763" cy="560311"/>
           </a:xfrm>
           <a:prstGeom prst="bentConnector3">
             <a:avLst/>
@@ -5546,12 +5589,13 @@
               <a:solidFill>
                 <a:schemeClr val="tx1"/>
               </a:solidFill>
+              <a:latin typeface="+mj-lt"/>
             </a:endParaRPr>
           </a:p>
         </p:txBody>
       </p:sp>
-      <mc:AlternateContent xmlns:mc="http://schemas.openxmlformats.org/markup-compatibility/2006" xmlns:a14="http://schemas.microsoft.com/office/drawing/2010/main">
-        <mc:Choice Requires="a14">
+      <mc:AlternateContent xmlns:mc="http://schemas.openxmlformats.org/markup-compatibility/2006">
+        <mc:Choice xmlns:a14="http://schemas.microsoft.com/office/drawing/2010/main" Requires="a14">
           <p:sp>
             <p:nvSpPr>
               <p:cNvPr id="63" name="Hộp Văn bản 62">
@@ -5591,14 +5635,14 @@
                         <m:sSubPr>
                           <m:ctrlPr>
                             <a:rPr lang="en-US" sz="1600" b="0" i="1" smtClean="0">
-                              <a:latin typeface="Cambria Math" panose="02040503050406030204" pitchFamily="18" charset="0"/>
+                              <a:latin typeface="+mj-lt"/>
                             </a:rPr>
                           </m:ctrlPr>
                         </m:sSubPr>
                         <m:e>
                           <m:r>
                             <a:rPr lang="en-US" sz="1600" b="0" i="1" smtClean="0">
-                              <a:latin typeface="Cambria Math" panose="02040503050406030204" pitchFamily="18" charset="0"/>
+                              <a:latin typeface="+mj-lt"/>
                             </a:rPr>
                             <m:t>𝑈</m:t>
                           </m:r>
@@ -5606,7 +5650,7 @@
                         <m:sub>
                           <m:r>
                             <a:rPr lang="en-US" sz="1600" b="0" i="1" smtClean="0">
-                              <a:latin typeface="Cambria Math" panose="02040503050406030204" pitchFamily="18" charset="0"/>
+                              <a:latin typeface="+mj-lt"/>
                             </a:rPr>
                             <m:t>1</m:t>
                           </m:r>
@@ -5614,31 +5658,33 @@
                       </m:sSub>
                       <m:r>
                         <a:rPr lang="en-US" sz="1600" b="0" i="1" smtClean="0">
-                          <a:latin typeface="Cambria Math" panose="02040503050406030204" pitchFamily="18" charset="0"/>
+                          <a:latin typeface="+mj-lt"/>
                         </a:rPr>
                         <m:t>(</m:t>
                       </m:r>
                       <m:r>
                         <a:rPr lang="en-US" sz="1600" b="1" i="1" smtClean="0">
-                          <a:latin typeface="Cambria Math" panose="02040503050406030204" pitchFamily="18" charset="0"/>
+                          <a:latin typeface="+mj-lt"/>
                         </a:rPr>
                         <m:t>𝜽</m:t>
                       </m:r>
                       <m:r>
                         <a:rPr lang="en-US" sz="1600" b="0" i="1" smtClean="0">
-                          <a:latin typeface="Cambria Math" panose="02040503050406030204" pitchFamily="18" charset="0"/>
+                          <a:latin typeface="+mj-lt"/>
                         </a:rPr>
                         <m:t>)</m:t>
                       </m:r>
                     </m:oMath>
                   </m:oMathPara>
                 </a14:m>
-                <a:endParaRPr lang="vi-VN" sz="1600"/>
+                <a:endParaRPr lang="vi-VN" sz="1600">
+                  <a:latin typeface="+mj-lt"/>
+                </a:endParaRPr>
               </a:p>
             </p:txBody>
           </p:sp>
         </mc:Choice>
-        <mc:Fallback xmlns="">
+        <mc:Fallback>
           <p:sp>
             <p:nvSpPr>
               <p:cNvPr id="63" name="Hộp Văn bản 62">
@@ -5662,7 +5708,7 @@
                 <a:avLst/>
               </a:prstGeom>
               <a:blipFill>
-                <a:blip r:embed="rId3"/>
+                <a:blip r:embed="rId2"/>
                 <a:stretch>
                   <a:fillRect r="-1754" b="-12727"/>
                 </a:stretch>
@@ -5683,8 +5729,8 @@
           </p:sp>
         </mc:Fallback>
       </mc:AlternateContent>
-      <mc:AlternateContent xmlns:mc="http://schemas.openxmlformats.org/markup-compatibility/2006" xmlns:a14="http://schemas.microsoft.com/office/drawing/2010/main">
-        <mc:Choice Requires="a14">
+      <mc:AlternateContent xmlns:mc="http://schemas.openxmlformats.org/markup-compatibility/2006">
+        <mc:Choice xmlns:a14="http://schemas.microsoft.com/office/drawing/2010/main" Requires="a14">
           <p:sp>
             <p:nvSpPr>
               <p:cNvPr id="64" name="Hộp Văn bản 63">
@@ -5724,14 +5770,14 @@
                         <m:sSubPr>
                           <m:ctrlPr>
                             <a:rPr lang="en-US" sz="1600" b="0" i="1" smtClean="0">
-                              <a:latin typeface="Cambria Math" panose="02040503050406030204" pitchFamily="18" charset="0"/>
+                              <a:latin typeface="+mj-lt"/>
                             </a:rPr>
                           </m:ctrlPr>
                         </m:sSubPr>
                         <m:e>
                           <m:r>
                             <a:rPr lang="en-US" sz="1600" b="0" i="1" smtClean="0">
-                              <a:latin typeface="Cambria Math" panose="02040503050406030204" pitchFamily="18" charset="0"/>
+                              <a:latin typeface="+mj-lt"/>
                             </a:rPr>
                             <m:t>𝑈</m:t>
                           </m:r>
@@ -5739,7 +5785,7 @@
                         <m:sub>
                           <m:r>
                             <a:rPr lang="en-US" sz="1600" b="0" i="1" smtClean="0">
-                              <a:latin typeface="Cambria Math" panose="02040503050406030204" pitchFamily="18" charset="0"/>
+                              <a:latin typeface="+mj-lt"/>
                             </a:rPr>
                             <m:t>2</m:t>
                           </m:r>
@@ -5747,31 +5793,33 @@
                       </m:sSub>
                       <m:r>
                         <a:rPr lang="en-US" sz="1600" b="0" i="1" smtClean="0">
-                          <a:latin typeface="Cambria Math" panose="02040503050406030204" pitchFamily="18" charset="0"/>
+                          <a:latin typeface="+mj-lt"/>
                         </a:rPr>
                         <m:t>(</m:t>
                       </m:r>
                       <m:r>
                         <a:rPr lang="en-US" sz="1600" b="1" i="1" smtClean="0">
-                          <a:latin typeface="Cambria Math" panose="02040503050406030204" pitchFamily="18" charset="0"/>
+                          <a:latin typeface="+mj-lt"/>
                         </a:rPr>
                         <m:t>𝜽</m:t>
                       </m:r>
                       <m:r>
                         <a:rPr lang="en-US" sz="1600" b="0" i="1" smtClean="0">
-                          <a:latin typeface="Cambria Math" panose="02040503050406030204" pitchFamily="18" charset="0"/>
+                          <a:latin typeface="+mj-lt"/>
                         </a:rPr>
                         <m:t>)</m:t>
                       </m:r>
                     </m:oMath>
                   </m:oMathPara>
                 </a14:m>
-                <a:endParaRPr lang="vi-VN" sz="1600"/>
+                <a:endParaRPr lang="vi-VN" sz="1600">
+                  <a:latin typeface="+mj-lt"/>
+                </a:endParaRPr>
               </a:p>
             </p:txBody>
           </p:sp>
         </mc:Choice>
-        <mc:Fallback xmlns="">
+        <mc:Fallback>
           <p:sp>
             <p:nvSpPr>
               <p:cNvPr id="64" name="Hộp Văn bản 63">
@@ -5795,7 +5843,7 @@
                 <a:avLst/>
               </a:prstGeom>
               <a:blipFill>
-                <a:blip r:embed="rId4"/>
+                <a:blip r:embed="rId3"/>
                 <a:stretch>
                   <a:fillRect r="-1770" b="-10909"/>
                 </a:stretch>
@@ -5816,8 +5864,8 @@
           </p:sp>
         </mc:Fallback>
       </mc:AlternateContent>
-      <mc:AlternateContent xmlns:mc="http://schemas.openxmlformats.org/markup-compatibility/2006" xmlns:a14="http://schemas.microsoft.com/office/drawing/2010/main">
-        <mc:Choice Requires="a14">
+      <mc:AlternateContent xmlns:mc="http://schemas.openxmlformats.org/markup-compatibility/2006">
+        <mc:Choice xmlns:a14="http://schemas.microsoft.com/office/drawing/2010/main" Requires="a14">
           <p:sp>
             <p:nvSpPr>
               <p:cNvPr id="65" name="Hộp Văn bản 64">
@@ -5857,14 +5905,14 @@
                         <m:sSubPr>
                           <m:ctrlPr>
                             <a:rPr lang="en-US" sz="1600" b="0" i="1" smtClean="0">
-                              <a:latin typeface="Cambria Math" panose="02040503050406030204" pitchFamily="18" charset="0"/>
+                              <a:latin typeface="+mj-lt"/>
                             </a:rPr>
                           </m:ctrlPr>
                         </m:sSubPr>
                         <m:e>
                           <m:r>
                             <a:rPr lang="en-US" sz="1600" b="0" i="1" smtClean="0">
-                              <a:latin typeface="Cambria Math" panose="02040503050406030204" pitchFamily="18" charset="0"/>
+                              <a:latin typeface="+mj-lt"/>
                             </a:rPr>
                             <m:t>𝑈</m:t>
                           </m:r>
@@ -5872,7 +5920,7 @@
                         <m:sub>
                           <m:r>
                             <a:rPr lang="en-US" sz="1600" b="0" i="1" smtClean="0">
-                              <a:latin typeface="Cambria Math" panose="02040503050406030204" pitchFamily="18" charset="0"/>
+                              <a:latin typeface="+mj-lt"/>
                             </a:rPr>
                             <m:t>3</m:t>
                           </m:r>
@@ -5880,31 +5928,33 @@
                       </m:sSub>
                       <m:r>
                         <a:rPr lang="en-US" sz="1600" b="0" i="1" smtClean="0">
-                          <a:latin typeface="Cambria Math" panose="02040503050406030204" pitchFamily="18" charset="0"/>
+                          <a:latin typeface="+mj-lt"/>
                         </a:rPr>
                         <m:t>(</m:t>
                       </m:r>
                       <m:r>
                         <a:rPr lang="en-US" sz="1600" b="1" i="1" smtClean="0">
-                          <a:latin typeface="Cambria Math" panose="02040503050406030204" pitchFamily="18" charset="0"/>
+                          <a:latin typeface="+mj-lt"/>
                         </a:rPr>
                         <m:t>𝜽</m:t>
                       </m:r>
                       <m:r>
                         <a:rPr lang="en-US" sz="1600" b="0" i="1" smtClean="0">
-                          <a:latin typeface="Cambria Math" panose="02040503050406030204" pitchFamily="18" charset="0"/>
+                          <a:latin typeface="+mj-lt"/>
                         </a:rPr>
                         <m:t>)</m:t>
                       </m:r>
                     </m:oMath>
                   </m:oMathPara>
                 </a14:m>
-                <a:endParaRPr lang="vi-VN" sz="1600"/>
+                <a:endParaRPr lang="vi-VN" sz="1600">
+                  <a:latin typeface="+mj-lt"/>
+                </a:endParaRPr>
               </a:p>
             </p:txBody>
           </p:sp>
         </mc:Choice>
-        <mc:Fallback xmlns="">
+        <mc:Fallback>
           <p:sp>
             <p:nvSpPr>
               <p:cNvPr id="65" name="Hộp Văn bản 64">
@@ -5928,7 +5978,7 @@
                 <a:avLst/>
               </a:prstGeom>
               <a:blipFill>
-                <a:blip r:embed="rId5"/>
+                <a:blip r:embed="rId4"/>
                 <a:stretch>
                   <a:fillRect r="-1754" b="-10714"/>
                 </a:stretch>
@@ -5998,7 +6048,9 @@
           <a:lstStyle/>
           <a:p>
             <a:pPr algn="ctr"/>
-            <a:endParaRPr lang="vi-VN"/>
+            <a:endParaRPr lang="vi-VN">
+              <a:latin typeface="+mj-lt"/>
+            </a:endParaRPr>
           </a:p>
         </p:txBody>
       </p:sp>
@@ -6016,8 +6068,8 @@
         </p:nvSpPr>
         <p:spPr>
           <a:xfrm>
-            <a:off x="1052513" y="3490765"/>
-            <a:ext cx="762000" cy="400110"/>
+            <a:off x="877252" y="3730339"/>
+            <a:ext cx="1049461" cy="246221"/>
           </a:xfrm>
           <a:prstGeom prst="rect">
             <a:avLst/>
@@ -6031,10 +6083,94 @@
           <a:lstStyle/>
           <a:p>
             <a:r>
-              <a:rPr lang="en-US" sz="1000"/>
-              <a:t>Flatten &amp; Normalize</a:t>
+              <a:rPr lang="en-US" sz="1000">
+                <a:latin typeface="+mj-lt"/>
+              </a:rPr>
+              <a:t>Input: image</a:t>
             </a:r>
-            <a:endParaRPr lang="vi-VN" sz="1000"/>
+            <a:endParaRPr lang="vi-VN" sz="1000">
+              <a:latin typeface="+mj-lt"/>
+            </a:endParaRPr>
+          </a:p>
+        </p:txBody>
+      </p:sp>
+      <p:sp>
+        <p:nvSpPr>
+          <p:cNvPr id="25" name="Hộp Văn bản 24">
+            <a:extLst>
+              <a:ext uri="{FF2B5EF4-FFF2-40B4-BE49-F238E27FC236}">
+                <a16:creationId xmlns:a16="http://schemas.microsoft.com/office/drawing/2014/main" id="{0EFAC6C0-3EF7-516A-B3D9-189AEF96CB0C}"/>
+              </a:ext>
+            </a:extLst>
+          </p:cNvPr>
+          <p:cNvSpPr txBox="1"/>
+          <p:nvPr/>
+        </p:nvSpPr>
+        <p:spPr>
+          <a:xfrm>
+            <a:off x="4433407" y="3736340"/>
+            <a:ext cx="1049461" cy="246221"/>
+          </a:xfrm>
+          <a:prstGeom prst="rect">
+            <a:avLst/>
+          </a:prstGeom>
+          <a:noFill/>
+        </p:spPr>
+        <p:txBody>
+          <a:bodyPr wrap="square" rtlCol="0">
+            <a:spAutoFit/>
+          </a:bodyPr>
+          <a:lstStyle/>
+          <a:p>
+            <a:r>
+              <a:rPr lang="en-US" sz="1000">
+                <a:latin typeface="+mj-lt"/>
+              </a:rPr>
+              <a:t>Quantum filter</a:t>
+            </a:r>
+            <a:endParaRPr lang="vi-VN" sz="1000">
+              <a:latin typeface="+mj-lt"/>
+            </a:endParaRPr>
+          </a:p>
+        </p:txBody>
+      </p:sp>
+      <p:sp>
+        <p:nvSpPr>
+          <p:cNvPr id="33" name="Hộp Văn bản 32">
+            <a:extLst>
+              <a:ext uri="{FF2B5EF4-FFF2-40B4-BE49-F238E27FC236}">
+                <a16:creationId xmlns:a16="http://schemas.microsoft.com/office/drawing/2014/main" id="{325EE386-7FB1-6C06-B035-7F9976DED31C}"/>
+              </a:ext>
+            </a:extLst>
+          </p:cNvPr>
+          <p:cNvSpPr txBox="1"/>
+          <p:nvPr/>
+        </p:nvSpPr>
+        <p:spPr>
+          <a:xfrm>
+            <a:off x="7858209" y="3739146"/>
+            <a:ext cx="1598211" cy="246221"/>
+          </a:xfrm>
+          <a:prstGeom prst="rect">
+            <a:avLst/>
+          </a:prstGeom>
+          <a:noFill/>
+        </p:spPr>
+        <p:txBody>
+          <a:bodyPr wrap="square" rtlCol="0">
+            <a:spAutoFit/>
+          </a:bodyPr>
+          <a:lstStyle/>
+          <a:p>
+            <a:r>
+              <a:rPr lang="en-US" sz="1000">
+                <a:latin typeface="+mj-lt"/>
+              </a:rPr>
+              <a:t>Output: feature maps</a:t>
+            </a:r>
+            <a:endParaRPr lang="vi-VN" sz="1000">
+              <a:latin typeface="+mj-lt"/>
+            </a:endParaRPr>
           </a:p>
         </p:txBody>
       </p:sp>
@@ -6052,6 +6188,1702 @@
 </file>
 
 <file path=ppt/slides/slide3.xml><?xml version="1.0" encoding="utf-8"?>
+<p:sld xmlns:a="http://schemas.openxmlformats.org/drawingml/2006/main" xmlns:r="http://schemas.openxmlformats.org/officeDocument/2006/relationships" xmlns:p="http://schemas.openxmlformats.org/presentationml/2006/main">
+  <p:cSld>
+    <p:spTree>
+      <p:nvGrpSpPr>
+        <p:cNvPr id="1" name=""/>
+        <p:cNvGrpSpPr/>
+        <p:nvPr/>
+      </p:nvGrpSpPr>
+      <p:grpSpPr>
+        <a:xfrm>
+          <a:off x="0" y="0"/>
+          <a:ext cx="0" cy="0"/>
+          <a:chOff x="0" y="0"/>
+          <a:chExt cx="0" cy="0"/>
+        </a:xfrm>
+      </p:grpSpPr>
+      <p:sp>
+        <p:nvSpPr>
+          <p:cNvPr id="4" name="Chỗ dành sẵn cho Số hiệu Bản chiếu 3">
+            <a:extLst>
+              <a:ext uri="{FF2B5EF4-FFF2-40B4-BE49-F238E27FC236}">
+                <a16:creationId xmlns:a16="http://schemas.microsoft.com/office/drawing/2014/main" id="{67F6AB50-C094-2E46-F39A-0F98E603D4C8}"/>
+              </a:ext>
+            </a:extLst>
+          </p:cNvPr>
+          <p:cNvSpPr>
+            <a:spLocks noGrp="1"/>
+          </p:cNvSpPr>
+          <p:nvPr>
+            <p:ph type="sldNum" sz="quarter" idx="12"/>
+          </p:nvPr>
+        </p:nvSpPr>
+        <p:spPr/>
+        <p:txBody>
+          <a:bodyPr/>
+          <a:lstStyle/>
+          <a:p>
+            <a:fld id="{8ABE2698-B386-4030-AF28-2C9E17A48886}" type="slidenum">
+              <a:rPr lang="vi-VN" smtClean="0">
+                <a:latin typeface="Times New Roman (Đầu đề)"/>
+              </a:rPr>
+              <a:t>3</a:t>
+            </a:fld>
+            <a:endParaRPr lang="vi-VN">
+              <a:latin typeface="Times New Roman (Đầu đề)"/>
+            </a:endParaRPr>
+          </a:p>
+        </p:txBody>
+      </p:sp>
+      <p:sp>
+        <p:nvSpPr>
+          <p:cNvPr id="5" name="Hình chữ nhật 4">
+            <a:extLst>
+              <a:ext uri="{FF2B5EF4-FFF2-40B4-BE49-F238E27FC236}">
+                <a16:creationId xmlns:a16="http://schemas.microsoft.com/office/drawing/2014/main" id="{E9B4CC3B-895E-8A71-13D6-355768223568}"/>
+              </a:ext>
+            </a:extLst>
+          </p:cNvPr>
+          <p:cNvSpPr/>
+          <p:nvPr/>
+        </p:nvSpPr>
+        <p:spPr>
+          <a:xfrm>
+            <a:off x="1011070" y="1129315"/>
+            <a:ext cx="1424295" cy="365126"/>
+          </a:xfrm>
+          <a:prstGeom prst="rect">
+            <a:avLst/>
+          </a:prstGeom>
+          <a:noFill/>
+          <a:ln>
+            <a:solidFill>
+              <a:schemeClr val="tx1"/>
+            </a:solidFill>
+          </a:ln>
+        </p:spPr>
+        <p:style>
+          <a:lnRef idx="2">
+            <a:schemeClr val="accent1">
+              <a:shade val="50000"/>
+            </a:schemeClr>
+          </a:lnRef>
+          <a:fillRef idx="1">
+            <a:schemeClr val="accent1"/>
+          </a:fillRef>
+          <a:effectRef idx="0">
+            <a:schemeClr val="accent1"/>
+          </a:effectRef>
+          <a:fontRef idx="minor">
+            <a:schemeClr val="lt1"/>
+          </a:fontRef>
+        </p:style>
+        <p:txBody>
+          <a:bodyPr rtlCol="0" anchor="ctr"/>
+          <a:lstStyle/>
+          <a:p>
+            <a:pPr algn="ctr"/>
+            <a:r>
+              <a:rPr lang="vi-VN" sz="1400">
+                <a:solidFill>
+                  <a:schemeClr val="tx1"/>
+                </a:solidFill>
+                <a:latin typeface="Times New Roman (Đầu đề)"/>
+              </a:rPr>
+              <a:t>Conv1</a:t>
+            </a:r>
+          </a:p>
+        </p:txBody>
+      </p:sp>
+      <p:sp>
+        <p:nvSpPr>
+          <p:cNvPr id="6" name="Hình chữ nhật 5">
+            <a:extLst>
+              <a:ext uri="{FF2B5EF4-FFF2-40B4-BE49-F238E27FC236}">
+                <a16:creationId xmlns:a16="http://schemas.microsoft.com/office/drawing/2014/main" id="{7C9301A8-EB65-1FBB-D660-DEA6CAAA8BF6}"/>
+              </a:ext>
+            </a:extLst>
+          </p:cNvPr>
+          <p:cNvSpPr/>
+          <p:nvPr/>
+        </p:nvSpPr>
+        <p:spPr>
+          <a:xfrm>
+            <a:off x="1011070" y="1708120"/>
+            <a:ext cx="1424295" cy="365126"/>
+          </a:xfrm>
+          <a:prstGeom prst="rect">
+            <a:avLst/>
+          </a:prstGeom>
+          <a:noFill/>
+          <a:ln>
+            <a:solidFill>
+              <a:schemeClr val="tx1"/>
+            </a:solidFill>
+          </a:ln>
+        </p:spPr>
+        <p:style>
+          <a:lnRef idx="2">
+            <a:schemeClr val="accent1">
+              <a:shade val="50000"/>
+            </a:schemeClr>
+          </a:lnRef>
+          <a:fillRef idx="1">
+            <a:schemeClr val="accent1"/>
+          </a:fillRef>
+          <a:effectRef idx="0">
+            <a:schemeClr val="accent1"/>
+          </a:effectRef>
+          <a:fontRef idx="minor">
+            <a:schemeClr val="lt1"/>
+          </a:fontRef>
+        </p:style>
+        <p:txBody>
+          <a:bodyPr rtlCol="0" anchor="ctr"/>
+          <a:lstStyle/>
+          <a:p>
+            <a:pPr algn="ctr"/>
+            <a:r>
+              <a:rPr lang="vi-VN" sz="1400">
+                <a:solidFill>
+                  <a:schemeClr val="tx1"/>
+                </a:solidFill>
+                <a:latin typeface="Times New Roman (Đầu đề)"/>
+              </a:rPr>
+              <a:t>MaxPool1</a:t>
+            </a:r>
+          </a:p>
+        </p:txBody>
+      </p:sp>
+      <p:sp>
+        <p:nvSpPr>
+          <p:cNvPr id="7" name="Hình chữ nhật 6">
+            <a:extLst>
+              <a:ext uri="{FF2B5EF4-FFF2-40B4-BE49-F238E27FC236}">
+                <a16:creationId xmlns:a16="http://schemas.microsoft.com/office/drawing/2014/main" id="{A27C11B0-E378-CFCB-209D-A8C52C744491}"/>
+              </a:ext>
+            </a:extLst>
+          </p:cNvPr>
+          <p:cNvSpPr/>
+          <p:nvPr/>
+        </p:nvSpPr>
+        <p:spPr>
+          <a:xfrm>
+            <a:off x="1011071" y="2295159"/>
+            <a:ext cx="1421560" cy="365126"/>
+          </a:xfrm>
+          <a:prstGeom prst="rect">
+            <a:avLst/>
+          </a:prstGeom>
+          <a:noFill/>
+          <a:ln>
+            <a:solidFill>
+              <a:schemeClr val="tx1"/>
+            </a:solidFill>
+          </a:ln>
+        </p:spPr>
+        <p:style>
+          <a:lnRef idx="2">
+            <a:schemeClr val="accent1">
+              <a:shade val="50000"/>
+            </a:schemeClr>
+          </a:lnRef>
+          <a:fillRef idx="1">
+            <a:schemeClr val="accent1"/>
+          </a:fillRef>
+          <a:effectRef idx="0">
+            <a:schemeClr val="accent1"/>
+          </a:effectRef>
+          <a:fontRef idx="minor">
+            <a:schemeClr val="lt1"/>
+          </a:fontRef>
+        </p:style>
+        <p:txBody>
+          <a:bodyPr rtlCol="0" anchor="ctr"/>
+          <a:lstStyle/>
+          <a:p>
+            <a:pPr algn="ctr"/>
+            <a:r>
+              <a:rPr lang="vi-VN" sz="1400">
+                <a:solidFill>
+                  <a:schemeClr val="tx1"/>
+                </a:solidFill>
+                <a:latin typeface="Times New Roman (Đầu đề)"/>
+              </a:rPr>
+              <a:t>Conv2</a:t>
+            </a:r>
+          </a:p>
+        </p:txBody>
+      </p:sp>
+      <p:sp>
+        <p:nvSpPr>
+          <p:cNvPr id="8" name="Hình chữ nhật 7">
+            <a:extLst>
+              <a:ext uri="{FF2B5EF4-FFF2-40B4-BE49-F238E27FC236}">
+                <a16:creationId xmlns:a16="http://schemas.microsoft.com/office/drawing/2014/main" id="{C2F9A6C8-30FE-BE19-ED77-CD7DA45EB8EF}"/>
+              </a:ext>
+            </a:extLst>
+          </p:cNvPr>
+          <p:cNvSpPr/>
+          <p:nvPr/>
+        </p:nvSpPr>
+        <p:spPr>
+          <a:xfrm>
+            <a:off x="1011070" y="2887931"/>
+            <a:ext cx="1421561" cy="365126"/>
+          </a:xfrm>
+          <a:prstGeom prst="rect">
+            <a:avLst/>
+          </a:prstGeom>
+          <a:noFill/>
+          <a:ln>
+            <a:solidFill>
+              <a:schemeClr val="tx1"/>
+            </a:solidFill>
+          </a:ln>
+        </p:spPr>
+        <p:style>
+          <a:lnRef idx="2">
+            <a:schemeClr val="accent1">
+              <a:shade val="50000"/>
+            </a:schemeClr>
+          </a:lnRef>
+          <a:fillRef idx="1">
+            <a:schemeClr val="accent1"/>
+          </a:fillRef>
+          <a:effectRef idx="0">
+            <a:schemeClr val="accent1"/>
+          </a:effectRef>
+          <a:fontRef idx="minor">
+            <a:schemeClr val="lt1"/>
+          </a:fontRef>
+        </p:style>
+        <p:txBody>
+          <a:bodyPr rtlCol="0" anchor="ctr"/>
+          <a:lstStyle/>
+          <a:p>
+            <a:pPr algn="ctr"/>
+            <a:r>
+              <a:rPr lang="vi-VN" sz="1400">
+                <a:solidFill>
+                  <a:schemeClr val="tx1"/>
+                </a:solidFill>
+                <a:latin typeface="Times New Roman (Đầu đề)"/>
+              </a:rPr>
+              <a:t>MaxPool2</a:t>
+            </a:r>
+          </a:p>
+        </p:txBody>
+      </p:sp>
+      <p:cxnSp>
+        <p:nvCxnSpPr>
+          <p:cNvPr id="11" name="Đường kết nối Mũi tên Thẳng 10">
+            <a:extLst>
+              <a:ext uri="{FF2B5EF4-FFF2-40B4-BE49-F238E27FC236}">
+                <a16:creationId xmlns:a16="http://schemas.microsoft.com/office/drawing/2014/main" id="{8D7AC53C-6D56-A4ED-EBFB-C7C1CFD8C0BE}"/>
+              </a:ext>
+            </a:extLst>
+          </p:cNvPr>
+          <p:cNvCxnSpPr>
+            <a:stCxn id="5" idx="2"/>
+            <a:endCxn id="6" idx="0"/>
+          </p:cNvCxnSpPr>
+          <p:nvPr/>
+        </p:nvCxnSpPr>
+        <p:spPr>
+          <a:xfrm>
+            <a:off x="1723218" y="1494441"/>
+            <a:ext cx="0" cy="213679"/>
+          </a:xfrm>
+          <a:prstGeom prst="straightConnector1">
+            <a:avLst/>
+          </a:prstGeom>
+          <a:ln>
+            <a:solidFill>
+              <a:schemeClr val="tx1"/>
+            </a:solidFill>
+            <a:tailEnd type="triangle"/>
+          </a:ln>
+        </p:spPr>
+        <p:style>
+          <a:lnRef idx="1">
+            <a:schemeClr val="accent1"/>
+          </a:lnRef>
+          <a:fillRef idx="0">
+            <a:schemeClr val="accent1"/>
+          </a:fillRef>
+          <a:effectRef idx="0">
+            <a:schemeClr val="accent1"/>
+          </a:effectRef>
+          <a:fontRef idx="minor">
+            <a:schemeClr val="tx1"/>
+          </a:fontRef>
+        </p:style>
+      </p:cxnSp>
+      <p:cxnSp>
+        <p:nvCxnSpPr>
+          <p:cNvPr id="12" name="Đường kết nối Mũi tên Thẳng 11">
+            <a:extLst>
+              <a:ext uri="{FF2B5EF4-FFF2-40B4-BE49-F238E27FC236}">
+                <a16:creationId xmlns:a16="http://schemas.microsoft.com/office/drawing/2014/main" id="{84D46B3B-F1E9-5D05-03CE-FBA82A5D6FCA}"/>
+              </a:ext>
+            </a:extLst>
+          </p:cNvPr>
+          <p:cNvCxnSpPr>
+            <a:stCxn id="6" idx="2"/>
+            <a:endCxn id="7" idx="0"/>
+          </p:cNvCxnSpPr>
+          <p:nvPr/>
+        </p:nvCxnSpPr>
+        <p:spPr>
+          <a:xfrm flipH="1">
+            <a:off x="1721851" y="2073246"/>
+            <a:ext cx="1367" cy="221913"/>
+          </a:xfrm>
+          <a:prstGeom prst="straightConnector1">
+            <a:avLst/>
+          </a:prstGeom>
+          <a:ln>
+            <a:solidFill>
+              <a:schemeClr val="tx1"/>
+            </a:solidFill>
+            <a:tailEnd type="triangle"/>
+          </a:ln>
+        </p:spPr>
+        <p:style>
+          <a:lnRef idx="1">
+            <a:schemeClr val="accent1"/>
+          </a:lnRef>
+          <a:fillRef idx="0">
+            <a:schemeClr val="accent1"/>
+          </a:fillRef>
+          <a:effectRef idx="0">
+            <a:schemeClr val="accent1"/>
+          </a:effectRef>
+          <a:fontRef idx="minor">
+            <a:schemeClr val="tx1"/>
+          </a:fontRef>
+        </p:style>
+      </p:cxnSp>
+      <p:cxnSp>
+        <p:nvCxnSpPr>
+          <p:cNvPr id="13" name="Đường kết nối Mũi tên Thẳng 12">
+            <a:extLst>
+              <a:ext uri="{FF2B5EF4-FFF2-40B4-BE49-F238E27FC236}">
+                <a16:creationId xmlns:a16="http://schemas.microsoft.com/office/drawing/2014/main" id="{46052355-3E9B-F509-14E4-0986C82B132E}"/>
+              </a:ext>
+            </a:extLst>
+          </p:cNvPr>
+          <p:cNvCxnSpPr>
+            <a:stCxn id="7" idx="2"/>
+            <a:endCxn id="8" idx="0"/>
+          </p:cNvCxnSpPr>
+          <p:nvPr/>
+        </p:nvCxnSpPr>
+        <p:spPr>
+          <a:xfrm>
+            <a:off x="1721851" y="2660285"/>
+            <a:ext cx="0" cy="227646"/>
+          </a:xfrm>
+          <a:prstGeom prst="straightConnector1">
+            <a:avLst/>
+          </a:prstGeom>
+          <a:ln>
+            <a:solidFill>
+              <a:schemeClr val="tx1"/>
+            </a:solidFill>
+            <a:tailEnd type="triangle"/>
+          </a:ln>
+        </p:spPr>
+        <p:style>
+          <a:lnRef idx="1">
+            <a:schemeClr val="accent1"/>
+          </a:lnRef>
+          <a:fillRef idx="0">
+            <a:schemeClr val="accent1"/>
+          </a:fillRef>
+          <a:effectRef idx="0">
+            <a:schemeClr val="accent1"/>
+          </a:effectRef>
+          <a:fontRef idx="minor">
+            <a:schemeClr val="tx1"/>
+          </a:fontRef>
+        </p:style>
+      </p:cxnSp>
+      <p:sp>
+        <p:nvSpPr>
+          <p:cNvPr id="16" name="Hình chữ nhật 15">
+            <a:extLst>
+              <a:ext uri="{FF2B5EF4-FFF2-40B4-BE49-F238E27FC236}">
+                <a16:creationId xmlns:a16="http://schemas.microsoft.com/office/drawing/2014/main" id="{567DEE01-60EC-9146-4919-6BC0EADC1548}"/>
+              </a:ext>
+            </a:extLst>
+          </p:cNvPr>
+          <p:cNvSpPr/>
+          <p:nvPr/>
+        </p:nvSpPr>
+        <p:spPr>
+          <a:xfrm>
+            <a:off x="1006521" y="419947"/>
+            <a:ext cx="1424295" cy="365126"/>
+          </a:xfrm>
+          <a:prstGeom prst="rect">
+            <a:avLst/>
+          </a:prstGeom>
+          <a:noFill/>
+          <a:ln>
+            <a:noFill/>
+          </a:ln>
+        </p:spPr>
+        <p:style>
+          <a:lnRef idx="2">
+            <a:schemeClr val="accent1">
+              <a:shade val="50000"/>
+            </a:schemeClr>
+          </a:lnRef>
+          <a:fillRef idx="1">
+            <a:schemeClr val="accent1"/>
+          </a:fillRef>
+          <a:effectRef idx="0">
+            <a:schemeClr val="accent1"/>
+          </a:effectRef>
+          <a:fontRef idx="minor">
+            <a:schemeClr val="lt1"/>
+          </a:fontRef>
+        </p:style>
+        <p:txBody>
+          <a:bodyPr rtlCol="0" anchor="ctr"/>
+          <a:lstStyle/>
+          <a:p>
+            <a:pPr algn="ctr"/>
+            <a:r>
+              <a:rPr lang="vi-VN" sz="1400">
+                <a:solidFill>
+                  <a:schemeClr val="tx1"/>
+                </a:solidFill>
+                <a:latin typeface="Times New Roman (Đầu đề)"/>
+              </a:rPr>
+              <a:t>Image</a:t>
+            </a:r>
+          </a:p>
+        </p:txBody>
+      </p:sp>
+      <p:cxnSp>
+        <p:nvCxnSpPr>
+          <p:cNvPr id="17" name="Đường kết nối Mũi tên Thẳng 16">
+            <a:extLst>
+              <a:ext uri="{FF2B5EF4-FFF2-40B4-BE49-F238E27FC236}">
+                <a16:creationId xmlns:a16="http://schemas.microsoft.com/office/drawing/2014/main" id="{3485A65C-DD10-53D5-19A6-EB5F923136E7}"/>
+              </a:ext>
+            </a:extLst>
+          </p:cNvPr>
+          <p:cNvCxnSpPr>
+            <a:cxnSpLocks/>
+            <a:stCxn id="16" idx="2"/>
+            <a:endCxn id="5" idx="0"/>
+          </p:cNvCxnSpPr>
+          <p:nvPr/>
+        </p:nvCxnSpPr>
+        <p:spPr>
+          <a:xfrm>
+            <a:off x="1718669" y="785073"/>
+            <a:ext cx="4549" cy="344242"/>
+          </a:xfrm>
+          <a:prstGeom prst="straightConnector1">
+            <a:avLst/>
+          </a:prstGeom>
+          <a:ln>
+            <a:solidFill>
+              <a:schemeClr val="tx1"/>
+            </a:solidFill>
+            <a:tailEnd type="triangle"/>
+          </a:ln>
+        </p:spPr>
+        <p:style>
+          <a:lnRef idx="1">
+            <a:schemeClr val="accent1"/>
+          </a:lnRef>
+          <a:fillRef idx="0">
+            <a:schemeClr val="accent1"/>
+          </a:fillRef>
+          <a:effectRef idx="0">
+            <a:schemeClr val="accent1"/>
+          </a:effectRef>
+          <a:fontRef idx="minor">
+            <a:schemeClr val="tx1"/>
+          </a:fontRef>
+        </p:style>
+      </p:cxnSp>
+      <p:sp>
+        <p:nvSpPr>
+          <p:cNvPr id="18" name="Hộp Văn bản 17">
+            <a:extLst>
+              <a:ext uri="{FF2B5EF4-FFF2-40B4-BE49-F238E27FC236}">
+                <a16:creationId xmlns:a16="http://schemas.microsoft.com/office/drawing/2014/main" id="{7C284CAE-15F5-1845-A8C6-92972E44EC00}"/>
+              </a:ext>
+            </a:extLst>
+          </p:cNvPr>
+          <p:cNvSpPr txBox="1"/>
+          <p:nvPr/>
+        </p:nvSpPr>
+        <p:spPr>
+          <a:xfrm>
+            <a:off x="1531772" y="-19026"/>
+            <a:ext cx="413097" cy="369332"/>
+          </a:xfrm>
+          <a:prstGeom prst="rect">
+            <a:avLst/>
+          </a:prstGeom>
+          <a:noFill/>
+        </p:spPr>
+        <p:txBody>
+          <a:bodyPr wrap="square" rtlCol="0">
+            <a:spAutoFit/>
+          </a:bodyPr>
+          <a:lstStyle/>
+          <a:p>
+            <a:r>
+              <a:rPr lang="en-US">
+                <a:latin typeface="Times New Roman (Đầu đề)"/>
+              </a:rPr>
+              <a:t>a)</a:t>
+            </a:r>
+            <a:endParaRPr lang="vi-VN">
+              <a:latin typeface="Times New Roman (Đầu đề)"/>
+            </a:endParaRPr>
+          </a:p>
+        </p:txBody>
+      </p:sp>
+      <p:sp>
+        <p:nvSpPr>
+          <p:cNvPr id="23" name="Hình chữ nhật 22">
+            <a:extLst>
+              <a:ext uri="{FF2B5EF4-FFF2-40B4-BE49-F238E27FC236}">
+                <a16:creationId xmlns:a16="http://schemas.microsoft.com/office/drawing/2014/main" id="{FC581962-5AAC-1EE9-E098-0388181DBD57}"/>
+              </a:ext>
+            </a:extLst>
+          </p:cNvPr>
+          <p:cNvSpPr/>
+          <p:nvPr/>
+        </p:nvSpPr>
+        <p:spPr>
+          <a:xfrm>
+            <a:off x="2610513" y="3968071"/>
+            <a:ext cx="1424296" cy="365126"/>
+          </a:xfrm>
+          <a:prstGeom prst="rect">
+            <a:avLst/>
+          </a:prstGeom>
+          <a:noFill/>
+          <a:ln>
+            <a:solidFill>
+              <a:schemeClr val="tx1"/>
+            </a:solidFill>
+          </a:ln>
+        </p:spPr>
+        <p:style>
+          <a:lnRef idx="2">
+            <a:schemeClr val="accent1">
+              <a:shade val="50000"/>
+            </a:schemeClr>
+          </a:lnRef>
+          <a:fillRef idx="1">
+            <a:schemeClr val="accent1"/>
+          </a:fillRef>
+          <a:effectRef idx="0">
+            <a:schemeClr val="accent1"/>
+          </a:effectRef>
+          <a:fontRef idx="minor">
+            <a:schemeClr val="lt1"/>
+          </a:fontRef>
+        </p:style>
+        <p:txBody>
+          <a:bodyPr rtlCol="0" anchor="ctr"/>
+          <a:lstStyle/>
+          <a:p>
+            <a:pPr algn="ctr"/>
+            <a:r>
+              <a:rPr lang="vi-VN" sz="1400">
+                <a:solidFill>
+                  <a:schemeClr val="tx1"/>
+                </a:solidFill>
+                <a:latin typeface="Times New Roman (Đầu đề)"/>
+              </a:rPr>
+              <a:t>FC1</a:t>
+            </a:r>
+          </a:p>
+        </p:txBody>
+      </p:sp>
+      <p:sp>
+        <p:nvSpPr>
+          <p:cNvPr id="24" name="Hình chữ nhật 23">
+            <a:extLst>
+              <a:ext uri="{FF2B5EF4-FFF2-40B4-BE49-F238E27FC236}">
+                <a16:creationId xmlns:a16="http://schemas.microsoft.com/office/drawing/2014/main" id="{8FDED7D7-4107-B8B0-3FEA-349552C91506}"/>
+              </a:ext>
+            </a:extLst>
+          </p:cNvPr>
+          <p:cNvSpPr/>
+          <p:nvPr/>
+        </p:nvSpPr>
+        <p:spPr>
+          <a:xfrm>
+            <a:off x="2851150" y="4559632"/>
+            <a:ext cx="952500" cy="365126"/>
+          </a:xfrm>
+          <a:prstGeom prst="rect">
+            <a:avLst/>
+          </a:prstGeom>
+          <a:noFill/>
+          <a:ln>
+            <a:solidFill>
+              <a:schemeClr val="tx1"/>
+            </a:solidFill>
+          </a:ln>
+        </p:spPr>
+        <p:style>
+          <a:lnRef idx="2">
+            <a:schemeClr val="accent1">
+              <a:shade val="50000"/>
+            </a:schemeClr>
+          </a:lnRef>
+          <a:fillRef idx="1">
+            <a:schemeClr val="accent1"/>
+          </a:fillRef>
+          <a:effectRef idx="0">
+            <a:schemeClr val="accent1"/>
+          </a:effectRef>
+          <a:fontRef idx="minor">
+            <a:schemeClr val="lt1"/>
+          </a:fontRef>
+        </p:style>
+        <p:txBody>
+          <a:bodyPr rtlCol="0" anchor="ctr"/>
+          <a:lstStyle/>
+          <a:p>
+            <a:pPr algn="ctr"/>
+            <a:r>
+              <a:rPr lang="vi-VN" sz="1400">
+                <a:solidFill>
+                  <a:schemeClr val="tx1"/>
+                </a:solidFill>
+                <a:latin typeface="Times New Roman (Đầu đề)"/>
+              </a:rPr>
+              <a:t>FC2</a:t>
+            </a:r>
+          </a:p>
+        </p:txBody>
+      </p:sp>
+      <p:cxnSp>
+        <p:nvCxnSpPr>
+          <p:cNvPr id="28" name="Đường kết nối Mũi tên Thẳng 27">
+            <a:extLst>
+              <a:ext uri="{FF2B5EF4-FFF2-40B4-BE49-F238E27FC236}">
+                <a16:creationId xmlns:a16="http://schemas.microsoft.com/office/drawing/2014/main" id="{DB0D0262-5299-6AFF-0F3B-C72D775645E1}"/>
+              </a:ext>
+            </a:extLst>
+          </p:cNvPr>
+          <p:cNvCxnSpPr>
+            <a:cxnSpLocks/>
+            <a:stCxn id="33" idx="2"/>
+            <a:endCxn id="23" idx="0"/>
+          </p:cNvCxnSpPr>
+          <p:nvPr/>
+        </p:nvCxnSpPr>
+        <p:spPr>
+          <a:xfrm flipH="1">
+            <a:off x="3322661" y="3253055"/>
+            <a:ext cx="3181" cy="715016"/>
+          </a:xfrm>
+          <a:prstGeom prst="straightConnector1">
+            <a:avLst/>
+          </a:prstGeom>
+          <a:ln>
+            <a:solidFill>
+              <a:schemeClr val="tx1"/>
+            </a:solidFill>
+            <a:tailEnd type="triangle"/>
+          </a:ln>
+        </p:spPr>
+        <p:style>
+          <a:lnRef idx="1">
+            <a:schemeClr val="accent1"/>
+          </a:lnRef>
+          <a:fillRef idx="0">
+            <a:schemeClr val="accent1"/>
+          </a:fillRef>
+          <a:effectRef idx="0">
+            <a:schemeClr val="accent1"/>
+          </a:effectRef>
+          <a:fontRef idx="minor">
+            <a:schemeClr val="tx1"/>
+          </a:fontRef>
+        </p:style>
+      </p:cxnSp>
+      <p:cxnSp>
+        <p:nvCxnSpPr>
+          <p:cNvPr id="29" name="Đường kết nối Mũi tên Thẳng 28">
+            <a:extLst>
+              <a:ext uri="{FF2B5EF4-FFF2-40B4-BE49-F238E27FC236}">
+                <a16:creationId xmlns:a16="http://schemas.microsoft.com/office/drawing/2014/main" id="{442F69A5-80B1-88CB-8C4B-9BDE81F56077}"/>
+              </a:ext>
+            </a:extLst>
+          </p:cNvPr>
+          <p:cNvCxnSpPr>
+            <a:cxnSpLocks/>
+            <a:stCxn id="23" idx="2"/>
+            <a:endCxn id="24" idx="0"/>
+          </p:cNvCxnSpPr>
+          <p:nvPr/>
+        </p:nvCxnSpPr>
+        <p:spPr>
+          <a:xfrm>
+            <a:off x="3322661" y="4333197"/>
+            <a:ext cx="4739" cy="226435"/>
+          </a:xfrm>
+          <a:prstGeom prst="straightConnector1">
+            <a:avLst/>
+          </a:prstGeom>
+          <a:ln>
+            <a:solidFill>
+              <a:schemeClr val="tx1"/>
+            </a:solidFill>
+            <a:tailEnd type="triangle"/>
+          </a:ln>
+        </p:spPr>
+        <p:style>
+          <a:lnRef idx="1">
+            <a:schemeClr val="accent1"/>
+          </a:lnRef>
+          <a:fillRef idx="0">
+            <a:schemeClr val="accent1"/>
+          </a:fillRef>
+          <a:effectRef idx="0">
+            <a:schemeClr val="accent1"/>
+          </a:effectRef>
+          <a:fontRef idx="minor">
+            <a:schemeClr val="tx1"/>
+          </a:fontRef>
+        </p:style>
+      </p:cxnSp>
+      <p:sp>
+        <p:nvSpPr>
+          <p:cNvPr id="30" name="Hình chữ nhật 29">
+            <a:extLst>
+              <a:ext uri="{FF2B5EF4-FFF2-40B4-BE49-F238E27FC236}">
+                <a16:creationId xmlns:a16="http://schemas.microsoft.com/office/drawing/2014/main" id="{8B51DABE-5EFA-963E-20F9-2D2F591DAE2C}"/>
+              </a:ext>
+            </a:extLst>
+          </p:cNvPr>
+          <p:cNvSpPr/>
+          <p:nvPr/>
+        </p:nvSpPr>
+        <p:spPr>
+          <a:xfrm>
+            <a:off x="2610513" y="419947"/>
+            <a:ext cx="1424295" cy="365126"/>
+          </a:xfrm>
+          <a:prstGeom prst="rect">
+            <a:avLst/>
+          </a:prstGeom>
+          <a:noFill/>
+          <a:ln>
+            <a:noFill/>
+          </a:ln>
+        </p:spPr>
+        <p:style>
+          <a:lnRef idx="2">
+            <a:schemeClr val="accent1">
+              <a:shade val="50000"/>
+            </a:schemeClr>
+          </a:lnRef>
+          <a:fillRef idx="1">
+            <a:schemeClr val="accent1"/>
+          </a:fillRef>
+          <a:effectRef idx="0">
+            <a:schemeClr val="accent1"/>
+          </a:effectRef>
+          <a:fontRef idx="minor">
+            <a:schemeClr val="lt1"/>
+          </a:fontRef>
+        </p:style>
+        <p:txBody>
+          <a:bodyPr rtlCol="0" anchor="ctr"/>
+          <a:lstStyle/>
+          <a:p>
+            <a:pPr algn="ctr"/>
+            <a:r>
+              <a:rPr lang="vi-VN" sz="1400">
+                <a:solidFill>
+                  <a:schemeClr val="tx1"/>
+                </a:solidFill>
+                <a:latin typeface="Times New Roman (Đầu đề)"/>
+              </a:rPr>
+              <a:t>Image</a:t>
+            </a:r>
+          </a:p>
+        </p:txBody>
+      </p:sp>
+      <p:cxnSp>
+        <p:nvCxnSpPr>
+          <p:cNvPr id="31" name="Đường kết nối Mũi tên Thẳng 30">
+            <a:extLst>
+              <a:ext uri="{FF2B5EF4-FFF2-40B4-BE49-F238E27FC236}">
+                <a16:creationId xmlns:a16="http://schemas.microsoft.com/office/drawing/2014/main" id="{A19409D3-180A-D450-C7E3-0E4CBD4FA93D}"/>
+              </a:ext>
+            </a:extLst>
+          </p:cNvPr>
+          <p:cNvCxnSpPr>
+            <a:cxnSpLocks/>
+            <a:stCxn id="30" idx="2"/>
+            <a:endCxn id="33" idx="0"/>
+          </p:cNvCxnSpPr>
+          <p:nvPr/>
+        </p:nvCxnSpPr>
+        <p:spPr>
+          <a:xfrm>
+            <a:off x="3322661" y="785073"/>
+            <a:ext cx="3181" cy="356153"/>
+          </a:xfrm>
+          <a:prstGeom prst="straightConnector1">
+            <a:avLst/>
+          </a:prstGeom>
+          <a:ln>
+            <a:solidFill>
+              <a:schemeClr val="tx1"/>
+            </a:solidFill>
+            <a:tailEnd type="triangle"/>
+          </a:ln>
+        </p:spPr>
+        <p:style>
+          <a:lnRef idx="1">
+            <a:schemeClr val="accent1"/>
+          </a:lnRef>
+          <a:fillRef idx="0">
+            <a:schemeClr val="accent1"/>
+          </a:fillRef>
+          <a:effectRef idx="0">
+            <a:schemeClr val="accent1"/>
+          </a:effectRef>
+          <a:fontRef idx="minor">
+            <a:schemeClr val="tx1"/>
+          </a:fontRef>
+        </p:style>
+      </p:cxnSp>
+      <p:sp>
+        <p:nvSpPr>
+          <p:cNvPr id="32" name="Hộp Văn bản 31">
+            <a:extLst>
+              <a:ext uri="{FF2B5EF4-FFF2-40B4-BE49-F238E27FC236}">
+                <a16:creationId xmlns:a16="http://schemas.microsoft.com/office/drawing/2014/main" id="{60F87188-DD2D-2712-3A93-0795C552EAFC}"/>
+              </a:ext>
+            </a:extLst>
+          </p:cNvPr>
+          <p:cNvSpPr txBox="1"/>
+          <p:nvPr/>
+        </p:nvSpPr>
+        <p:spPr>
+          <a:xfrm>
+            <a:off x="3098642" y="5324"/>
+            <a:ext cx="448035" cy="369332"/>
+          </a:xfrm>
+          <a:prstGeom prst="rect">
+            <a:avLst/>
+          </a:prstGeom>
+          <a:noFill/>
+        </p:spPr>
+        <p:txBody>
+          <a:bodyPr wrap="square" rtlCol="0">
+            <a:spAutoFit/>
+          </a:bodyPr>
+          <a:lstStyle/>
+          <a:p>
+            <a:r>
+              <a:rPr lang="en-US">
+                <a:latin typeface="Times New Roman (Đầu đề)"/>
+              </a:rPr>
+              <a:t>b)</a:t>
+            </a:r>
+            <a:endParaRPr lang="vi-VN">
+              <a:latin typeface="Times New Roman (Đầu đề)"/>
+            </a:endParaRPr>
+          </a:p>
+        </p:txBody>
+      </p:sp>
+      <p:sp>
+        <p:nvSpPr>
+          <p:cNvPr id="33" name="Hình chữ nhật 32">
+            <a:extLst>
+              <a:ext uri="{FF2B5EF4-FFF2-40B4-BE49-F238E27FC236}">
+                <a16:creationId xmlns:a16="http://schemas.microsoft.com/office/drawing/2014/main" id="{E96DB287-65AF-E71D-F6E4-A0AEB9E678D3}"/>
+              </a:ext>
+            </a:extLst>
+          </p:cNvPr>
+          <p:cNvSpPr/>
+          <p:nvPr/>
+        </p:nvSpPr>
+        <p:spPr>
+          <a:xfrm>
+            <a:off x="2615061" y="1141226"/>
+            <a:ext cx="1421561" cy="2111829"/>
+          </a:xfrm>
+          <a:prstGeom prst="rect">
+            <a:avLst/>
+          </a:prstGeom>
+          <a:noFill/>
+          <a:ln>
+            <a:solidFill>
+              <a:schemeClr val="tx1"/>
+            </a:solidFill>
+          </a:ln>
+        </p:spPr>
+        <p:style>
+          <a:lnRef idx="2">
+            <a:schemeClr val="accent1">
+              <a:shade val="50000"/>
+            </a:schemeClr>
+          </a:lnRef>
+          <a:fillRef idx="1">
+            <a:schemeClr val="accent1"/>
+          </a:fillRef>
+          <a:effectRef idx="0">
+            <a:schemeClr val="accent1"/>
+          </a:effectRef>
+          <a:fontRef idx="minor">
+            <a:schemeClr val="lt1"/>
+          </a:fontRef>
+        </p:style>
+        <p:txBody>
+          <a:bodyPr rtlCol="0" anchor="ctr"/>
+          <a:lstStyle/>
+          <a:p>
+            <a:pPr algn="ctr"/>
+            <a:r>
+              <a:rPr lang="vi-VN" sz="1400">
+                <a:solidFill>
+                  <a:schemeClr val="tx1"/>
+                </a:solidFill>
+                <a:latin typeface="Times New Roman (Đầu đề)"/>
+              </a:rPr>
+              <a:t>Quantum filter</a:t>
+            </a:r>
+          </a:p>
+        </p:txBody>
+      </p:sp>
+      <p:sp>
+        <p:nvSpPr>
+          <p:cNvPr id="40" name="Hình chữ nhật 39">
+            <a:extLst>
+              <a:ext uri="{FF2B5EF4-FFF2-40B4-BE49-F238E27FC236}">
+                <a16:creationId xmlns:a16="http://schemas.microsoft.com/office/drawing/2014/main" id="{257D6CF4-6F06-B3B0-7C0E-0A14D7F6C42A}"/>
+              </a:ext>
+            </a:extLst>
+          </p:cNvPr>
+          <p:cNvSpPr/>
+          <p:nvPr/>
+        </p:nvSpPr>
+        <p:spPr>
+          <a:xfrm>
+            <a:off x="4220421" y="419947"/>
+            <a:ext cx="1424295" cy="365126"/>
+          </a:xfrm>
+          <a:prstGeom prst="rect">
+            <a:avLst/>
+          </a:prstGeom>
+          <a:noFill/>
+          <a:ln>
+            <a:noFill/>
+          </a:ln>
+        </p:spPr>
+        <p:style>
+          <a:lnRef idx="2">
+            <a:schemeClr val="accent1">
+              <a:shade val="50000"/>
+            </a:schemeClr>
+          </a:lnRef>
+          <a:fillRef idx="1">
+            <a:schemeClr val="accent1"/>
+          </a:fillRef>
+          <a:effectRef idx="0">
+            <a:schemeClr val="accent1"/>
+          </a:effectRef>
+          <a:fontRef idx="minor">
+            <a:schemeClr val="lt1"/>
+          </a:fontRef>
+        </p:style>
+        <p:txBody>
+          <a:bodyPr rtlCol="0" anchor="ctr"/>
+          <a:lstStyle/>
+          <a:p>
+            <a:pPr algn="ctr"/>
+            <a:r>
+              <a:rPr lang="vi-VN" sz="1400">
+                <a:solidFill>
+                  <a:schemeClr val="tx1"/>
+                </a:solidFill>
+                <a:latin typeface="Times New Roman (Đầu đề)"/>
+              </a:rPr>
+              <a:t>Image</a:t>
+            </a:r>
+          </a:p>
+        </p:txBody>
+      </p:sp>
+      <p:sp>
+        <p:nvSpPr>
+          <p:cNvPr id="42" name="Hộp Văn bản 41">
+            <a:extLst>
+              <a:ext uri="{FF2B5EF4-FFF2-40B4-BE49-F238E27FC236}">
+                <a16:creationId xmlns:a16="http://schemas.microsoft.com/office/drawing/2014/main" id="{D05D3C00-2FD2-51D5-F65A-CAB0E02526E4}"/>
+              </a:ext>
+            </a:extLst>
+          </p:cNvPr>
+          <p:cNvSpPr txBox="1"/>
+          <p:nvPr/>
+        </p:nvSpPr>
+        <p:spPr>
+          <a:xfrm>
+            <a:off x="4700450" y="5319"/>
+            <a:ext cx="619645" cy="369332"/>
+          </a:xfrm>
+          <a:prstGeom prst="rect">
+            <a:avLst/>
+          </a:prstGeom>
+          <a:noFill/>
+        </p:spPr>
+        <p:txBody>
+          <a:bodyPr wrap="square" rtlCol="0">
+            <a:spAutoFit/>
+          </a:bodyPr>
+          <a:lstStyle/>
+          <a:p>
+            <a:r>
+              <a:rPr lang="en-US">
+                <a:latin typeface="Times New Roman (Đầu đề)"/>
+              </a:rPr>
+              <a:t>c)</a:t>
+            </a:r>
+            <a:endParaRPr lang="vi-VN">
+              <a:latin typeface="Times New Roman (Đầu đề)"/>
+            </a:endParaRPr>
+          </a:p>
+        </p:txBody>
+      </p:sp>
+      <p:sp>
+        <p:nvSpPr>
+          <p:cNvPr id="26" name="Hình chữ nhật 25">
+            <a:extLst>
+              <a:ext uri="{FF2B5EF4-FFF2-40B4-BE49-F238E27FC236}">
+                <a16:creationId xmlns:a16="http://schemas.microsoft.com/office/drawing/2014/main" id="{E0685D1A-BDFB-B1D7-3AB0-FA0F5F8C16CD}"/>
+              </a:ext>
+            </a:extLst>
+          </p:cNvPr>
+          <p:cNvSpPr/>
+          <p:nvPr/>
+        </p:nvSpPr>
+        <p:spPr>
+          <a:xfrm>
+            <a:off x="2430816" y="3748357"/>
+            <a:ext cx="1789605" cy="1877743"/>
+          </a:xfrm>
+          <a:prstGeom prst="rect">
+            <a:avLst/>
+          </a:prstGeom>
+          <a:noFill/>
+          <a:ln>
+            <a:solidFill>
+              <a:schemeClr val="tx1"/>
+            </a:solidFill>
+            <a:prstDash val="lgDash"/>
+          </a:ln>
+        </p:spPr>
+        <p:style>
+          <a:lnRef idx="2">
+            <a:schemeClr val="accent1">
+              <a:shade val="50000"/>
+            </a:schemeClr>
+          </a:lnRef>
+          <a:fillRef idx="1">
+            <a:schemeClr val="accent1"/>
+          </a:fillRef>
+          <a:effectRef idx="0">
+            <a:schemeClr val="accent1"/>
+          </a:effectRef>
+          <a:fontRef idx="minor">
+            <a:schemeClr val="lt1"/>
+          </a:fontRef>
+        </p:style>
+        <p:txBody>
+          <a:bodyPr rtlCol="0" anchor="ctr"/>
+          <a:lstStyle/>
+          <a:p>
+            <a:pPr algn="ctr"/>
+            <a:endParaRPr lang="vi-VN">
+              <a:latin typeface="Times New Roman (Đầu đề)"/>
+            </a:endParaRPr>
+          </a:p>
+        </p:txBody>
+      </p:sp>
+      <p:cxnSp>
+        <p:nvCxnSpPr>
+          <p:cNvPr id="35" name="Đường kết nối: Mũi tên Gấp khúc 34">
+            <a:extLst>
+              <a:ext uri="{FF2B5EF4-FFF2-40B4-BE49-F238E27FC236}">
+                <a16:creationId xmlns:a16="http://schemas.microsoft.com/office/drawing/2014/main" id="{20BD2263-67D9-2FEB-6686-FEF04D1757AB}"/>
+              </a:ext>
+            </a:extLst>
+          </p:cNvPr>
+          <p:cNvCxnSpPr>
+            <a:cxnSpLocks/>
+            <a:stCxn id="8" idx="2"/>
+            <a:endCxn id="23" idx="0"/>
+          </p:cNvCxnSpPr>
+          <p:nvPr/>
+        </p:nvCxnSpPr>
+        <p:spPr>
+          <a:xfrm rot="16200000" flipH="1">
+            <a:off x="2164749" y="2810159"/>
+            <a:ext cx="715014" cy="1600810"/>
+          </a:xfrm>
+          <a:prstGeom prst="bentConnector3">
+            <a:avLst>
+              <a:gd name="adj1" fmla="val 50000"/>
+            </a:avLst>
+          </a:prstGeom>
+          <a:ln>
+            <a:tailEnd type="triangle"/>
+          </a:ln>
+        </p:spPr>
+        <p:style>
+          <a:lnRef idx="1">
+            <a:schemeClr val="dk1"/>
+          </a:lnRef>
+          <a:fillRef idx="0">
+            <a:schemeClr val="dk1"/>
+          </a:fillRef>
+          <a:effectRef idx="0">
+            <a:schemeClr val="dk1"/>
+          </a:effectRef>
+          <a:fontRef idx="minor">
+            <a:schemeClr val="tx1"/>
+          </a:fontRef>
+        </p:style>
+      </p:cxnSp>
+      <p:cxnSp>
+        <p:nvCxnSpPr>
+          <p:cNvPr id="41" name="Đường kết nối: Mũi tên Gấp khúc 40">
+            <a:extLst>
+              <a:ext uri="{FF2B5EF4-FFF2-40B4-BE49-F238E27FC236}">
+                <a16:creationId xmlns:a16="http://schemas.microsoft.com/office/drawing/2014/main" id="{7765A9D2-A73B-2210-683C-AF528EFFC557}"/>
+              </a:ext>
+            </a:extLst>
+          </p:cNvPr>
+          <p:cNvCxnSpPr>
+            <a:cxnSpLocks/>
+            <a:stCxn id="40" idx="2"/>
+            <a:endCxn id="23" idx="0"/>
+          </p:cNvCxnSpPr>
+          <p:nvPr/>
+        </p:nvCxnSpPr>
+        <p:spPr>
+          <a:xfrm rot="5400000">
+            <a:off x="2536116" y="1571618"/>
+            <a:ext cx="3182998" cy="1609908"/>
+          </a:xfrm>
+          <a:prstGeom prst="bentConnector3">
+            <a:avLst>
+              <a:gd name="adj1" fmla="val 83543"/>
+            </a:avLst>
+          </a:prstGeom>
+          <a:ln>
+            <a:tailEnd type="triangle"/>
+          </a:ln>
+        </p:spPr>
+        <p:style>
+          <a:lnRef idx="1">
+            <a:schemeClr val="dk1"/>
+          </a:lnRef>
+          <a:fillRef idx="0">
+            <a:schemeClr val="dk1"/>
+          </a:fillRef>
+          <a:effectRef idx="0">
+            <a:schemeClr val="dk1"/>
+          </a:effectRef>
+          <a:fontRef idx="minor">
+            <a:schemeClr val="tx1"/>
+          </a:fontRef>
+        </p:style>
+      </p:cxnSp>
+      <p:sp>
+        <p:nvSpPr>
+          <p:cNvPr id="58" name="Hình chữ nhật 57">
+            <a:extLst>
+              <a:ext uri="{FF2B5EF4-FFF2-40B4-BE49-F238E27FC236}">
+                <a16:creationId xmlns:a16="http://schemas.microsoft.com/office/drawing/2014/main" id="{78B9BAE5-23A5-401A-1E4D-D53F31D158A5}"/>
+              </a:ext>
+            </a:extLst>
+          </p:cNvPr>
+          <p:cNvSpPr/>
+          <p:nvPr/>
+        </p:nvSpPr>
+        <p:spPr>
+          <a:xfrm>
+            <a:off x="2946400" y="5131443"/>
+            <a:ext cx="762000" cy="365126"/>
+          </a:xfrm>
+          <a:prstGeom prst="rect">
+            <a:avLst/>
+          </a:prstGeom>
+          <a:noFill/>
+          <a:ln>
+            <a:solidFill>
+              <a:schemeClr val="tx1"/>
+            </a:solidFill>
+          </a:ln>
+        </p:spPr>
+        <p:style>
+          <a:lnRef idx="2">
+            <a:schemeClr val="accent1">
+              <a:shade val="50000"/>
+            </a:schemeClr>
+          </a:lnRef>
+          <a:fillRef idx="1">
+            <a:schemeClr val="accent1"/>
+          </a:fillRef>
+          <a:effectRef idx="0">
+            <a:schemeClr val="accent1"/>
+          </a:effectRef>
+          <a:fontRef idx="minor">
+            <a:schemeClr val="lt1"/>
+          </a:fontRef>
+        </p:style>
+        <p:txBody>
+          <a:bodyPr rtlCol="0" anchor="ctr"/>
+          <a:lstStyle/>
+          <a:p>
+            <a:pPr algn="ctr"/>
+            <a:r>
+              <a:rPr lang="vi-VN" sz="1400">
+                <a:solidFill>
+                  <a:schemeClr val="tx1"/>
+                </a:solidFill>
+                <a:latin typeface="Times New Roman (Đầu đề)"/>
+              </a:rPr>
+              <a:t>Output</a:t>
+            </a:r>
+          </a:p>
+        </p:txBody>
+      </p:sp>
+      <p:cxnSp>
+        <p:nvCxnSpPr>
+          <p:cNvPr id="59" name="Đường kết nối Mũi tên Thẳng 58">
+            <a:extLst>
+              <a:ext uri="{FF2B5EF4-FFF2-40B4-BE49-F238E27FC236}">
+                <a16:creationId xmlns:a16="http://schemas.microsoft.com/office/drawing/2014/main" id="{F6E7A56B-5185-EA79-219F-59CE198C673F}"/>
+              </a:ext>
+            </a:extLst>
+          </p:cNvPr>
+          <p:cNvCxnSpPr>
+            <a:cxnSpLocks/>
+            <a:stCxn id="24" idx="2"/>
+            <a:endCxn id="58" idx="0"/>
+          </p:cNvCxnSpPr>
+          <p:nvPr/>
+        </p:nvCxnSpPr>
+        <p:spPr>
+          <a:xfrm>
+            <a:off x="3327400" y="4924758"/>
+            <a:ext cx="0" cy="206685"/>
+          </a:xfrm>
+          <a:prstGeom prst="straightConnector1">
+            <a:avLst/>
+          </a:prstGeom>
+          <a:ln>
+            <a:solidFill>
+              <a:schemeClr val="tx1"/>
+            </a:solidFill>
+            <a:tailEnd type="triangle"/>
+          </a:ln>
+        </p:spPr>
+        <p:style>
+          <a:lnRef idx="1">
+            <a:schemeClr val="accent1"/>
+          </a:lnRef>
+          <a:fillRef idx="0">
+            <a:schemeClr val="accent1"/>
+          </a:fillRef>
+          <a:effectRef idx="0">
+            <a:schemeClr val="accent1"/>
+          </a:effectRef>
+          <a:fontRef idx="minor">
+            <a:schemeClr val="tx1"/>
+          </a:fontRef>
+        </p:style>
+      </p:cxnSp>
+      <p:sp>
+        <p:nvSpPr>
+          <p:cNvPr id="2" name="Hình chữ nhật 1">
+            <a:extLst>
+              <a:ext uri="{FF2B5EF4-FFF2-40B4-BE49-F238E27FC236}">
+                <a16:creationId xmlns:a16="http://schemas.microsoft.com/office/drawing/2014/main" id="{6A90F263-D49F-D56C-FC10-030509F1655B}"/>
+              </a:ext>
+            </a:extLst>
+          </p:cNvPr>
+          <p:cNvSpPr/>
+          <p:nvPr/>
+        </p:nvSpPr>
+        <p:spPr>
+          <a:xfrm>
+            <a:off x="821131" y="966945"/>
+            <a:ext cx="3399290" cy="2389678"/>
+          </a:xfrm>
+          <a:prstGeom prst="rect">
+            <a:avLst/>
+          </a:prstGeom>
+          <a:noFill/>
+          <a:ln>
+            <a:solidFill>
+              <a:schemeClr val="tx1"/>
+            </a:solidFill>
+            <a:prstDash val="lgDash"/>
+          </a:ln>
+        </p:spPr>
+        <p:style>
+          <a:lnRef idx="2">
+            <a:schemeClr val="accent1">
+              <a:shade val="50000"/>
+            </a:schemeClr>
+          </a:lnRef>
+          <a:fillRef idx="1">
+            <a:schemeClr val="accent1"/>
+          </a:fillRef>
+          <a:effectRef idx="0">
+            <a:schemeClr val="accent1"/>
+          </a:effectRef>
+          <a:fontRef idx="minor">
+            <a:schemeClr val="lt1"/>
+          </a:fontRef>
+        </p:style>
+        <p:txBody>
+          <a:bodyPr rtlCol="0" anchor="ctr"/>
+          <a:lstStyle/>
+          <a:p>
+            <a:pPr algn="ctr"/>
+            <a:endParaRPr lang="vi-VN">
+              <a:latin typeface="Times New Roman (Đầu đề)"/>
+            </a:endParaRPr>
+          </a:p>
+        </p:txBody>
+      </p:sp>
+      <mc:AlternateContent xmlns:mc="http://schemas.openxmlformats.org/markup-compatibility/2006">
+        <mc:Choice xmlns:a14="http://schemas.microsoft.com/office/drawing/2010/main" Requires="a14">
+          <p:sp>
+            <p:nvSpPr>
+              <p:cNvPr id="3" name="Hình chữ nhật 2">
+                <a:extLst>
+                  <a:ext uri="{FF2B5EF4-FFF2-40B4-BE49-F238E27FC236}">
+                    <a16:creationId xmlns:a16="http://schemas.microsoft.com/office/drawing/2014/main" id="{30D45A5D-BEB4-1E37-1197-3D5679A2609E}"/>
+                  </a:ext>
+                </a:extLst>
+              </p:cNvPr>
+              <p:cNvSpPr/>
+              <p:nvPr/>
+            </p:nvSpPr>
+            <p:spPr>
+              <a:xfrm>
+                <a:off x="4187319" y="2001639"/>
+                <a:ext cx="1359049" cy="365126"/>
+              </a:xfrm>
+              <a:prstGeom prst="rect">
+                <a:avLst/>
+              </a:prstGeom>
+              <a:noFill/>
+              <a:ln>
+                <a:noFill/>
+              </a:ln>
+            </p:spPr>
+            <p:style>
+              <a:lnRef idx="2">
+                <a:schemeClr val="accent1">
+                  <a:shade val="50000"/>
+                </a:schemeClr>
+              </a:lnRef>
+              <a:fillRef idx="1">
+                <a:schemeClr val="accent1"/>
+              </a:fillRef>
+              <a:effectRef idx="0">
+                <a:schemeClr val="accent1"/>
+              </a:effectRef>
+              <a:fontRef idx="minor">
+                <a:schemeClr val="lt1"/>
+              </a:fontRef>
+            </p:style>
+            <p:txBody>
+              <a:bodyPr rtlCol="0" anchor="ctr"/>
+              <a:lstStyle/>
+              <a:p>
+                <a:pPr algn="ctr"/>
+                <a14:m>
+                  <m:oMath xmlns:m="http://schemas.openxmlformats.org/officeDocument/2006/math">
+                    <m:sSup>
+                      <m:sSupPr>
+                        <m:ctrlPr>
+                          <a:rPr lang="vi-VN" sz="1400" b="0" i="1" smtClean="0">
+                            <a:solidFill>
+                              <a:schemeClr val="tx1"/>
+                            </a:solidFill>
+                            <a:latin typeface="Cambria Math" panose="02040503050406030204" pitchFamily="18" charset="0"/>
+                          </a:rPr>
+                        </m:ctrlPr>
+                      </m:sSupPr>
+                      <m:e>
+                        <m:r>
+                          <a:rPr lang="vi-VN" sz="1400" b="0" i="1" smtClean="0">
+                            <a:solidFill>
+                              <a:schemeClr val="tx1"/>
+                            </a:solidFill>
+                            <a:latin typeface="Cambria Math" panose="02040503050406030204" pitchFamily="18" charset="0"/>
+                          </a:rPr>
+                          <m:t>1</m:t>
+                        </m:r>
+                      </m:e>
+                      <m:sup>
+                        <m:r>
+                          <a:rPr lang="vi-VN" sz="1400" b="0" i="1" smtClean="0">
+                            <a:solidFill>
+                              <a:schemeClr val="tx1"/>
+                            </a:solidFill>
+                            <a:latin typeface="Cambria Math" panose="02040503050406030204" pitchFamily="18" charset="0"/>
+                          </a:rPr>
+                          <m:t>𝑠𝑡</m:t>
+                        </m:r>
+                      </m:sup>
+                    </m:sSup>
+                  </m:oMath>
+                </a14:m>
+                <a:r>
+                  <a:rPr lang="vi-VN" sz="1400">
+                    <a:solidFill>
+                      <a:schemeClr val="tx1"/>
+                    </a:solidFill>
+                    <a:latin typeface="Times New Roman (Đầu đề)"/>
+                  </a:rPr>
+                  <a:t> block</a:t>
+                </a:r>
+              </a:p>
+            </p:txBody>
+          </p:sp>
+        </mc:Choice>
+        <mc:Fallback>
+          <p:sp>
+            <p:nvSpPr>
+              <p:cNvPr id="3" name="Hình chữ nhật 2">
+                <a:extLst>
+                  <a:ext uri="{FF2B5EF4-FFF2-40B4-BE49-F238E27FC236}">
+                    <a16:creationId xmlns:a16="http://schemas.microsoft.com/office/drawing/2014/main" id="{30D45A5D-BEB4-1E37-1197-3D5679A2609E}"/>
+                  </a:ext>
+                </a:extLst>
+              </p:cNvPr>
+              <p:cNvSpPr>
+                <a:spLocks noRot="1" noChangeAspect="1" noMove="1" noResize="1" noEditPoints="1" noAdjustHandles="1" noChangeArrowheads="1" noChangeShapeType="1" noTextEdit="1"/>
+              </p:cNvSpPr>
+              <p:nvPr/>
+            </p:nvSpPr>
+            <p:spPr>
+              <a:xfrm>
+                <a:off x="4187319" y="2001639"/>
+                <a:ext cx="1359049" cy="365126"/>
+              </a:xfrm>
+              <a:prstGeom prst="rect">
+                <a:avLst/>
+              </a:prstGeom>
+              <a:blipFill>
+                <a:blip r:embed="rId2"/>
+                <a:stretch>
+                  <a:fillRect b="-10000"/>
+                </a:stretch>
+              </a:blipFill>
+              <a:ln>
+                <a:noFill/>
+              </a:ln>
+            </p:spPr>
+            <p:txBody>
+              <a:bodyPr/>
+              <a:lstStyle/>
+              <a:p>
+                <a:r>
+                  <a:rPr lang="vi-VN">
+                    <a:noFill/>
+                  </a:rPr>
+                  <a:t> </a:t>
+                </a:r>
+              </a:p>
+            </p:txBody>
+          </p:sp>
+        </mc:Fallback>
+      </mc:AlternateContent>
+      <mc:AlternateContent xmlns:mc="http://schemas.openxmlformats.org/markup-compatibility/2006">
+        <mc:Choice xmlns:a14="http://schemas.microsoft.com/office/drawing/2010/main" Requires="a14">
+          <p:sp>
+            <p:nvSpPr>
+              <p:cNvPr id="9" name="Hình chữ nhật 8">
+                <a:extLst>
+                  <a:ext uri="{FF2B5EF4-FFF2-40B4-BE49-F238E27FC236}">
+                    <a16:creationId xmlns:a16="http://schemas.microsoft.com/office/drawing/2014/main" id="{90F05BBE-3789-D0EF-DD39-A7D1CA08658C}"/>
+                  </a:ext>
+                </a:extLst>
+              </p:cNvPr>
+              <p:cNvSpPr/>
+              <p:nvPr/>
+            </p:nvSpPr>
+            <p:spPr>
+              <a:xfrm>
+                <a:off x="4184650" y="4539047"/>
+                <a:ext cx="1359049" cy="365126"/>
+              </a:xfrm>
+              <a:prstGeom prst="rect">
+                <a:avLst/>
+              </a:prstGeom>
+              <a:noFill/>
+              <a:ln>
+                <a:noFill/>
+              </a:ln>
+            </p:spPr>
+            <p:style>
+              <a:lnRef idx="2">
+                <a:schemeClr val="accent1">
+                  <a:shade val="50000"/>
+                </a:schemeClr>
+              </a:lnRef>
+              <a:fillRef idx="1">
+                <a:schemeClr val="accent1"/>
+              </a:fillRef>
+              <a:effectRef idx="0">
+                <a:schemeClr val="accent1"/>
+              </a:effectRef>
+              <a:fontRef idx="minor">
+                <a:schemeClr val="lt1"/>
+              </a:fontRef>
+            </p:style>
+            <p:txBody>
+              <a:bodyPr rtlCol="0" anchor="ctr"/>
+              <a:lstStyle/>
+              <a:p>
+                <a:pPr algn="ctr"/>
+                <a14:m>
+                  <m:oMath xmlns:m="http://schemas.openxmlformats.org/officeDocument/2006/math">
+                    <m:sSup>
+                      <m:sSupPr>
+                        <m:ctrlPr>
+                          <a:rPr lang="vi-VN" sz="1400" b="0" i="1" smtClean="0">
+                            <a:solidFill>
+                              <a:schemeClr val="tx1"/>
+                            </a:solidFill>
+                            <a:latin typeface="Cambria Math" panose="02040503050406030204" pitchFamily="18" charset="0"/>
+                          </a:rPr>
+                        </m:ctrlPr>
+                      </m:sSupPr>
+                      <m:e>
+                        <m:r>
+                          <a:rPr lang="vi-VN" sz="1400" b="0" i="1" smtClean="0">
+                            <a:solidFill>
+                              <a:schemeClr val="tx1"/>
+                            </a:solidFill>
+                            <a:latin typeface="Cambria Math" panose="02040503050406030204" pitchFamily="18" charset="0"/>
+                          </a:rPr>
+                          <m:t>2</m:t>
+                        </m:r>
+                      </m:e>
+                      <m:sup>
+                        <m:r>
+                          <a:rPr lang="vi-VN" sz="1400" b="0" i="1" smtClean="0">
+                            <a:solidFill>
+                              <a:schemeClr val="tx1"/>
+                            </a:solidFill>
+                            <a:latin typeface="Cambria Math" panose="02040503050406030204" pitchFamily="18" charset="0"/>
+                          </a:rPr>
+                          <m:t>𝑛𝑑</m:t>
+                        </m:r>
+                      </m:sup>
+                    </m:sSup>
+                  </m:oMath>
+                </a14:m>
+                <a:r>
+                  <a:rPr lang="vi-VN" sz="1400">
+                    <a:solidFill>
+                      <a:schemeClr val="tx1"/>
+                    </a:solidFill>
+                    <a:latin typeface="Times New Roman (Đầu đề)"/>
+                  </a:rPr>
+                  <a:t> block</a:t>
+                </a:r>
+              </a:p>
+            </p:txBody>
+          </p:sp>
+        </mc:Choice>
+        <mc:Fallback>
+          <p:sp>
+            <p:nvSpPr>
+              <p:cNvPr id="9" name="Hình chữ nhật 8">
+                <a:extLst>
+                  <a:ext uri="{FF2B5EF4-FFF2-40B4-BE49-F238E27FC236}">
+                    <a16:creationId xmlns:a16="http://schemas.microsoft.com/office/drawing/2014/main" id="{90F05BBE-3789-D0EF-DD39-A7D1CA08658C}"/>
+                  </a:ext>
+                </a:extLst>
+              </p:cNvPr>
+              <p:cNvSpPr>
+                <a:spLocks noRot="1" noChangeAspect="1" noMove="1" noResize="1" noEditPoints="1" noAdjustHandles="1" noChangeArrowheads="1" noChangeShapeType="1" noTextEdit="1"/>
+              </p:cNvSpPr>
+              <p:nvPr/>
+            </p:nvSpPr>
+            <p:spPr>
+              <a:xfrm>
+                <a:off x="4184650" y="4539047"/>
+                <a:ext cx="1359049" cy="365126"/>
+              </a:xfrm>
+              <a:prstGeom prst="rect">
+                <a:avLst/>
+              </a:prstGeom>
+              <a:blipFill>
+                <a:blip r:embed="rId3"/>
+                <a:stretch>
+                  <a:fillRect b="-11864"/>
+                </a:stretch>
+              </a:blipFill>
+              <a:ln>
+                <a:noFill/>
+              </a:ln>
+            </p:spPr>
+            <p:txBody>
+              <a:bodyPr/>
+              <a:lstStyle/>
+              <a:p>
+                <a:r>
+                  <a:rPr lang="vi-VN">
+                    <a:noFill/>
+                  </a:rPr>
+                  <a:t> </a:t>
+                </a:r>
+              </a:p>
+            </p:txBody>
+          </p:sp>
+        </mc:Fallback>
+      </mc:AlternateContent>
+    </p:spTree>
+    <p:extLst>
+      <p:ext uri="{BB962C8B-B14F-4D97-AF65-F5344CB8AC3E}">
+        <p14:creationId xmlns:p14="http://schemas.microsoft.com/office/powerpoint/2010/main" val="2884812331"/>
+      </p:ext>
+    </p:extLst>
+  </p:cSld>
+  <p:clrMapOvr>
+    <a:masterClrMapping/>
+  </p:clrMapOvr>
+</p:sld>
+</file>
+
+<file path=ppt/slides/slide4.xml><?xml version="1.0" encoding="utf-8"?>
 <p:sld xmlns:a="http://schemas.openxmlformats.org/drawingml/2006/main" xmlns:r="http://schemas.openxmlformats.org/officeDocument/2006/relationships" xmlns:p="http://schemas.openxmlformats.org/presentationml/2006/main">
   <p:cSld>
     <p:spTree>

--- a/Bản trình bày1.pptx
+++ b/Bản trình bày1.pptx
@@ -7,8 +7,9 @@
   <p:sldIdLst>
     <p:sldId id="256" r:id="rId2"/>
     <p:sldId id="257" r:id="rId3"/>
-    <p:sldId id="292" r:id="rId4"/>
-    <p:sldId id="258" r:id="rId5"/>
+    <p:sldId id="293" r:id="rId4"/>
+    <p:sldId id="292" r:id="rId5"/>
+    <p:sldId id="258" r:id="rId6"/>
   </p:sldIdLst>
   <p:sldSz cx="12192000" cy="6858000"/>
   <p:notesSz cx="6858000" cy="9144000"/>
@@ -262,7 +263,7 @@
           <a:p>
             <a:fld id="{6AE564EA-92B0-44EA-B2C2-C792C716ADE0}" type="datetimeFigureOut">
               <a:rPr lang="vi-VN" smtClean="0"/>
-              <a:t>07/01/2023</a:t>
+              <a:t>31/01/2023</a:t>
             </a:fld>
             <a:endParaRPr lang="vi-VN"/>
           </a:p>
@@ -460,7 +461,7 @@
           <a:p>
             <a:fld id="{6AE564EA-92B0-44EA-B2C2-C792C716ADE0}" type="datetimeFigureOut">
               <a:rPr lang="vi-VN" smtClean="0"/>
-              <a:t>07/01/2023</a:t>
+              <a:t>31/01/2023</a:t>
             </a:fld>
             <a:endParaRPr lang="vi-VN"/>
           </a:p>
@@ -668,7 +669,7 @@
           <a:p>
             <a:fld id="{6AE564EA-92B0-44EA-B2C2-C792C716ADE0}" type="datetimeFigureOut">
               <a:rPr lang="vi-VN" smtClean="0"/>
-              <a:t>07/01/2023</a:t>
+              <a:t>31/01/2023</a:t>
             </a:fld>
             <a:endParaRPr lang="vi-VN"/>
           </a:p>
@@ -866,7 +867,7 @@
           <a:p>
             <a:fld id="{6AE564EA-92B0-44EA-B2C2-C792C716ADE0}" type="datetimeFigureOut">
               <a:rPr lang="vi-VN" smtClean="0"/>
-              <a:t>07/01/2023</a:t>
+              <a:t>31/01/2023</a:t>
             </a:fld>
             <a:endParaRPr lang="vi-VN"/>
           </a:p>
@@ -1141,7 +1142,7 @@
           <a:p>
             <a:fld id="{6AE564EA-92B0-44EA-B2C2-C792C716ADE0}" type="datetimeFigureOut">
               <a:rPr lang="vi-VN" smtClean="0"/>
-              <a:t>07/01/2023</a:t>
+              <a:t>31/01/2023</a:t>
             </a:fld>
             <a:endParaRPr lang="vi-VN"/>
           </a:p>
@@ -1406,7 +1407,7 @@
           <a:p>
             <a:fld id="{6AE564EA-92B0-44EA-B2C2-C792C716ADE0}" type="datetimeFigureOut">
               <a:rPr lang="vi-VN" smtClean="0"/>
-              <a:t>07/01/2023</a:t>
+              <a:t>31/01/2023</a:t>
             </a:fld>
             <a:endParaRPr lang="vi-VN"/>
           </a:p>
@@ -1818,7 +1819,7 @@
           <a:p>
             <a:fld id="{6AE564EA-92B0-44EA-B2C2-C792C716ADE0}" type="datetimeFigureOut">
               <a:rPr lang="vi-VN" smtClean="0"/>
-              <a:t>07/01/2023</a:t>
+              <a:t>31/01/2023</a:t>
             </a:fld>
             <a:endParaRPr lang="vi-VN"/>
           </a:p>
@@ -1959,7 +1960,7 @@
           <a:p>
             <a:fld id="{6AE564EA-92B0-44EA-B2C2-C792C716ADE0}" type="datetimeFigureOut">
               <a:rPr lang="vi-VN" smtClean="0"/>
-              <a:t>07/01/2023</a:t>
+              <a:t>31/01/2023</a:t>
             </a:fld>
             <a:endParaRPr lang="vi-VN"/>
           </a:p>
@@ -2072,7 +2073,7 @@
           <a:p>
             <a:fld id="{6AE564EA-92B0-44EA-B2C2-C792C716ADE0}" type="datetimeFigureOut">
               <a:rPr lang="vi-VN" smtClean="0"/>
-              <a:t>07/01/2023</a:t>
+              <a:t>31/01/2023</a:t>
             </a:fld>
             <a:endParaRPr lang="vi-VN"/>
           </a:p>
@@ -2383,7 +2384,7 @@
           <a:p>
             <a:fld id="{6AE564EA-92B0-44EA-B2C2-C792C716ADE0}" type="datetimeFigureOut">
               <a:rPr lang="vi-VN" smtClean="0"/>
-              <a:t>07/01/2023</a:t>
+              <a:t>31/01/2023</a:t>
             </a:fld>
             <a:endParaRPr lang="vi-VN"/>
           </a:p>
@@ -2671,7 +2672,7 @@
           <a:p>
             <a:fld id="{6AE564EA-92B0-44EA-B2C2-C792C716ADE0}" type="datetimeFigureOut">
               <a:rPr lang="vi-VN" smtClean="0"/>
-              <a:t>07/01/2023</a:t>
+              <a:t>31/01/2023</a:t>
             </a:fld>
             <a:endParaRPr lang="vi-VN"/>
           </a:p>
@@ -2912,7 +2913,7 @@
           <a:p>
             <a:fld id="{6AE564EA-92B0-44EA-B2C2-C792C716ADE0}" type="datetimeFigureOut">
               <a:rPr lang="vi-VN" smtClean="0"/>
-              <a:t>07/01/2023</a:t>
+              <a:t>31/01/2023</a:t>
             </a:fld>
             <a:endParaRPr lang="vi-VN"/>
           </a:p>
@@ -6204,6 +6205,2835 @@
           <a:chExt cx="0" cy="0"/>
         </a:xfrm>
       </p:grpSpPr>
+      <p:pic>
+        <p:nvPicPr>
+          <p:cNvPr id="5" name="Picture 4">
+            <a:extLst>
+              <a:ext uri="{FF2B5EF4-FFF2-40B4-BE49-F238E27FC236}">
+                <a16:creationId xmlns:a16="http://schemas.microsoft.com/office/drawing/2014/main" id="{5F8F62D6-E7B7-1445-90EF-B6F8C47C91A6}"/>
+              </a:ext>
+            </a:extLst>
+          </p:cNvPr>
+          <p:cNvPicPr>
+            <a:picLocks noChangeAspect="1"/>
+          </p:cNvPicPr>
+          <p:nvPr/>
+        </p:nvPicPr>
+        <p:blipFill>
+          <a:blip r:embed="rId2">
+            <a:extLst>
+              <a:ext uri="{28A0092B-C50C-407E-A947-70E740481C1C}">
+                <a14:useLocalDpi xmlns:a14="http://schemas.microsoft.com/office/drawing/2010/main" val="0"/>
+              </a:ext>
+            </a:extLst>
+          </a:blip>
+          <a:srcRect/>
+          <a:stretch/>
+        </p:blipFill>
+        <p:spPr>
+          <a:xfrm>
+            <a:off x="35592" y="1324095"/>
+            <a:ext cx="2400895" cy="2406243"/>
+          </a:xfrm>
+          <a:prstGeom prst="rect">
+            <a:avLst/>
+          </a:prstGeom>
+        </p:spPr>
+      </p:pic>
+      <p:sp>
+        <p:nvSpPr>
+          <p:cNvPr id="62" name="Hình chữ nhật 61">
+            <a:extLst>
+              <a:ext uri="{FF2B5EF4-FFF2-40B4-BE49-F238E27FC236}">
+                <a16:creationId xmlns:a16="http://schemas.microsoft.com/office/drawing/2014/main" id="{1010E420-9787-AC44-88A3-957B89FD8A87}"/>
+              </a:ext>
+            </a:extLst>
+          </p:cNvPr>
+          <p:cNvSpPr/>
+          <p:nvPr/>
+        </p:nvSpPr>
+        <p:spPr>
+          <a:xfrm>
+            <a:off x="4702952" y="1655445"/>
+            <a:ext cx="1123949" cy="1123949"/>
+          </a:xfrm>
+          <a:prstGeom prst="rect">
+            <a:avLst/>
+          </a:prstGeom>
+          <a:solidFill>
+            <a:schemeClr val="bg1"/>
+          </a:solidFill>
+          <a:ln w="38100">
+            <a:solidFill>
+              <a:schemeClr val="tx1"/>
+            </a:solidFill>
+          </a:ln>
+        </p:spPr>
+        <p:style>
+          <a:lnRef idx="2">
+            <a:schemeClr val="accent1">
+              <a:shade val="50000"/>
+            </a:schemeClr>
+          </a:lnRef>
+          <a:fillRef idx="1">
+            <a:schemeClr val="accent1"/>
+          </a:fillRef>
+          <a:effectRef idx="0">
+            <a:schemeClr val="accent1"/>
+          </a:effectRef>
+          <a:fontRef idx="minor">
+            <a:schemeClr val="lt1"/>
+          </a:fontRef>
+        </p:style>
+        <p:txBody>
+          <a:bodyPr rtlCol="0" anchor="ctr"/>
+          <a:lstStyle/>
+          <a:p>
+            <a:pPr algn="ctr"/>
+            <a:endParaRPr lang="vi-VN">
+              <a:solidFill>
+                <a:schemeClr val="tx1"/>
+              </a:solidFill>
+              <a:latin typeface="Times New Roman" panose="02020603050405020304" pitchFamily="18" charset="0"/>
+              <a:cs typeface="Times New Roman" panose="02020603050405020304" pitchFamily="18" charset="0"/>
+            </a:endParaRPr>
+          </a:p>
+        </p:txBody>
+      </p:sp>
+      <p:sp>
+        <p:nvSpPr>
+          <p:cNvPr id="47" name="Hình chữ nhật 46">
+            <a:extLst>
+              <a:ext uri="{FF2B5EF4-FFF2-40B4-BE49-F238E27FC236}">
+                <a16:creationId xmlns:a16="http://schemas.microsoft.com/office/drawing/2014/main" id="{9038861C-B8B4-BF38-B681-7B599F971E70}"/>
+              </a:ext>
+            </a:extLst>
+          </p:cNvPr>
+          <p:cNvSpPr/>
+          <p:nvPr/>
+        </p:nvSpPr>
+        <p:spPr>
+          <a:xfrm>
+            <a:off x="7890035" y="1123280"/>
+            <a:ext cx="1303530" cy="1303530"/>
+          </a:xfrm>
+          <a:prstGeom prst="rect">
+            <a:avLst/>
+          </a:prstGeom>
+          <a:solidFill>
+            <a:schemeClr val="bg1"/>
+          </a:solidFill>
+          <a:ln>
+            <a:solidFill>
+              <a:schemeClr val="tx1"/>
+            </a:solidFill>
+          </a:ln>
+        </p:spPr>
+        <p:style>
+          <a:lnRef idx="2">
+            <a:schemeClr val="accent1">
+              <a:shade val="50000"/>
+            </a:schemeClr>
+          </a:lnRef>
+          <a:fillRef idx="1">
+            <a:schemeClr val="accent1"/>
+          </a:fillRef>
+          <a:effectRef idx="0">
+            <a:schemeClr val="accent1"/>
+          </a:effectRef>
+          <a:fontRef idx="minor">
+            <a:schemeClr val="lt1"/>
+          </a:fontRef>
+        </p:style>
+        <p:txBody>
+          <a:bodyPr rtlCol="0" anchor="ctr"/>
+          <a:lstStyle/>
+          <a:p>
+            <a:pPr algn="ctr"/>
+            <a:endParaRPr lang="vi-VN">
+              <a:latin typeface="Times New Roman" panose="02020603050405020304" pitchFamily="18" charset="0"/>
+              <a:cs typeface="Times New Roman" panose="02020603050405020304" pitchFamily="18" charset="0"/>
+            </a:endParaRPr>
+          </a:p>
+        </p:txBody>
+      </p:sp>
+      <p:sp>
+        <p:nvSpPr>
+          <p:cNvPr id="48" name="Hình chữ nhật 47">
+            <a:extLst>
+              <a:ext uri="{FF2B5EF4-FFF2-40B4-BE49-F238E27FC236}">
+                <a16:creationId xmlns:a16="http://schemas.microsoft.com/office/drawing/2014/main" id="{7088D6B2-7009-CA31-3C00-0E5B99713E21}"/>
+              </a:ext>
+            </a:extLst>
+          </p:cNvPr>
+          <p:cNvSpPr/>
+          <p:nvPr/>
+        </p:nvSpPr>
+        <p:spPr>
+          <a:xfrm>
+            <a:off x="7890035" y="1123280"/>
+            <a:ext cx="360836" cy="360836"/>
+          </a:xfrm>
+          <a:prstGeom prst="rect">
+            <a:avLst/>
+          </a:prstGeom>
+          <a:solidFill>
+            <a:schemeClr val="bg1"/>
+          </a:solidFill>
+          <a:ln>
+            <a:solidFill>
+              <a:schemeClr val="tx1"/>
+            </a:solidFill>
+          </a:ln>
+        </p:spPr>
+        <p:style>
+          <a:lnRef idx="2">
+            <a:schemeClr val="accent1">
+              <a:shade val="50000"/>
+            </a:schemeClr>
+          </a:lnRef>
+          <a:fillRef idx="1">
+            <a:schemeClr val="accent1"/>
+          </a:fillRef>
+          <a:effectRef idx="0">
+            <a:schemeClr val="accent1"/>
+          </a:effectRef>
+          <a:fontRef idx="minor">
+            <a:schemeClr val="lt1"/>
+          </a:fontRef>
+        </p:style>
+        <p:txBody>
+          <a:bodyPr rtlCol="0" anchor="ctr"/>
+          <a:lstStyle/>
+          <a:p>
+            <a:pPr algn="ctr"/>
+            <a:endParaRPr lang="vi-VN">
+              <a:latin typeface="Times New Roman" panose="02020603050405020304" pitchFamily="18" charset="0"/>
+              <a:cs typeface="Times New Roman" panose="02020603050405020304" pitchFamily="18" charset="0"/>
+            </a:endParaRPr>
+          </a:p>
+        </p:txBody>
+      </p:sp>
+      <p:sp>
+        <p:nvSpPr>
+          <p:cNvPr id="45" name="Hình chữ nhật 44">
+            <a:extLst>
+              <a:ext uri="{FF2B5EF4-FFF2-40B4-BE49-F238E27FC236}">
+                <a16:creationId xmlns:a16="http://schemas.microsoft.com/office/drawing/2014/main" id="{AB267767-263A-CBB7-0B66-A7D824A90D03}"/>
+              </a:ext>
+            </a:extLst>
+          </p:cNvPr>
+          <p:cNvSpPr/>
+          <p:nvPr/>
+        </p:nvSpPr>
+        <p:spPr>
+          <a:xfrm>
+            <a:off x="8003385" y="1549797"/>
+            <a:ext cx="1303530" cy="1303530"/>
+          </a:xfrm>
+          <a:prstGeom prst="rect">
+            <a:avLst/>
+          </a:prstGeom>
+          <a:solidFill>
+            <a:schemeClr val="bg1"/>
+          </a:solidFill>
+          <a:ln>
+            <a:solidFill>
+              <a:schemeClr val="tx1"/>
+            </a:solidFill>
+          </a:ln>
+        </p:spPr>
+        <p:style>
+          <a:lnRef idx="2">
+            <a:schemeClr val="accent1">
+              <a:shade val="50000"/>
+            </a:schemeClr>
+          </a:lnRef>
+          <a:fillRef idx="1">
+            <a:schemeClr val="accent1"/>
+          </a:fillRef>
+          <a:effectRef idx="0">
+            <a:schemeClr val="accent1"/>
+          </a:effectRef>
+          <a:fontRef idx="minor">
+            <a:schemeClr val="lt1"/>
+          </a:fontRef>
+        </p:style>
+        <p:txBody>
+          <a:bodyPr rtlCol="0" anchor="ctr"/>
+          <a:lstStyle/>
+          <a:p>
+            <a:pPr algn="ctr"/>
+            <a:endParaRPr lang="vi-VN">
+              <a:latin typeface="Times New Roman" panose="02020603050405020304" pitchFamily="18" charset="0"/>
+              <a:cs typeface="Times New Roman" panose="02020603050405020304" pitchFamily="18" charset="0"/>
+            </a:endParaRPr>
+          </a:p>
+        </p:txBody>
+      </p:sp>
+      <p:sp>
+        <p:nvSpPr>
+          <p:cNvPr id="46" name="Hình chữ nhật 45">
+            <a:extLst>
+              <a:ext uri="{FF2B5EF4-FFF2-40B4-BE49-F238E27FC236}">
+                <a16:creationId xmlns:a16="http://schemas.microsoft.com/office/drawing/2014/main" id="{A5089368-C277-774E-59E0-0D17B1D7203C}"/>
+              </a:ext>
+            </a:extLst>
+          </p:cNvPr>
+          <p:cNvSpPr/>
+          <p:nvPr/>
+        </p:nvSpPr>
+        <p:spPr>
+          <a:xfrm>
+            <a:off x="8003385" y="1549797"/>
+            <a:ext cx="360836" cy="360836"/>
+          </a:xfrm>
+          <a:prstGeom prst="rect">
+            <a:avLst/>
+          </a:prstGeom>
+          <a:solidFill>
+            <a:schemeClr val="bg1"/>
+          </a:solidFill>
+          <a:ln>
+            <a:solidFill>
+              <a:schemeClr val="tx1"/>
+            </a:solidFill>
+          </a:ln>
+        </p:spPr>
+        <p:style>
+          <a:lnRef idx="2">
+            <a:schemeClr val="accent1">
+              <a:shade val="50000"/>
+            </a:schemeClr>
+          </a:lnRef>
+          <a:fillRef idx="1">
+            <a:schemeClr val="accent1"/>
+          </a:fillRef>
+          <a:effectRef idx="0">
+            <a:schemeClr val="accent1"/>
+          </a:effectRef>
+          <a:fontRef idx="minor">
+            <a:schemeClr val="lt1"/>
+          </a:fontRef>
+        </p:style>
+        <p:txBody>
+          <a:bodyPr rtlCol="0" anchor="ctr"/>
+          <a:lstStyle/>
+          <a:p>
+            <a:pPr algn="ctr"/>
+            <a:endParaRPr lang="vi-VN">
+              <a:latin typeface="Times New Roman" panose="02020603050405020304" pitchFamily="18" charset="0"/>
+              <a:cs typeface="Times New Roman" panose="02020603050405020304" pitchFamily="18" charset="0"/>
+            </a:endParaRPr>
+          </a:p>
+        </p:txBody>
+      </p:sp>
+      <p:sp>
+        <p:nvSpPr>
+          <p:cNvPr id="11" name="Hình chữ nhật 10">
+            <a:extLst>
+              <a:ext uri="{FF2B5EF4-FFF2-40B4-BE49-F238E27FC236}">
+                <a16:creationId xmlns:a16="http://schemas.microsoft.com/office/drawing/2014/main" id="{3930638D-9901-25CC-0554-6BA10FDB9E1D}"/>
+              </a:ext>
+            </a:extLst>
+          </p:cNvPr>
+          <p:cNvSpPr/>
+          <p:nvPr/>
+        </p:nvSpPr>
+        <p:spPr>
+          <a:xfrm>
+            <a:off x="3412474" y="1836420"/>
+            <a:ext cx="381000" cy="381000"/>
+          </a:xfrm>
+          <a:prstGeom prst="rect">
+            <a:avLst/>
+          </a:prstGeom>
+          <a:solidFill>
+            <a:srgbClr val="FFFFFF"/>
+          </a:solidFill>
+          <a:ln>
+            <a:solidFill>
+              <a:schemeClr val="tx1"/>
+            </a:solidFill>
+          </a:ln>
+        </p:spPr>
+        <p:style>
+          <a:lnRef idx="2">
+            <a:schemeClr val="accent1">
+              <a:shade val="50000"/>
+            </a:schemeClr>
+          </a:lnRef>
+          <a:fillRef idx="1">
+            <a:schemeClr val="accent1"/>
+          </a:fillRef>
+          <a:effectRef idx="0">
+            <a:schemeClr val="accent1"/>
+          </a:effectRef>
+          <a:fontRef idx="minor">
+            <a:schemeClr val="lt1"/>
+          </a:fontRef>
+        </p:style>
+        <p:txBody>
+          <a:bodyPr rtlCol="0" anchor="ctr"/>
+          <a:lstStyle/>
+          <a:p>
+            <a:pPr algn="ctr"/>
+            <a:endParaRPr lang="vi-VN">
+              <a:latin typeface="Times New Roman" panose="02020603050405020304" pitchFamily="18" charset="0"/>
+              <a:cs typeface="Times New Roman" panose="02020603050405020304" pitchFamily="18" charset="0"/>
+            </a:endParaRPr>
+          </a:p>
+        </p:txBody>
+      </p:sp>
+      <p:sp>
+        <p:nvSpPr>
+          <p:cNvPr id="12" name="Hình chữ nhật 11">
+            <a:extLst>
+              <a:ext uri="{FF2B5EF4-FFF2-40B4-BE49-F238E27FC236}">
+                <a16:creationId xmlns:a16="http://schemas.microsoft.com/office/drawing/2014/main" id="{1381D6E5-E22D-3114-068E-F7AABB95A1DA}"/>
+              </a:ext>
+            </a:extLst>
+          </p:cNvPr>
+          <p:cNvSpPr/>
+          <p:nvPr/>
+        </p:nvSpPr>
+        <p:spPr>
+          <a:xfrm>
+            <a:off x="3412474" y="2217420"/>
+            <a:ext cx="381000" cy="381000"/>
+          </a:xfrm>
+          <a:prstGeom prst="rect">
+            <a:avLst/>
+          </a:prstGeom>
+          <a:solidFill>
+            <a:srgbClr val="EFF0EF"/>
+          </a:solidFill>
+          <a:ln>
+            <a:solidFill>
+              <a:schemeClr val="tx1"/>
+            </a:solidFill>
+          </a:ln>
+        </p:spPr>
+        <p:style>
+          <a:lnRef idx="2">
+            <a:schemeClr val="accent1">
+              <a:shade val="50000"/>
+            </a:schemeClr>
+          </a:lnRef>
+          <a:fillRef idx="1">
+            <a:schemeClr val="accent1"/>
+          </a:fillRef>
+          <a:effectRef idx="0">
+            <a:schemeClr val="accent1"/>
+          </a:effectRef>
+          <a:fontRef idx="minor">
+            <a:schemeClr val="lt1"/>
+          </a:fontRef>
+        </p:style>
+        <p:txBody>
+          <a:bodyPr rtlCol="0" anchor="ctr"/>
+          <a:lstStyle/>
+          <a:p>
+            <a:pPr algn="ctr"/>
+            <a:endParaRPr lang="vi-VN">
+              <a:latin typeface="Times New Roman" panose="02020603050405020304" pitchFamily="18" charset="0"/>
+              <a:cs typeface="Times New Roman" panose="02020603050405020304" pitchFamily="18" charset="0"/>
+            </a:endParaRPr>
+          </a:p>
+        </p:txBody>
+      </p:sp>
+      <p:sp>
+        <p:nvSpPr>
+          <p:cNvPr id="13" name="Hình chữ nhật 12">
+            <a:extLst>
+              <a:ext uri="{FF2B5EF4-FFF2-40B4-BE49-F238E27FC236}">
+                <a16:creationId xmlns:a16="http://schemas.microsoft.com/office/drawing/2014/main" id="{8A77DA54-9B2D-217D-19F0-C21207198D00}"/>
+              </a:ext>
+            </a:extLst>
+          </p:cNvPr>
+          <p:cNvSpPr/>
+          <p:nvPr/>
+        </p:nvSpPr>
+        <p:spPr>
+          <a:xfrm>
+            <a:off x="3412474" y="2596038"/>
+            <a:ext cx="381000" cy="381000"/>
+          </a:xfrm>
+          <a:prstGeom prst="rect">
+            <a:avLst/>
+          </a:prstGeom>
+          <a:solidFill>
+            <a:srgbClr val="D5D5D5"/>
+          </a:solidFill>
+          <a:ln>
+            <a:solidFill>
+              <a:schemeClr val="tx1"/>
+            </a:solidFill>
+          </a:ln>
+        </p:spPr>
+        <p:style>
+          <a:lnRef idx="2">
+            <a:schemeClr val="accent1">
+              <a:shade val="50000"/>
+            </a:schemeClr>
+          </a:lnRef>
+          <a:fillRef idx="1">
+            <a:schemeClr val="accent1"/>
+          </a:fillRef>
+          <a:effectRef idx="0">
+            <a:schemeClr val="accent1"/>
+          </a:effectRef>
+          <a:fontRef idx="minor">
+            <a:schemeClr val="lt1"/>
+          </a:fontRef>
+        </p:style>
+        <p:txBody>
+          <a:bodyPr rtlCol="0" anchor="ctr"/>
+          <a:lstStyle/>
+          <a:p>
+            <a:pPr algn="ctr"/>
+            <a:endParaRPr lang="vi-VN">
+              <a:latin typeface="Times New Roman" panose="02020603050405020304" pitchFamily="18" charset="0"/>
+              <a:cs typeface="Times New Roman" panose="02020603050405020304" pitchFamily="18" charset="0"/>
+            </a:endParaRPr>
+          </a:p>
+        </p:txBody>
+      </p:sp>
+      <p:sp>
+        <p:nvSpPr>
+          <p:cNvPr id="14" name="Hình chữ nhật 13">
+            <a:extLst>
+              <a:ext uri="{FF2B5EF4-FFF2-40B4-BE49-F238E27FC236}">
+                <a16:creationId xmlns:a16="http://schemas.microsoft.com/office/drawing/2014/main" id="{036BEAB8-140C-B02C-2BBB-34E6BA109D5F}"/>
+              </a:ext>
+            </a:extLst>
+          </p:cNvPr>
+          <p:cNvSpPr/>
+          <p:nvPr/>
+        </p:nvSpPr>
+        <p:spPr>
+          <a:xfrm>
+            <a:off x="3412474" y="2977038"/>
+            <a:ext cx="381000" cy="381000"/>
+          </a:xfrm>
+          <a:prstGeom prst="rect">
+            <a:avLst/>
+          </a:prstGeom>
+          <a:solidFill>
+            <a:srgbClr val="4C4C4C"/>
+          </a:solidFill>
+          <a:ln>
+            <a:solidFill>
+              <a:schemeClr val="tx1"/>
+            </a:solidFill>
+          </a:ln>
+        </p:spPr>
+        <p:style>
+          <a:lnRef idx="2">
+            <a:schemeClr val="accent1">
+              <a:shade val="50000"/>
+            </a:schemeClr>
+          </a:lnRef>
+          <a:fillRef idx="1">
+            <a:schemeClr val="accent1"/>
+          </a:fillRef>
+          <a:effectRef idx="0">
+            <a:schemeClr val="accent1"/>
+          </a:effectRef>
+          <a:fontRef idx="minor">
+            <a:schemeClr val="lt1"/>
+          </a:fontRef>
+        </p:style>
+        <p:txBody>
+          <a:bodyPr rtlCol="0" anchor="ctr"/>
+          <a:lstStyle/>
+          <a:p>
+            <a:pPr algn="ctr"/>
+            <a:endParaRPr lang="vi-VN">
+              <a:latin typeface="Times New Roman" panose="02020603050405020304" pitchFamily="18" charset="0"/>
+              <a:cs typeface="Times New Roman" panose="02020603050405020304" pitchFamily="18" charset="0"/>
+            </a:endParaRPr>
+          </a:p>
+        </p:txBody>
+      </p:sp>
+      <p:sp>
+        <p:nvSpPr>
+          <p:cNvPr id="15" name="Hộp Văn bản 14">
+            <a:extLst>
+              <a:ext uri="{FF2B5EF4-FFF2-40B4-BE49-F238E27FC236}">
+                <a16:creationId xmlns:a16="http://schemas.microsoft.com/office/drawing/2014/main" id="{E6980BB4-D41F-A1C7-2843-35B928328982}"/>
+              </a:ext>
+            </a:extLst>
+          </p:cNvPr>
+          <p:cNvSpPr txBox="1"/>
+          <p:nvPr/>
+        </p:nvSpPr>
+        <p:spPr>
+          <a:xfrm>
+            <a:off x="870490" y="805162"/>
+            <a:ext cx="1061086" cy="246221"/>
+          </a:xfrm>
+          <a:prstGeom prst="rect">
+            <a:avLst/>
+          </a:prstGeom>
+          <a:noFill/>
+        </p:spPr>
+        <p:txBody>
+          <a:bodyPr wrap="square" rtlCol="0">
+            <a:spAutoFit/>
+          </a:bodyPr>
+          <a:lstStyle/>
+          <a:p>
+            <a:pPr algn="ctr"/>
+            <a:r>
+              <a:rPr lang="en-US" sz="1000">
+                <a:latin typeface="Times New Roman" panose="02020603050405020304" pitchFamily="18" charset="0"/>
+                <a:cs typeface="Times New Roman" panose="02020603050405020304" pitchFamily="18" charset="0"/>
+              </a:rPr>
+              <a:t>Patch image</a:t>
+            </a:r>
+            <a:endParaRPr lang="vi-VN" sz="1000">
+              <a:latin typeface="Times New Roman" panose="02020603050405020304" pitchFamily="18" charset="0"/>
+              <a:cs typeface="Times New Roman" panose="02020603050405020304" pitchFamily="18" charset="0"/>
+            </a:endParaRPr>
+          </a:p>
+        </p:txBody>
+      </p:sp>
+      <p:sp>
+        <p:nvSpPr>
+          <p:cNvPr id="23" name="Hộp Văn bản 22">
+            <a:extLst>
+              <a:ext uri="{FF2B5EF4-FFF2-40B4-BE49-F238E27FC236}">
+                <a16:creationId xmlns:a16="http://schemas.microsoft.com/office/drawing/2014/main" id="{E5D19B0C-A5E2-9921-92AE-D6E291C193C6}"/>
+              </a:ext>
+            </a:extLst>
+          </p:cNvPr>
+          <p:cNvSpPr txBox="1"/>
+          <p:nvPr/>
+        </p:nvSpPr>
+        <p:spPr>
+          <a:xfrm>
+            <a:off x="2779259" y="2234599"/>
+            <a:ext cx="576391" cy="246221"/>
+          </a:xfrm>
+          <a:prstGeom prst="rect">
+            <a:avLst/>
+          </a:prstGeom>
+          <a:noFill/>
+        </p:spPr>
+        <p:txBody>
+          <a:bodyPr wrap="square" rtlCol="0">
+            <a:spAutoFit/>
+          </a:bodyPr>
+          <a:lstStyle/>
+          <a:p>
+            <a:r>
+              <a:rPr lang="en-US" sz="1000">
+                <a:latin typeface="Times New Roman" panose="02020603050405020304" pitchFamily="18" charset="0"/>
+                <a:cs typeface="Times New Roman" panose="02020603050405020304" pitchFamily="18" charset="0"/>
+              </a:rPr>
+              <a:t>Flatten</a:t>
+            </a:r>
+            <a:endParaRPr lang="vi-VN" sz="1000">
+              <a:latin typeface="Times New Roman" panose="02020603050405020304" pitchFamily="18" charset="0"/>
+              <a:cs typeface="Times New Roman" panose="02020603050405020304" pitchFamily="18" charset="0"/>
+            </a:endParaRPr>
+          </a:p>
+        </p:txBody>
+      </p:sp>
+      <p:sp>
+        <p:nvSpPr>
+          <p:cNvPr id="2" name="Hình chữ nhật 1">
+            <a:extLst>
+              <a:ext uri="{FF2B5EF4-FFF2-40B4-BE49-F238E27FC236}">
+                <a16:creationId xmlns:a16="http://schemas.microsoft.com/office/drawing/2014/main" id="{E7B979A2-8E58-83B2-9EBE-A244D85120DE}"/>
+              </a:ext>
+            </a:extLst>
+          </p:cNvPr>
+          <p:cNvSpPr/>
+          <p:nvPr/>
+        </p:nvSpPr>
+        <p:spPr>
+          <a:xfrm>
+            <a:off x="4832332" y="2034063"/>
+            <a:ext cx="1123949" cy="1123949"/>
+          </a:xfrm>
+          <a:prstGeom prst="rect">
+            <a:avLst/>
+          </a:prstGeom>
+          <a:solidFill>
+            <a:schemeClr val="bg1"/>
+          </a:solidFill>
+          <a:ln w="38100">
+            <a:solidFill>
+              <a:schemeClr val="tx1"/>
+            </a:solidFill>
+          </a:ln>
+        </p:spPr>
+        <p:style>
+          <a:lnRef idx="2">
+            <a:schemeClr val="accent1">
+              <a:shade val="50000"/>
+            </a:schemeClr>
+          </a:lnRef>
+          <a:fillRef idx="1">
+            <a:schemeClr val="accent1"/>
+          </a:fillRef>
+          <a:effectRef idx="0">
+            <a:schemeClr val="accent1"/>
+          </a:effectRef>
+          <a:fontRef idx="minor">
+            <a:schemeClr val="lt1"/>
+          </a:fontRef>
+        </p:style>
+        <p:txBody>
+          <a:bodyPr rtlCol="0" anchor="ctr"/>
+          <a:lstStyle/>
+          <a:p>
+            <a:pPr algn="ctr"/>
+            <a:endParaRPr lang="vi-VN">
+              <a:solidFill>
+                <a:schemeClr val="tx1"/>
+              </a:solidFill>
+              <a:latin typeface="Times New Roman" panose="02020603050405020304" pitchFamily="18" charset="0"/>
+              <a:cs typeface="Times New Roman" panose="02020603050405020304" pitchFamily="18" charset="0"/>
+            </a:endParaRPr>
+          </a:p>
+        </p:txBody>
+      </p:sp>
+      <p:cxnSp>
+        <p:nvCxnSpPr>
+          <p:cNvPr id="3" name="Đường kết nối Mũi tên Thẳng 2">
+            <a:extLst>
+              <a:ext uri="{FF2B5EF4-FFF2-40B4-BE49-F238E27FC236}">
+                <a16:creationId xmlns:a16="http://schemas.microsoft.com/office/drawing/2014/main" id="{F9744B4F-F31C-0C93-E6B9-DA7B405C2671}"/>
+              </a:ext>
+            </a:extLst>
+          </p:cNvPr>
+          <p:cNvCxnSpPr>
+            <a:cxnSpLocks/>
+          </p:cNvCxnSpPr>
+          <p:nvPr/>
+        </p:nvCxnSpPr>
+        <p:spPr>
+          <a:xfrm flipV="1">
+            <a:off x="3793474" y="2520313"/>
+            <a:ext cx="1024571" cy="2285"/>
+          </a:xfrm>
+          <a:prstGeom prst="straightConnector1">
+            <a:avLst/>
+          </a:prstGeom>
+          <a:ln>
+            <a:tailEnd type="triangle"/>
+          </a:ln>
+        </p:spPr>
+        <p:style>
+          <a:lnRef idx="1">
+            <a:schemeClr val="dk1"/>
+          </a:lnRef>
+          <a:fillRef idx="0">
+            <a:schemeClr val="dk1"/>
+          </a:fillRef>
+          <a:effectRef idx="0">
+            <a:schemeClr val="dk1"/>
+          </a:effectRef>
+          <a:fontRef idx="minor">
+            <a:schemeClr val="tx1"/>
+          </a:fontRef>
+        </p:style>
+      </p:cxnSp>
+      <p:sp>
+        <p:nvSpPr>
+          <p:cNvPr id="21" name="Hộp Văn bản 20">
+            <a:extLst>
+              <a:ext uri="{FF2B5EF4-FFF2-40B4-BE49-F238E27FC236}">
+                <a16:creationId xmlns:a16="http://schemas.microsoft.com/office/drawing/2014/main" id="{762B942D-E53A-B1EB-F6C0-8F14B89BB725}"/>
+              </a:ext>
+            </a:extLst>
+          </p:cNvPr>
+          <p:cNvSpPr txBox="1"/>
+          <p:nvPr/>
+        </p:nvSpPr>
+        <p:spPr>
+          <a:xfrm>
+            <a:off x="3810987" y="2099935"/>
+            <a:ext cx="825026" cy="400110"/>
+          </a:xfrm>
+          <a:prstGeom prst="rect">
+            <a:avLst/>
+          </a:prstGeom>
+          <a:noFill/>
+        </p:spPr>
+        <p:txBody>
+          <a:bodyPr wrap="square" rtlCol="0">
+            <a:spAutoFit/>
+          </a:bodyPr>
+          <a:lstStyle/>
+          <a:p>
+            <a:r>
+              <a:rPr lang="en-US" sz="1000">
+                <a:latin typeface="Times New Roman" panose="02020603050405020304" pitchFamily="18" charset="0"/>
+                <a:cs typeface="Times New Roman" panose="02020603050405020304" pitchFamily="18" charset="0"/>
+              </a:rPr>
+              <a:t>Amplitude</a:t>
+            </a:r>
+          </a:p>
+          <a:p>
+            <a:r>
+              <a:rPr lang="en-US" sz="1000">
+                <a:latin typeface="Times New Roman" panose="02020603050405020304" pitchFamily="18" charset="0"/>
+                <a:cs typeface="Times New Roman" panose="02020603050405020304" pitchFamily="18" charset="0"/>
+              </a:rPr>
+              <a:t>Encoding</a:t>
+            </a:r>
+            <a:endParaRPr lang="vi-VN" sz="1000">
+              <a:latin typeface="Times New Roman" panose="02020603050405020304" pitchFamily="18" charset="0"/>
+              <a:cs typeface="Times New Roman" panose="02020603050405020304" pitchFamily="18" charset="0"/>
+            </a:endParaRPr>
+          </a:p>
+        </p:txBody>
+      </p:sp>
+      <p:sp>
+        <p:nvSpPr>
+          <p:cNvPr id="26" name="Hình chữ nhật 25">
+            <a:extLst>
+              <a:ext uri="{FF2B5EF4-FFF2-40B4-BE49-F238E27FC236}">
+                <a16:creationId xmlns:a16="http://schemas.microsoft.com/office/drawing/2014/main" id="{B1B18E8B-A8E3-313A-C446-7D66845B6F15}"/>
+              </a:ext>
+            </a:extLst>
+          </p:cNvPr>
+          <p:cNvSpPr/>
+          <p:nvPr/>
+        </p:nvSpPr>
+        <p:spPr>
+          <a:xfrm>
+            <a:off x="6875444" y="1836420"/>
+            <a:ext cx="381000" cy="381000"/>
+          </a:xfrm>
+          <a:prstGeom prst="rect">
+            <a:avLst/>
+          </a:prstGeom>
+          <a:noFill/>
+          <a:ln>
+            <a:solidFill>
+              <a:schemeClr val="tx1"/>
+            </a:solidFill>
+          </a:ln>
+        </p:spPr>
+        <p:style>
+          <a:lnRef idx="2">
+            <a:schemeClr val="accent1">
+              <a:shade val="50000"/>
+            </a:schemeClr>
+          </a:lnRef>
+          <a:fillRef idx="1">
+            <a:schemeClr val="accent1"/>
+          </a:fillRef>
+          <a:effectRef idx="0">
+            <a:schemeClr val="accent1"/>
+          </a:effectRef>
+          <a:fontRef idx="minor">
+            <a:schemeClr val="lt1"/>
+          </a:fontRef>
+        </p:style>
+        <p:txBody>
+          <a:bodyPr rtlCol="0" anchor="ctr"/>
+          <a:lstStyle/>
+          <a:p>
+            <a:pPr algn="ctr"/>
+            <a:endParaRPr lang="vi-VN">
+              <a:latin typeface="Times New Roman" panose="02020603050405020304" pitchFamily="18" charset="0"/>
+              <a:cs typeface="Times New Roman" panose="02020603050405020304" pitchFamily="18" charset="0"/>
+            </a:endParaRPr>
+          </a:p>
+        </p:txBody>
+      </p:sp>
+      <p:sp>
+        <p:nvSpPr>
+          <p:cNvPr id="27" name="Hình chữ nhật 26">
+            <a:extLst>
+              <a:ext uri="{FF2B5EF4-FFF2-40B4-BE49-F238E27FC236}">
+                <a16:creationId xmlns:a16="http://schemas.microsoft.com/office/drawing/2014/main" id="{69C07091-19F7-1184-656F-61BF4C04C09F}"/>
+              </a:ext>
+            </a:extLst>
+          </p:cNvPr>
+          <p:cNvSpPr/>
+          <p:nvPr/>
+        </p:nvSpPr>
+        <p:spPr>
+          <a:xfrm>
+            <a:off x="6875444" y="2217420"/>
+            <a:ext cx="381000" cy="381000"/>
+          </a:xfrm>
+          <a:prstGeom prst="rect">
+            <a:avLst/>
+          </a:prstGeom>
+          <a:noFill/>
+          <a:ln>
+            <a:solidFill>
+              <a:schemeClr val="tx1"/>
+            </a:solidFill>
+          </a:ln>
+        </p:spPr>
+        <p:style>
+          <a:lnRef idx="2">
+            <a:schemeClr val="accent1">
+              <a:shade val="50000"/>
+            </a:schemeClr>
+          </a:lnRef>
+          <a:fillRef idx="1">
+            <a:schemeClr val="accent1"/>
+          </a:fillRef>
+          <a:effectRef idx="0">
+            <a:schemeClr val="accent1"/>
+          </a:effectRef>
+          <a:fontRef idx="minor">
+            <a:schemeClr val="lt1"/>
+          </a:fontRef>
+        </p:style>
+        <p:txBody>
+          <a:bodyPr rtlCol="0" anchor="ctr"/>
+          <a:lstStyle/>
+          <a:p>
+            <a:pPr algn="ctr"/>
+            <a:endParaRPr lang="vi-VN">
+              <a:latin typeface="Times New Roman" panose="02020603050405020304" pitchFamily="18" charset="0"/>
+              <a:cs typeface="Times New Roman" panose="02020603050405020304" pitchFamily="18" charset="0"/>
+            </a:endParaRPr>
+          </a:p>
+        </p:txBody>
+      </p:sp>
+      <p:sp>
+        <p:nvSpPr>
+          <p:cNvPr id="28" name="Hình chữ nhật 27">
+            <a:extLst>
+              <a:ext uri="{FF2B5EF4-FFF2-40B4-BE49-F238E27FC236}">
+                <a16:creationId xmlns:a16="http://schemas.microsoft.com/office/drawing/2014/main" id="{3CD9B171-5090-C6DE-80F1-D98BE8FF9C36}"/>
+              </a:ext>
+            </a:extLst>
+          </p:cNvPr>
+          <p:cNvSpPr/>
+          <p:nvPr/>
+        </p:nvSpPr>
+        <p:spPr>
+          <a:xfrm>
+            <a:off x="6875444" y="2596038"/>
+            <a:ext cx="381000" cy="381000"/>
+          </a:xfrm>
+          <a:prstGeom prst="rect">
+            <a:avLst/>
+          </a:prstGeom>
+          <a:noFill/>
+          <a:ln>
+            <a:solidFill>
+              <a:schemeClr val="tx1"/>
+            </a:solidFill>
+          </a:ln>
+        </p:spPr>
+        <p:style>
+          <a:lnRef idx="2">
+            <a:schemeClr val="accent1">
+              <a:shade val="50000"/>
+            </a:schemeClr>
+          </a:lnRef>
+          <a:fillRef idx="1">
+            <a:schemeClr val="accent1"/>
+          </a:fillRef>
+          <a:effectRef idx="0">
+            <a:schemeClr val="accent1"/>
+          </a:effectRef>
+          <a:fontRef idx="minor">
+            <a:schemeClr val="lt1"/>
+          </a:fontRef>
+        </p:style>
+        <p:txBody>
+          <a:bodyPr rtlCol="0" anchor="ctr"/>
+          <a:lstStyle/>
+          <a:p>
+            <a:pPr algn="ctr"/>
+            <a:endParaRPr lang="vi-VN">
+              <a:latin typeface="Times New Roman" panose="02020603050405020304" pitchFamily="18" charset="0"/>
+              <a:cs typeface="Times New Roman" panose="02020603050405020304" pitchFamily="18" charset="0"/>
+            </a:endParaRPr>
+          </a:p>
+        </p:txBody>
+      </p:sp>
+      <p:sp>
+        <p:nvSpPr>
+          <p:cNvPr id="29" name="Hình chữ nhật 28">
+            <a:extLst>
+              <a:ext uri="{FF2B5EF4-FFF2-40B4-BE49-F238E27FC236}">
+                <a16:creationId xmlns:a16="http://schemas.microsoft.com/office/drawing/2014/main" id="{4E9800DC-1DDE-DB57-4159-A73C25503F12}"/>
+              </a:ext>
+            </a:extLst>
+          </p:cNvPr>
+          <p:cNvSpPr/>
+          <p:nvPr/>
+        </p:nvSpPr>
+        <p:spPr>
+          <a:xfrm>
+            <a:off x="6875444" y="2977038"/>
+            <a:ext cx="381000" cy="381000"/>
+          </a:xfrm>
+          <a:prstGeom prst="rect">
+            <a:avLst/>
+          </a:prstGeom>
+          <a:noFill/>
+          <a:ln>
+            <a:solidFill>
+              <a:schemeClr val="tx1"/>
+            </a:solidFill>
+          </a:ln>
+        </p:spPr>
+        <p:style>
+          <a:lnRef idx="2">
+            <a:schemeClr val="accent1">
+              <a:shade val="50000"/>
+            </a:schemeClr>
+          </a:lnRef>
+          <a:fillRef idx="1">
+            <a:schemeClr val="accent1"/>
+          </a:fillRef>
+          <a:effectRef idx="0">
+            <a:schemeClr val="accent1"/>
+          </a:effectRef>
+          <a:fontRef idx="minor">
+            <a:schemeClr val="lt1"/>
+          </a:fontRef>
+        </p:style>
+        <p:txBody>
+          <a:bodyPr rtlCol="0" anchor="ctr"/>
+          <a:lstStyle/>
+          <a:p>
+            <a:pPr algn="ctr"/>
+            <a:endParaRPr lang="vi-VN">
+              <a:latin typeface="Times New Roman" panose="02020603050405020304" pitchFamily="18" charset="0"/>
+              <a:cs typeface="Times New Roman" panose="02020603050405020304" pitchFamily="18" charset="0"/>
+            </a:endParaRPr>
+          </a:p>
+        </p:txBody>
+      </p:sp>
+      <p:cxnSp>
+        <p:nvCxnSpPr>
+          <p:cNvPr id="30" name="Đường kết nối Mũi tên Thẳng 29">
+            <a:extLst>
+              <a:ext uri="{FF2B5EF4-FFF2-40B4-BE49-F238E27FC236}">
+                <a16:creationId xmlns:a16="http://schemas.microsoft.com/office/drawing/2014/main" id="{8EAD7133-DB59-7D30-1689-FD10F80BD1FA}"/>
+              </a:ext>
+            </a:extLst>
+          </p:cNvPr>
+          <p:cNvCxnSpPr>
+            <a:cxnSpLocks/>
+          </p:cNvCxnSpPr>
+          <p:nvPr/>
+        </p:nvCxnSpPr>
+        <p:spPr>
+          <a:xfrm>
+            <a:off x="5970568" y="2550765"/>
+            <a:ext cx="876300" cy="1"/>
+          </a:xfrm>
+          <a:prstGeom prst="straightConnector1">
+            <a:avLst/>
+          </a:prstGeom>
+          <a:ln>
+            <a:tailEnd type="triangle"/>
+          </a:ln>
+        </p:spPr>
+        <p:style>
+          <a:lnRef idx="1">
+            <a:schemeClr val="dk1"/>
+          </a:lnRef>
+          <a:fillRef idx="0">
+            <a:schemeClr val="dk1"/>
+          </a:fillRef>
+          <a:effectRef idx="0">
+            <a:schemeClr val="dk1"/>
+          </a:effectRef>
+          <a:fontRef idx="minor">
+            <a:schemeClr val="tx1"/>
+          </a:fontRef>
+        </p:style>
+      </p:cxnSp>
+      <p:sp>
+        <p:nvSpPr>
+          <p:cNvPr id="31" name="Hộp Văn bản 30">
+            <a:extLst>
+              <a:ext uri="{FF2B5EF4-FFF2-40B4-BE49-F238E27FC236}">
+                <a16:creationId xmlns:a16="http://schemas.microsoft.com/office/drawing/2014/main" id="{883E1B8B-C215-84E6-7DD4-7F46EC024064}"/>
+              </a:ext>
+            </a:extLst>
+          </p:cNvPr>
+          <p:cNvSpPr txBox="1"/>
+          <p:nvPr/>
+        </p:nvSpPr>
+        <p:spPr>
+          <a:xfrm>
+            <a:off x="6116803" y="2233090"/>
+            <a:ext cx="971548" cy="246221"/>
+          </a:xfrm>
+          <a:prstGeom prst="rect">
+            <a:avLst/>
+          </a:prstGeom>
+          <a:noFill/>
+        </p:spPr>
+        <p:txBody>
+          <a:bodyPr wrap="square" rtlCol="0">
+            <a:spAutoFit/>
+          </a:bodyPr>
+          <a:lstStyle/>
+          <a:p>
+            <a:r>
+              <a:rPr lang="en-US" sz="1000">
+                <a:latin typeface="Times New Roman" panose="02020603050405020304" pitchFamily="18" charset="0"/>
+                <a:cs typeface="Times New Roman" panose="02020603050405020304" pitchFamily="18" charset="0"/>
+              </a:rPr>
+              <a:t>Measure</a:t>
+            </a:r>
+            <a:endParaRPr lang="vi-VN" sz="1000">
+              <a:latin typeface="Times New Roman" panose="02020603050405020304" pitchFamily="18" charset="0"/>
+              <a:cs typeface="Times New Roman" panose="02020603050405020304" pitchFamily="18" charset="0"/>
+            </a:endParaRPr>
+          </a:p>
+        </p:txBody>
+      </p:sp>
+      <p:sp>
+        <p:nvSpPr>
+          <p:cNvPr id="32" name="Cung 31">
+            <a:extLst>
+              <a:ext uri="{FF2B5EF4-FFF2-40B4-BE49-F238E27FC236}">
+                <a16:creationId xmlns:a16="http://schemas.microsoft.com/office/drawing/2014/main" id="{55811AA5-3A1A-1110-C478-D1C0195F9267}"/>
+              </a:ext>
+            </a:extLst>
+          </p:cNvPr>
+          <p:cNvSpPr/>
+          <p:nvPr/>
+        </p:nvSpPr>
+        <p:spPr>
+          <a:xfrm>
+            <a:off x="6943310" y="2037099"/>
+            <a:ext cx="245267" cy="194226"/>
+          </a:xfrm>
+          <a:prstGeom prst="arc">
+            <a:avLst>
+              <a:gd name="adj1" fmla="val 10684560"/>
+              <a:gd name="adj2" fmla="val 45829"/>
+            </a:avLst>
+          </a:prstGeom>
+        </p:spPr>
+        <p:style>
+          <a:lnRef idx="1">
+            <a:schemeClr val="dk1"/>
+          </a:lnRef>
+          <a:fillRef idx="0">
+            <a:schemeClr val="dk1"/>
+          </a:fillRef>
+          <a:effectRef idx="0">
+            <a:schemeClr val="dk1"/>
+          </a:effectRef>
+          <a:fontRef idx="minor">
+            <a:schemeClr val="tx1"/>
+          </a:fontRef>
+        </p:style>
+        <p:txBody>
+          <a:bodyPr rtlCol="0" anchor="ctr"/>
+          <a:lstStyle/>
+          <a:p>
+            <a:pPr algn="ctr"/>
+            <a:endParaRPr lang="vi-VN">
+              <a:latin typeface="Times New Roman" panose="02020603050405020304" pitchFamily="18" charset="0"/>
+              <a:cs typeface="Times New Roman" panose="02020603050405020304" pitchFamily="18" charset="0"/>
+            </a:endParaRPr>
+          </a:p>
+        </p:txBody>
+      </p:sp>
+      <p:cxnSp>
+        <p:nvCxnSpPr>
+          <p:cNvPr id="34" name="Đường kết nối Mũi tên Thẳng 33">
+            <a:extLst>
+              <a:ext uri="{FF2B5EF4-FFF2-40B4-BE49-F238E27FC236}">
+                <a16:creationId xmlns:a16="http://schemas.microsoft.com/office/drawing/2014/main" id="{FA458695-F121-3C2B-A335-2BE1D90C3D19}"/>
+              </a:ext>
+            </a:extLst>
+          </p:cNvPr>
+          <p:cNvCxnSpPr/>
+          <p:nvPr/>
+        </p:nvCxnSpPr>
+        <p:spPr>
+          <a:xfrm flipV="1">
+            <a:off x="7065943" y="1950244"/>
+            <a:ext cx="122634" cy="183968"/>
+          </a:xfrm>
+          <a:prstGeom prst="straightConnector1">
+            <a:avLst/>
+          </a:prstGeom>
+          <a:ln>
+            <a:tailEnd type="triangle"/>
+          </a:ln>
+        </p:spPr>
+        <p:style>
+          <a:lnRef idx="1">
+            <a:schemeClr val="dk1"/>
+          </a:lnRef>
+          <a:fillRef idx="0">
+            <a:schemeClr val="dk1"/>
+          </a:fillRef>
+          <a:effectRef idx="0">
+            <a:schemeClr val="dk1"/>
+          </a:effectRef>
+          <a:fontRef idx="minor">
+            <a:schemeClr val="tx1"/>
+          </a:fontRef>
+        </p:style>
+      </p:cxnSp>
+      <p:sp>
+        <p:nvSpPr>
+          <p:cNvPr id="35" name="Cung 34">
+            <a:extLst>
+              <a:ext uri="{FF2B5EF4-FFF2-40B4-BE49-F238E27FC236}">
+                <a16:creationId xmlns:a16="http://schemas.microsoft.com/office/drawing/2014/main" id="{8A1AF27F-9947-E273-F8A1-A2EF1E8E6F42}"/>
+              </a:ext>
+            </a:extLst>
+          </p:cNvPr>
+          <p:cNvSpPr/>
+          <p:nvPr/>
+        </p:nvSpPr>
+        <p:spPr>
+          <a:xfrm>
+            <a:off x="6942833" y="2422725"/>
+            <a:ext cx="245267" cy="194226"/>
+          </a:xfrm>
+          <a:prstGeom prst="arc">
+            <a:avLst>
+              <a:gd name="adj1" fmla="val 10684560"/>
+              <a:gd name="adj2" fmla="val 45829"/>
+            </a:avLst>
+          </a:prstGeom>
+        </p:spPr>
+        <p:style>
+          <a:lnRef idx="1">
+            <a:schemeClr val="dk1"/>
+          </a:lnRef>
+          <a:fillRef idx="0">
+            <a:schemeClr val="dk1"/>
+          </a:fillRef>
+          <a:effectRef idx="0">
+            <a:schemeClr val="dk1"/>
+          </a:effectRef>
+          <a:fontRef idx="minor">
+            <a:schemeClr val="tx1"/>
+          </a:fontRef>
+        </p:style>
+        <p:txBody>
+          <a:bodyPr rtlCol="0" anchor="ctr"/>
+          <a:lstStyle/>
+          <a:p>
+            <a:pPr algn="ctr"/>
+            <a:endParaRPr lang="vi-VN">
+              <a:latin typeface="Times New Roman" panose="02020603050405020304" pitchFamily="18" charset="0"/>
+              <a:cs typeface="Times New Roman" panose="02020603050405020304" pitchFamily="18" charset="0"/>
+            </a:endParaRPr>
+          </a:p>
+        </p:txBody>
+      </p:sp>
+      <p:cxnSp>
+        <p:nvCxnSpPr>
+          <p:cNvPr id="36" name="Đường kết nối Mũi tên Thẳng 35">
+            <a:extLst>
+              <a:ext uri="{FF2B5EF4-FFF2-40B4-BE49-F238E27FC236}">
+                <a16:creationId xmlns:a16="http://schemas.microsoft.com/office/drawing/2014/main" id="{0833F99D-8AC2-2D35-9DFA-9F3E2AB74B99}"/>
+              </a:ext>
+            </a:extLst>
+          </p:cNvPr>
+          <p:cNvCxnSpPr/>
+          <p:nvPr/>
+        </p:nvCxnSpPr>
+        <p:spPr>
+          <a:xfrm flipV="1">
+            <a:off x="7065466" y="2335870"/>
+            <a:ext cx="122634" cy="183968"/>
+          </a:xfrm>
+          <a:prstGeom prst="straightConnector1">
+            <a:avLst/>
+          </a:prstGeom>
+          <a:ln>
+            <a:tailEnd type="triangle"/>
+          </a:ln>
+        </p:spPr>
+        <p:style>
+          <a:lnRef idx="1">
+            <a:schemeClr val="dk1"/>
+          </a:lnRef>
+          <a:fillRef idx="0">
+            <a:schemeClr val="dk1"/>
+          </a:fillRef>
+          <a:effectRef idx="0">
+            <a:schemeClr val="dk1"/>
+          </a:effectRef>
+          <a:fontRef idx="minor">
+            <a:schemeClr val="tx1"/>
+          </a:fontRef>
+        </p:style>
+      </p:cxnSp>
+      <p:sp>
+        <p:nvSpPr>
+          <p:cNvPr id="37" name="Cung 36">
+            <a:extLst>
+              <a:ext uri="{FF2B5EF4-FFF2-40B4-BE49-F238E27FC236}">
+                <a16:creationId xmlns:a16="http://schemas.microsoft.com/office/drawing/2014/main" id="{CC450040-EAA4-4F1D-24B3-C92F77734371}"/>
+              </a:ext>
+            </a:extLst>
+          </p:cNvPr>
+          <p:cNvSpPr/>
+          <p:nvPr/>
+        </p:nvSpPr>
+        <p:spPr>
+          <a:xfrm>
+            <a:off x="6942833" y="2800568"/>
+            <a:ext cx="245267" cy="194226"/>
+          </a:xfrm>
+          <a:prstGeom prst="arc">
+            <a:avLst>
+              <a:gd name="adj1" fmla="val 10684560"/>
+              <a:gd name="adj2" fmla="val 45829"/>
+            </a:avLst>
+          </a:prstGeom>
+        </p:spPr>
+        <p:style>
+          <a:lnRef idx="1">
+            <a:schemeClr val="dk1"/>
+          </a:lnRef>
+          <a:fillRef idx="0">
+            <a:schemeClr val="dk1"/>
+          </a:fillRef>
+          <a:effectRef idx="0">
+            <a:schemeClr val="dk1"/>
+          </a:effectRef>
+          <a:fontRef idx="minor">
+            <a:schemeClr val="tx1"/>
+          </a:fontRef>
+        </p:style>
+        <p:txBody>
+          <a:bodyPr rtlCol="0" anchor="ctr"/>
+          <a:lstStyle/>
+          <a:p>
+            <a:pPr algn="ctr"/>
+            <a:endParaRPr lang="vi-VN">
+              <a:latin typeface="Times New Roman" panose="02020603050405020304" pitchFamily="18" charset="0"/>
+              <a:cs typeface="Times New Roman" panose="02020603050405020304" pitchFamily="18" charset="0"/>
+            </a:endParaRPr>
+          </a:p>
+        </p:txBody>
+      </p:sp>
+      <p:cxnSp>
+        <p:nvCxnSpPr>
+          <p:cNvPr id="38" name="Đường kết nối Mũi tên Thẳng 37">
+            <a:extLst>
+              <a:ext uri="{FF2B5EF4-FFF2-40B4-BE49-F238E27FC236}">
+                <a16:creationId xmlns:a16="http://schemas.microsoft.com/office/drawing/2014/main" id="{54146046-5CB6-7709-5B71-94CCCD05E7D6}"/>
+              </a:ext>
+            </a:extLst>
+          </p:cNvPr>
+          <p:cNvCxnSpPr/>
+          <p:nvPr/>
+        </p:nvCxnSpPr>
+        <p:spPr>
+          <a:xfrm flipV="1">
+            <a:off x="7065466" y="2713713"/>
+            <a:ext cx="122634" cy="183968"/>
+          </a:xfrm>
+          <a:prstGeom prst="straightConnector1">
+            <a:avLst/>
+          </a:prstGeom>
+          <a:ln>
+            <a:tailEnd type="triangle"/>
+          </a:ln>
+        </p:spPr>
+        <p:style>
+          <a:lnRef idx="1">
+            <a:schemeClr val="dk1"/>
+          </a:lnRef>
+          <a:fillRef idx="0">
+            <a:schemeClr val="dk1"/>
+          </a:fillRef>
+          <a:effectRef idx="0">
+            <a:schemeClr val="dk1"/>
+          </a:effectRef>
+          <a:fontRef idx="minor">
+            <a:schemeClr val="tx1"/>
+          </a:fontRef>
+        </p:style>
+      </p:cxnSp>
+      <p:sp>
+        <p:nvSpPr>
+          <p:cNvPr id="39" name="Cung 38">
+            <a:extLst>
+              <a:ext uri="{FF2B5EF4-FFF2-40B4-BE49-F238E27FC236}">
+                <a16:creationId xmlns:a16="http://schemas.microsoft.com/office/drawing/2014/main" id="{15976466-D2C6-9237-CD46-6E35B498CB64}"/>
+              </a:ext>
+            </a:extLst>
+          </p:cNvPr>
+          <p:cNvSpPr/>
+          <p:nvPr/>
+        </p:nvSpPr>
+        <p:spPr>
+          <a:xfrm>
+            <a:off x="6942833" y="3165512"/>
+            <a:ext cx="245267" cy="194226"/>
+          </a:xfrm>
+          <a:prstGeom prst="arc">
+            <a:avLst>
+              <a:gd name="adj1" fmla="val 10684560"/>
+              <a:gd name="adj2" fmla="val 45829"/>
+            </a:avLst>
+          </a:prstGeom>
+        </p:spPr>
+        <p:style>
+          <a:lnRef idx="1">
+            <a:schemeClr val="dk1"/>
+          </a:lnRef>
+          <a:fillRef idx="0">
+            <a:schemeClr val="dk1"/>
+          </a:fillRef>
+          <a:effectRef idx="0">
+            <a:schemeClr val="dk1"/>
+          </a:effectRef>
+          <a:fontRef idx="minor">
+            <a:schemeClr val="tx1"/>
+          </a:fontRef>
+        </p:style>
+        <p:txBody>
+          <a:bodyPr rtlCol="0" anchor="ctr"/>
+          <a:lstStyle/>
+          <a:p>
+            <a:pPr algn="ctr"/>
+            <a:endParaRPr lang="vi-VN">
+              <a:latin typeface="Times New Roman" panose="02020603050405020304" pitchFamily="18" charset="0"/>
+              <a:cs typeface="Times New Roman" panose="02020603050405020304" pitchFamily="18" charset="0"/>
+            </a:endParaRPr>
+          </a:p>
+        </p:txBody>
+      </p:sp>
+      <p:cxnSp>
+        <p:nvCxnSpPr>
+          <p:cNvPr id="40" name="Đường kết nối Mũi tên Thẳng 39">
+            <a:extLst>
+              <a:ext uri="{FF2B5EF4-FFF2-40B4-BE49-F238E27FC236}">
+                <a16:creationId xmlns:a16="http://schemas.microsoft.com/office/drawing/2014/main" id="{780D76E7-2A53-39E3-6CF4-9226BD4A6B30}"/>
+              </a:ext>
+            </a:extLst>
+          </p:cNvPr>
+          <p:cNvCxnSpPr/>
+          <p:nvPr/>
+        </p:nvCxnSpPr>
+        <p:spPr>
+          <a:xfrm flipV="1">
+            <a:off x="7065466" y="3078657"/>
+            <a:ext cx="122634" cy="183968"/>
+          </a:xfrm>
+          <a:prstGeom prst="straightConnector1">
+            <a:avLst/>
+          </a:prstGeom>
+          <a:ln>
+            <a:tailEnd type="triangle"/>
+          </a:ln>
+        </p:spPr>
+        <p:style>
+          <a:lnRef idx="1">
+            <a:schemeClr val="dk1"/>
+          </a:lnRef>
+          <a:fillRef idx="0">
+            <a:schemeClr val="dk1"/>
+          </a:fillRef>
+          <a:effectRef idx="0">
+            <a:schemeClr val="dk1"/>
+          </a:effectRef>
+          <a:fontRef idx="minor">
+            <a:schemeClr val="tx1"/>
+          </a:fontRef>
+        </p:style>
+      </p:cxnSp>
+      <p:sp>
+        <p:nvSpPr>
+          <p:cNvPr id="43" name="Hình chữ nhật 42">
+            <a:extLst>
+              <a:ext uri="{FF2B5EF4-FFF2-40B4-BE49-F238E27FC236}">
+                <a16:creationId xmlns:a16="http://schemas.microsoft.com/office/drawing/2014/main" id="{F37806BD-FFF0-A768-1762-93E6324BD319}"/>
+              </a:ext>
+            </a:extLst>
+          </p:cNvPr>
+          <p:cNvSpPr/>
+          <p:nvPr/>
+        </p:nvSpPr>
+        <p:spPr>
+          <a:xfrm>
+            <a:off x="8124906" y="1976314"/>
+            <a:ext cx="1303530" cy="1303530"/>
+          </a:xfrm>
+          <a:prstGeom prst="rect">
+            <a:avLst/>
+          </a:prstGeom>
+          <a:solidFill>
+            <a:schemeClr val="bg1"/>
+          </a:solidFill>
+          <a:ln>
+            <a:solidFill>
+              <a:schemeClr val="tx1"/>
+            </a:solidFill>
+          </a:ln>
+        </p:spPr>
+        <p:style>
+          <a:lnRef idx="2">
+            <a:schemeClr val="accent1">
+              <a:shade val="50000"/>
+            </a:schemeClr>
+          </a:lnRef>
+          <a:fillRef idx="1">
+            <a:schemeClr val="accent1"/>
+          </a:fillRef>
+          <a:effectRef idx="0">
+            <a:schemeClr val="accent1"/>
+          </a:effectRef>
+          <a:fontRef idx="minor">
+            <a:schemeClr val="lt1"/>
+          </a:fontRef>
+        </p:style>
+        <p:txBody>
+          <a:bodyPr rtlCol="0" anchor="ctr"/>
+          <a:lstStyle/>
+          <a:p>
+            <a:pPr algn="ctr"/>
+            <a:endParaRPr lang="vi-VN">
+              <a:latin typeface="Times New Roman" panose="02020603050405020304" pitchFamily="18" charset="0"/>
+              <a:cs typeface="Times New Roman" panose="02020603050405020304" pitchFamily="18" charset="0"/>
+            </a:endParaRPr>
+          </a:p>
+        </p:txBody>
+      </p:sp>
+      <p:sp>
+        <p:nvSpPr>
+          <p:cNvPr id="44" name="Hình chữ nhật 43">
+            <a:extLst>
+              <a:ext uri="{FF2B5EF4-FFF2-40B4-BE49-F238E27FC236}">
+                <a16:creationId xmlns:a16="http://schemas.microsoft.com/office/drawing/2014/main" id="{1F0C73E8-836B-8320-835A-F30C2904277A}"/>
+              </a:ext>
+            </a:extLst>
+          </p:cNvPr>
+          <p:cNvSpPr/>
+          <p:nvPr/>
+        </p:nvSpPr>
+        <p:spPr>
+          <a:xfrm>
+            <a:off x="8124906" y="1976314"/>
+            <a:ext cx="360836" cy="360836"/>
+          </a:xfrm>
+          <a:prstGeom prst="rect">
+            <a:avLst/>
+          </a:prstGeom>
+          <a:solidFill>
+            <a:schemeClr val="bg1"/>
+          </a:solidFill>
+          <a:ln>
+            <a:solidFill>
+              <a:schemeClr val="tx1"/>
+            </a:solidFill>
+          </a:ln>
+        </p:spPr>
+        <p:style>
+          <a:lnRef idx="2">
+            <a:schemeClr val="accent1">
+              <a:shade val="50000"/>
+            </a:schemeClr>
+          </a:lnRef>
+          <a:fillRef idx="1">
+            <a:schemeClr val="accent1"/>
+          </a:fillRef>
+          <a:effectRef idx="0">
+            <a:schemeClr val="accent1"/>
+          </a:effectRef>
+          <a:fontRef idx="minor">
+            <a:schemeClr val="lt1"/>
+          </a:fontRef>
+        </p:style>
+        <p:txBody>
+          <a:bodyPr rtlCol="0" anchor="ctr"/>
+          <a:lstStyle/>
+          <a:p>
+            <a:pPr algn="ctr"/>
+            <a:endParaRPr lang="vi-VN">
+              <a:latin typeface="Times New Roman" panose="02020603050405020304" pitchFamily="18" charset="0"/>
+              <a:cs typeface="Times New Roman" panose="02020603050405020304" pitchFamily="18" charset="0"/>
+            </a:endParaRPr>
+          </a:p>
+        </p:txBody>
+      </p:sp>
+      <p:sp>
+        <p:nvSpPr>
+          <p:cNvPr id="41" name="Hình chữ nhật 40">
+            <a:extLst>
+              <a:ext uri="{FF2B5EF4-FFF2-40B4-BE49-F238E27FC236}">
+                <a16:creationId xmlns:a16="http://schemas.microsoft.com/office/drawing/2014/main" id="{A97E4EC9-5F96-C75F-69F4-B1037E0A1F79}"/>
+              </a:ext>
+            </a:extLst>
+          </p:cNvPr>
+          <p:cNvSpPr/>
+          <p:nvPr/>
+        </p:nvSpPr>
+        <p:spPr>
+          <a:xfrm>
+            <a:off x="8238256" y="2426809"/>
+            <a:ext cx="1303530" cy="1303530"/>
+          </a:xfrm>
+          <a:prstGeom prst="rect">
+            <a:avLst/>
+          </a:prstGeom>
+          <a:solidFill>
+            <a:schemeClr val="bg1"/>
+          </a:solidFill>
+          <a:ln>
+            <a:solidFill>
+              <a:schemeClr val="tx1"/>
+            </a:solidFill>
+          </a:ln>
+        </p:spPr>
+        <p:style>
+          <a:lnRef idx="2">
+            <a:schemeClr val="accent1">
+              <a:shade val="50000"/>
+            </a:schemeClr>
+          </a:lnRef>
+          <a:fillRef idx="1">
+            <a:schemeClr val="accent1"/>
+          </a:fillRef>
+          <a:effectRef idx="0">
+            <a:schemeClr val="accent1"/>
+          </a:effectRef>
+          <a:fontRef idx="minor">
+            <a:schemeClr val="lt1"/>
+          </a:fontRef>
+        </p:style>
+        <p:txBody>
+          <a:bodyPr rtlCol="0" anchor="ctr"/>
+          <a:lstStyle/>
+          <a:p>
+            <a:pPr algn="ctr"/>
+            <a:endParaRPr lang="vi-VN">
+              <a:latin typeface="Times New Roman" panose="02020603050405020304" pitchFamily="18" charset="0"/>
+              <a:cs typeface="Times New Roman" panose="02020603050405020304" pitchFamily="18" charset="0"/>
+            </a:endParaRPr>
+          </a:p>
+        </p:txBody>
+      </p:sp>
+      <p:sp>
+        <p:nvSpPr>
+          <p:cNvPr id="42" name="Hình chữ nhật 41">
+            <a:extLst>
+              <a:ext uri="{FF2B5EF4-FFF2-40B4-BE49-F238E27FC236}">
+                <a16:creationId xmlns:a16="http://schemas.microsoft.com/office/drawing/2014/main" id="{C976FB91-9EFB-2F78-A0C3-E24D67C6FA0A}"/>
+              </a:ext>
+            </a:extLst>
+          </p:cNvPr>
+          <p:cNvSpPr/>
+          <p:nvPr/>
+        </p:nvSpPr>
+        <p:spPr>
+          <a:xfrm>
+            <a:off x="8238256" y="2426809"/>
+            <a:ext cx="360836" cy="360836"/>
+          </a:xfrm>
+          <a:prstGeom prst="rect">
+            <a:avLst/>
+          </a:prstGeom>
+          <a:solidFill>
+            <a:schemeClr val="bg1"/>
+          </a:solidFill>
+          <a:ln>
+            <a:solidFill>
+              <a:schemeClr val="tx1"/>
+            </a:solidFill>
+          </a:ln>
+        </p:spPr>
+        <p:style>
+          <a:lnRef idx="2">
+            <a:schemeClr val="accent1">
+              <a:shade val="50000"/>
+            </a:schemeClr>
+          </a:lnRef>
+          <a:fillRef idx="1">
+            <a:schemeClr val="accent1"/>
+          </a:fillRef>
+          <a:effectRef idx="0">
+            <a:schemeClr val="accent1"/>
+          </a:effectRef>
+          <a:fontRef idx="minor">
+            <a:schemeClr val="lt1"/>
+          </a:fontRef>
+        </p:style>
+        <p:txBody>
+          <a:bodyPr rtlCol="0" anchor="ctr"/>
+          <a:lstStyle/>
+          <a:p>
+            <a:pPr algn="ctr"/>
+            <a:endParaRPr lang="vi-VN">
+              <a:latin typeface="Times New Roman" panose="02020603050405020304" pitchFamily="18" charset="0"/>
+              <a:cs typeface="Times New Roman" panose="02020603050405020304" pitchFamily="18" charset="0"/>
+            </a:endParaRPr>
+          </a:p>
+        </p:txBody>
+      </p:sp>
+      <p:cxnSp>
+        <p:nvCxnSpPr>
+          <p:cNvPr id="50" name="Đường kết nối: Mũi tên Gấp khúc 49">
+            <a:extLst>
+              <a:ext uri="{FF2B5EF4-FFF2-40B4-BE49-F238E27FC236}">
+                <a16:creationId xmlns:a16="http://schemas.microsoft.com/office/drawing/2014/main" id="{D678835D-AF62-0026-32B1-3AA5EF0B5094}"/>
+              </a:ext>
+            </a:extLst>
+          </p:cNvPr>
+          <p:cNvCxnSpPr>
+            <a:stCxn id="26" idx="3"/>
+            <a:endCxn id="48" idx="1"/>
+          </p:cNvCxnSpPr>
+          <p:nvPr/>
+        </p:nvCxnSpPr>
+        <p:spPr>
+          <a:xfrm flipV="1">
+            <a:off x="7256444" y="1303698"/>
+            <a:ext cx="633591" cy="723222"/>
+          </a:xfrm>
+          <a:prstGeom prst="bentConnector3">
+            <a:avLst/>
+          </a:prstGeom>
+          <a:ln>
+            <a:tailEnd type="triangle"/>
+          </a:ln>
+        </p:spPr>
+        <p:style>
+          <a:lnRef idx="1">
+            <a:schemeClr val="dk1"/>
+          </a:lnRef>
+          <a:fillRef idx="0">
+            <a:schemeClr val="dk1"/>
+          </a:fillRef>
+          <a:effectRef idx="0">
+            <a:schemeClr val="dk1"/>
+          </a:effectRef>
+          <a:fontRef idx="minor">
+            <a:schemeClr val="tx1"/>
+          </a:fontRef>
+        </p:style>
+      </p:cxnSp>
+      <p:cxnSp>
+        <p:nvCxnSpPr>
+          <p:cNvPr id="51" name="Đường kết nối: Mũi tên Gấp khúc 50">
+            <a:extLst>
+              <a:ext uri="{FF2B5EF4-FFF2-40B4-BE49-F238E27FC236}">
+                <a16:creationId xmlns:a16="http://schemas.microsoft.com/office/drawing/2014/main" id="{BBEC8AE2-4663-E9DB-35FE-E32574467939}"/>
+              </a:ext>
+            </a:extLst>
+          </p:cNvPr>
+          <p:cNvCxnSpPr>
+            <a:cxnSpLocks/>
+            <a:stCxn id="27" idx="3"/>
+            <a:endCxn id="46" idx="1"/>
+          </p:cNvCxnSpPr>
+          <p:nvPr/>
+        </p:nvCxnSpPr>
+        <p:spPr>
+          <a:xfrm flipV="1">
+            <a:off x="7256444" y="1730215"/>
+            <a:ext cx="746941" cy="677705"/>
+          </a:xfrm>
+          <a:prstGeom prst="bentConnector3">
+            <a:avLst/>
+          </a:prstGeom>
+          <a:ln>
+            <a:tailEnd type="triangle"/>
+          </a:ln>
+        </p:spPr>
+        <p:style>
+          <a:lnRef idx="1">
+            <a:schemeClr val="dk1"/>
+          </a:lnRef>
+          <a:fillRef idx="0">
+            <a:schemeClr val="dk1"/>
+          </a:fillRef>
+          <a:effectRef idx="0">
+            <a:schemeClr val="dk1"/>
+          </a:effectRef>
+          <a:fontRef idx="minor">
+            <a:schemeClr val="tx1"/>
+          </a:fontRef>
+        </p:style>
+      </p:cxnSp>
+      <p:cxnSp>
+        <p:nvCxnSpPr>
+          <p:cNvPr id="55" name="Đường kết nối: Mũi tên Gấp khúc 54">
+            <a:extLst>
+              <a:ext uri="{FF2B5EF4-FFF2-40B4-BE49-F238E27FC236}">
+                <a16:creationId xmlns:a16="http://schemas.microsoft.com/office/drawing/2014/main" id="{63955A20-73A4-ADE7-0502-2854084339A7}"/>
+              </a:ext>
+            </a:extLst>
+          </p:cNvPr>
+          <p:cNvCxnSpPr>
+            <a:cxnSpLocks/>
+            <a:stCxn id="28" idx="3"/>
+            <a:endCxn id="44" idx="1"/>
+          </p:cNvCxnSpPr>
+          <p:nvPr/>
+        </p:nvCxnSpPr>
+        <p:spPr>
+          <a:xfrm flipV="1">
+            <a:off x="7256444" y="2156732"/>
+            <a:ext cx="868462" cy="629806"/>
+          </a:xfrm>
+          <a:prstGeom prst="bentConnector3">
+            <a:avLst/>
+          </a:prstGeom>
+          <a:ln>
+            <a:tailEnd type="triangle"/>
+          </a:ln>
+        </p:spPr>
+        <p:style>
+          <a:lnRef idx="1">
+            <a:schemeClr val="dk1"/>
+          </a:lnRef>
+          <a:fillRef idx="0">
+            <a:schemeClr val="dk1"/>
+          </a:fillRef>
+          <a:effectRef idx="0">
+            <a:schemeClr val="dk1"/>
+          </a:effectRef>
+          <a:fontRef idx="minor">
+            <a:schemeClr val="tx1"/>
+          </a:fontRef>
+        </p:style>
+      </p:cxnSp>
+      <p:cxnSp>
+        <p:nvCxnSpPr>
+          <p:cNvPr id="58" name="Đường kết nối: Mũi tên Gấp khúc 57">
+            <a:extLst>
+              <a:ext uri="{FF2B5EF4-FFF2-40B4-BE49-F238E27FC236}">
+                <a16:creationId xmlns:a16="http://schemas.microsoft.com/office/drawing/2014/main" id="{2EAE34B8-548B-50FA-83B9-995C2D402C75}"/>
+              </a:ext>
+            </a:extLst>
+          </p:cNvPr>
+          <p:cNvCxnSpPr>
+            <a:cxnSpLocks/>
+            <a:stCxn id="29" idx="3"/>
+            <a:endCxn id="42" idx="1"/>
+          </p:cNvCxnSpPr>
+          <p:nvPr/>
+        </p:nvCxnSpPr>
+        <p:spPr>
+          <a:xfrm flipV="1">
+            <a:off x="7256444" y="2607227"/>
+            <a:ext cx="981812" cy="560311"/>
+          </a:xfrm>
+          <a:prstGeom prst="bentConnector3">
+            <a:avLst/>
+          </a:prstGeom>
+          <a:ln>
+            <a:tailEnd type="triangle"/>
+          </a:ln>
+        </p:spPr>
+        <p:style>
+          <a:lnRef idx="1">
+            <a:schemeClr val="dk1"/>
+          </a:lnRef>
+          <a:fillRef idx="0">
+            <a:schemeClr val="dk1"/>
+          </a:fillRef>
+          <a:effectRef idx="0">
+            <a:schemeClr val="dk1"/>
+          </a:effectRef>
+          <a:fontRef idx="minor">
+            <a:schemeClr val="tx1"/>
+          </a:fontRef>
+        </p:style>
+      </p:cxnSp>
+      <p:sp>
+        <p:nvSpPr>
+          <p:cNvPr id="61" name="Hình chữ nhật 60">
+            <a:extLst>
+              <a:ext uri="{FF2B5EF4-FFF2-40B4-BE49-F238E27FC236}">
+                <a16:creationId xmlns:a16="http://schemas.microsoft.com/office/drawing/2014/main" id="{EED75AAF-DE1B-92C0-A3F7-4D73272560CE}"/>
+              </a:ext>
+            </a:extLst>
+          </p:cNvPr>
+          <p:cNvSpPr/>
+          <p:nvPr/>
+        </p:nvSpPr>
+        <p:spPr>
+          <a:xfrm>
+            <a:off x="4970127" y="2431183"/>
+            <a:ext cx="1123949" cy="1123949"/>
+          </a:xfrm>
+          <a:prstGeom prst="rect">
+            <a:avLst/>
+          </a:prstGeom>
+          <a:solidFill>
+            <a:schemeClr val="bg1"/>
+          </a:solidFill>
+          <a:ln w="38100">
+            <a:solidFill>
+              <a:schemeClr val="tx1"/>
+            </a:solidFill>
+          </a:ln>
+        </p:spPr>
+        <p:style>
+          <a:lnRef idx="2">
+            <a:schemeClr val="accent1">
+              <a:shade val="50000"/>
+            </a:schemeClr>
+          </a:lnRef>
+          <a:fillRef idx="1">
+            <a:schemeClr val="accent1"/>
+          </a:fillRef>
+          <a:effectRef idx="0">
+            <a:schemeClr val="accent1"/>
+          </a:effectRef>
+          <a:fontRef idx="minor">
+            <a:schemeClr val="lt1"/>
+          </a:fontRef>
+        </p:style>
+        <p:txBody>
+          <a:bodyPr rtlCol="0" anchor="ctr"/>
+          <a:lstStyle/>
+          <a:p>
+            <a:pPr algn="ctr"/>
+            <a:endParaRPr lang="vi-VN">
+              <a:solidFill>
+                <a:schemeClr val="tx1"/>
+              </a:solidFill>
+              <a:latin typeface="Times New Roman" panose="02020603050405020304" pitchFamily="18" charset="0"/>
+              <a:cs typeface="Times New Roman" panose="02020603050405020304" pitchFamily="18" charset="0"/>
+            </a:endParaRPr>
+          </a:p>
+        </p:txBody>
+      </p:sp>
+      <mc:AlternateContent xmlns:mc="http://schemas.openxmlformats.org/markup-compatibility/2006" xmlns:a14="http://schemas.microsoft.com/office/drawing/2010/main">
+        <mc:Choice Requires="a14">
+          <p:sp>
+            <p:nvSpPr>
+              <p:cNvPr id="63" name="Hộp Văn bản 62">
+                <a:extLst>
+                  <a:ext uri="{FF2B5EF4-FFF2-40B4-BE49-F238E27FC236}">
+                    <a16:creationId xmlns:a16="http://schemas.microsoft.com/office/drawing/2014/main" id="{8F29E261-94B6-2E22-08B5-05AE8694A94D}"/>
+                  </a:ext>
+                </a:extLst>
+              </p:cNvPr>
+              <p:cNvSpPr txBox="1"/>
+              <p:nvPr/>
+            </p:nvSpPr>
+            <p:spPr>
+              <a:xfrm>
+                <a:off x="4948655" y="2431830"/>
+                <a:ext cx="694532" cy="338554"/>
+              </a:xfrm>
+              <a:prstGeom prst="rect">
+                <a:avLst/>
+              </a:prstGeom>
+              <a:noFill/>
+            </p:spPr>
+            <p:txBody>
+              <a:bodyPr wrap="square" rtlCol="0">
+                <a:spAutoFit/>
+              </a:bodyPr>
+              <a:lstStyle/>
+              <a:p>
+                <a:pPr/>
+                <a14:m>
+                  <m:oMathPara xmlns:m="http://schemas.openxmlformats.org/officeDocument/2006/math">
+                    <m:oMathParaPr>
+                      <m:jc m:val="centerGroup"/>
+                    </m:oMathParaPr>
+                    <m:oMath xmlns:m="http://schemas.openxmlformats.org/officeDocument/2006/math">
+                      <m:sSub>
+                        <m:sSubPr>
+                          <m:ctrlPr>
+                            <a:rPr lang="en-US" sz="1600" b="0" i="1" smtClean="0">
+                              <a:latin typeface="Cambria Math" panose="02040503050406030204" pitchFamily="18" charset="0"/>
+                            </a:rPr>
+                          </m:ctrlPr>
+                        </m:sSubPr>
+                        <m:e>
+                          <m:r>
+                            <a:rPr lang="en-US" sz="1600" b="0" i="1" smtClean="0">
+                              <a:latin typeface="Cambria Math" panose="02040503050406030204" pitchFamily="18" charset="0"/>
+                            </a:rPr>
+                            <m:t>𝑈</m:t>
+                          </m:r>
+                        </m:e>
+                        <m:sub>
+                          <m:r>
+                            <a:rPr lang="en-US" sz="1600" b="0" i="1" smtClean="0">
+                              <a:latin typeface="Cambria Math" panose="02040503050406030204" pitchFamily="18" charset="0"/>
+                            </a:rPr>
+                            <m:t>1</m:t>
+                          </m:r>
+                        </m:sub>
+                      </m:sSub>
+                      <m:r>
+                        <a:rPr lang="en-US" sz="1600" b="0" i="1" smtClean="0">
+                          <a:latin typeface="Cambria Math" panose="02040503050406030204" pitchFamily="18" charset="0"/>
+                        </a:rPr>
+                        <m:t>(</m:t>
+                      </m:r>
+                      <m:r>
+                        <a:rPr lang="en-US" sz="1600" b="1" i="1" smtClean="0">
+                          <a:latin typeface="Cambria Math" panose="02040503050406030204" pitchFamily="18" charset="0"/>
+                        </a:rPr>
+                        <m:t>𝜽</m:t>
+                      </m:r>
+                      <m:r>
+                        <a:rPr lang="en-US" sz="1600" b="0" i="1" smtClean="0">
+                          <a:latin typeface="Cambria Math" panose="02040503050406030204" pitchFamily="18" charset="0"/>
+                        </a:rPr>
+                        <m:t>)</m:t>
+                      </m:r>
+                    </m:oMath>
+                  </m:oMathPara>
+                </a14:m>
+                <a:endParaRPr lang="vi-VN" sz="1600">
+                  <a:latin typeface="Times New Roman" panose="02020603050405020304" pitchFamily="18" charset="0"/>
+                  <a:cs typeface="Times New Roman" panose="02020603050405020304" pitchFamily="18" charset="0"/>
+                </a:endParaRPr>
+              </a:p>
+            </p:txBody>
+          </p:sp>
+        </mc:Choice>
+        <mc:Fallback xmlns="">
+          <p:sp>
+            <p:nvSpPr>
+              <p:cNvPr id="63" name="Hộp Văn bản 62">
+                <a:extLst>
+                  <a:ext uri="{FF2B5EF4-FFF2-40B4-BE49-F238E27FC236}">
+                    <a16:creationId xmlns:a16="http://schemas.microsoft.com/office/drawing/2014/main" id="{8F29E261-94B6-2E22-08B5-05AE8694A94D}"/>
+                  </a:ext>
+                </a:extLst>
+              </p:cNvPr>
+              <p:cNvSpPr txBox="1">
+                <a:spLocks noRot="1" noChangeAspect="1" noMove="1" noResize="1" noEditPoints="1" noAdjustHandles="1" noChangeArrowheads="1" noChangeShapeType="1" noTextEdit="1"/>
+              </p:cNvSpPr>
+              <p:nvPr/>
+            </p:nvSpPr>
+            <p:spPr>
+              <a:xfrm>
+                <a:off x="4948655" y="2431830"/>
+                <a:ext cx="694532" cy="338554"/>
+              </a:xfrm>
+              <a:prstGeom prst="rect">
+                <a:avLst/>
+              </a:prstGeom>
+              <a:blipFill>
+                <a:blip r:embed="rId3"/>
+                <a:stretch>
+                  <a:fillRect b="-14815"/>
+                </a:stretch>
+              </a:blipFill>
+            </p:spPr>
+            <p:txBody>
+              <a:bodyPr/>
+              <a:lstStyle/>
+              <a:p>
+                <a:r>
+                  <a:rPr lang="en-VN">
+                    <a:noFill/>
+                  </a:rPr>
+                  <a:t> </a:t>
+                </a:r>
+              </a:p>
+            </p:txBody>
+          </p:sp>
+        </mc:Fallback>
+      </mc:AlternateContent>
+      <mc:AlternateContent xmlns:mc="http://schemas.openxmlformats.org/markup-compatibility/2006" xmlns:a14="http://schemas.microsoft.com/office/drawing/2010/main">
+        <mc:Choice Requires="a14">
+          <p:sp>
+            <p:nvSpPr>
+              <p:cNvPr id="64" name="Hộp Văn bản 63">
+                <a:extLst>
+                  <a:ext uri="{FF2B5EF4-FFF2-40B4-BE49-F238E27FC236}">
+                    <a16:creationId xmlns:a16="http://schemas.microsoft.com/office/drawing/2014/main" id="{7CBCC77D-5FAF-2D71-B123-98D8A22D9100}"/>
+                  </a:ext>
+                </a:extLst>
+              </p:cNvPr>
+              <p:cNvSpPr txBox="1"/>
+              <p:nvPr/>
+            </p:nvSpPr>
+            <p:spPr>
+              <a:xfrm>
+                <a:off x="4839079" y="2026920"/>
+                <a:ext cx="694532" cy="338554"/>
+              </a:xfrm>
+              <a:prstGeom prst="rect">
+                <a:avLst/>
+              </a:prstGeom>
+              <a:noFill/>
+            </p:spPr>
+            <p:txBody>
+              <a:bodyPr wrap="square" rtlCol="0">
+                <a:spAutoFit/>
+              </a:bodyPr>
+              <a:lstStyle/>
+              <a:p>
+                <a:pPr/>
+                <a14:m>
+                  <m:oMathPara xmlns:m="http://schemas.openxmlformats.org/officeDocument/2006/math">
+                    <m:oMathParaPr>
+                      <m:jc m:val="centerGroup"/>
+                    </m:oMathParaPr>
+                    <m:oMath xmlns:m="http://schemas.openxmlformats.org/officeDocument/2006/math">
+                      <m:sSub>
+                        <m:sSubPr>
+                          <m:ctrlPr>
+                            <a:rPr lang="en-US" sz="1600" b="0" i="1" smtClean="0">
+                              <a:latin typeface="Cambria Math" panose="02040503050406030204" pitchFamily="18" charset="0"/>
+                            </a:rPr>
+                          </m:ctrlPr>
+                        </m:sSubPr>
+                        <m:e>
+                          <m:r>
+                            <a:rPr lang="en-US" sz="1600" b="0" i="1" smtClean="0">
+                              <a:latin typeface="Cambria Math" panose="02040503050406030204" pitchFamily="18" charset="0"/>
+                            </a:rPr>
+                            <m:t>𝑈</m:t>
+                          </m:r>
+                        </m:e>
+                        <m:sub>
+                          <m:r>
+                            <a:rPr lang="en-US" sz="1600" b="0" i="1" smtClean="0">
+                              <a:latin typeface="Cambria Math" panose="02040503050406030204" pitchFamily="18" charset="0"/>
+                            </a:rPr>
+                            <m:t>2</m:t>
+                          </m:r>
+                        </m:sub>
+                      </m:sSub>
+                      <m:r>
+                        <a:rPr lang="en-US" sz="1600" b="0" i="1" smtClean="0">
+                          <a:latin typeface="Cambria Math" panose="02040503050406030204" pitchFamily="18" charset="0"/>
+                        </a:rPr>
+                        <m:t>(</m:t>
+                      </m:r>
+                      <m:r>
+                        <a:rPr lang="en-US" sz="1600" b="1" i="1" smtClean="0">
+                          <a:latin typeface="Cambria Math" panose="02040503050406030204" pitchFamily="18" charset="0"/>
+                        </a:rPr>
+                        <m:t>𝜽</m:t>
+                      </m:r>
+                      <m:r>
+                        <a:rPr lang="en-US" sz="1600" b="0" i="1" smtClean="0">
+                          <a:latin typeface="Cambria Math" panose="02040503050406030204" pitchFamily="18" charset="0"/>
+                        </a:rPr>
+                        <m:t>)</m:t>
+                      </m:r>
+                    </m:oMath>
+                  </m:oMathPara>
+                </a14:m>
+                <a:endParaRPr lang="vi-VN" sz="1600">
+                  <a:latin typeface="Times New Roman" panose="02020603050405020304" pitchFamily="18" charset="0"/>
+                  <a:cs typeface="Times New Roman" panose="02020603050405020304" pitchFamily="18" charset="0"/>
+                </a:endParaRPr>
+              </a:p>
+            </p:txBody>
+          </p:sp>
+        </mc:Choice>
+        <mc:Fallback xmlns="">
+          <p:sp>
+            <p:nvSpPr>
+              <p:cNvPr id="64" name="Hộp Văn bản 63">
+                <a:extLst>
+                  <a:ext uri="{FF2B5EF4-FFF2-40B4-BE49-F238E27FC236}">
+                    <a16:creationId xmlns:a16="http://schemas.microsoft.com/office/drawing/2014/main" id="{7CBCC77D-5FAF-2D71-B123-98D8A22D9100}"/>
+                  </a:ext>
+                </a:extLst>
+              </p:cNvPr>
+              <p:cNvSpPr txBox="1">
+                <a:spLocks noRot="1" noChangeAspect="1" noMove="1" noResize="1" noEditPoints="1" noAdjustHandles="1" noChangeArrowheads="1" noChangeShapeType="1" noTextEdit="1"/>
+              </p:cNvSpPr>
+              <p:nvPr/>
+            </p:nvSpPr>
+            <p:spPr>
+              <a:xfrm>
+                <a:off x="4839079" y="2026920"/>
+                <a:ext cx="694532" cy="338554"/>
+              </a:xfrm>
+              <a:prstGeom prst="rect">
+                <a:avLst/>
+              </a:prstGeom>
+              <a:blipFill>
+                <a:blip r:embed="rId4"/>
+                <a:stretch>
+                  <a:fillRect r="-1818" b="-14286"/>
+                </a:stretch>
+              </a:blipFill>
+            </p:spPr>
+            <p:txBody>
+              <a:bodyPr/>
+              <a:lstStyle/>
+              <a:p>
+                <a:r>
+                  <a:rPr lang="en-VN">
+                    <a:noFill/>
+                  </a:rPr>
+                  <a:t> </a:t>
+                </a:r>
+              </a:p>
+            </p:txBody>
+          </p:sp>
+        </mc:Fallback>
+      </mc:AlternateContent>
+      <mc:AlternateContent xmlns:mc="http://schemas.openxmlformats.org/markup-compatibility/2006" xmlns:a14="http://schemas.microsoft.com/office/drawing/2010/main">
+        <mc:Choice Requires="a14">
+          <p:sp>
+            <p:nvSpPr>
+              <p:cNvPr id="65" name="Hộp Văn bản 64">
+                <a:extLst>
+                  <a:ext uri="{FF2B5EF4-FFF2-40B4-BE49-F238E27FC236}">
+                    <a16:creationId xmlns:a16="http://schemas.microsoft.com/office/drawing/2014/main" id="{2F66B24C-88CC-8339-96C1-B2DE3DF3CA77}"/>
+                  </a:ext>
+                </a:extLst>
+              </p:cNvPr>
+              <p:cNvSpPr txBox="1"/>
+              <p:nvPr/>
+            </p:nvSpPr>
+            <p:spPr>
+              <a:xfrm>
+                <a:off x="4678665" y="1652996"/>
+                <a:ext cx="694532" cy="338554"/>
+              </a:xfrm>
+              <a:prstGeom prst="rect">
+                <a:avLst/>
+              </a:prstGeom>
+              <a:noFill/>
+            </p:spPr>
+            <p:txBody>
+              <a:bodyPr wrap="square" rtlCol="0">
+                <a:spAutoFit/>
+              </a:bodyPr>
+              <a:lstStyle/>
+              <a:p>
+                <a:pPr/>
+                <a14:m>
+                  <m:oMathPara xmlns:m="http://schemas.openxmlformats.org/officeDocument/2006/math">
+                    <m:oMathParaPr>
+                      <m:jc m:val="centerGroup"/>
+                    </m:oMathParaPr>
+                    <m:oMath xmlns:m="http://schemas.openxmlformats.org/officeDocument/2006/math">
+                      <m:sSub>
+                        <m:sSubPr>
+                          <m:ctrlPr>
+                            <a:rPr lang="en-US" sz="1600" b="0" i="1" smtClean="0">
+                              <a:latin typeface="Cambria Math" panose="02040503050406030204" pitchFamily="18" charset="0"/>
+                            </a:rPr>
+                          </m:ctrlPr>
+                        </m:sSubPr>
+                        <m:e>
+                          <m:r>
+                            <a:rPr lang="en-US" sz="1600" b="0" i="1" smtClean="0">
+                              <a:latin typeface="Cambria Math" panose="02040503050406030204" pitchFamily="18" charset="0"/>
+                            </a:rPr>
+                            <m:t>𝑈</m:t>
+                          </m:r>
+                        </m:e>
+                        <m:sub>
+                          <m:r>
+                            <a:rPr lang="en-US" sz="1600" b="0" i="1" smtClean="0">
+                              <a:latin typeface="Cambria Math" panose="02040503050406030204" pitchFamily="18" charset="0"/>
+                            </a:rPr>
+                            <m:t>3</m:t>
+                          </m:r>
+                        </m:sub>
+                      </m:sSub>
+                      <m:r>
+                        <a:rPr lang="en-US" sz="1600" b="0" i="1" smtClean="0">
+                          <a:latin typeface="Cambria Math" panose="02040503050406030204" pitchFamily="18" charset="0"/>
+                        </a:rPr>
+                        <m:t>(</m:t>
+                      </m:r>
+                      <m:r>
+                        <a:rPr lang="en-US" sz="1600" b="1" i="1" smtClean="0">
+                          <a:latin typeface="Cambria Math" panose="02040503050406030204" pitchFamily="18" charset="0"/>
+                        </a:rPr>
+                        <m:t>𝜽</m:t>
+                      </m:r>
+                      <m:r>
+                        <a:rPr lang="en-US" sz="1600" b="0" i="1" smtClean="0">
+                          <a:latin typeface="Cambria Math" panose="02040503050406030204" pitchFamily="18" charset="0"/>
+                        </a:rPr>
+                        <m:t>)</m:t>
+                      </m:r>
+                    </m:oMath>
+                  </m:oMathPara>
+                </a14:m>
+                <a:endParaRPr lang="vi-VN" sz="1600">
+                  <a:latin typeface="Times New Roman" panose="02020603050405020304" pitchFamily="18" charset="0"/>
+                  <a:cs typeface="Times New Roman" panose="02020603050405020304" pitchFamily="18" charset="0"/>
+                </a:endParaRPr>
+              </a:p>
+            </p:txBody>
+          </p:sp>
+        </mc:Choice>
+        <mc:Fallback xmlns="">
+          <p:sp>
+            <p:nvSpPr>
+              <p:cNvPr id="65" name="Hộp Văn bản 64">
+                <a:extLst>
+                  <a:ext uri="{FF2B5EF4-FFF2-40B4-BE49-F238E27FC236}">
+                    <a16:creationId xmlns:a16="http://schemas.microsoft.com/office/drawing/2014/main" id="{2F66B24C-88CC-8339-96C1-B2DE3DF3CA77}"/>
+                  </a:ext>
+                </a:extLst>
+              </p:cNvPr>
+              <p:cNvSpPr txBox="1">
+                <a:spLocks noRot="1" noChangeAspect="1" noMove="1" noResize="1" noEditPoints="1" noAdjustHandles="1" noChangeArrowheads="1" noChangeShapeType="1" noTextEdit="1"/>
+              </p:cNvSpPr>
+              <p:nvPr/>
+            </p:nvSpPr>
+            <p:spPr>
+              <a:xfrm>
+                <a:off x="4678665" y="1652996"/>
+                <a:ext cx="694532" cy="338554"/>
+              </a:xfrm>
+              <a:prstGeom prst="rect">
+                <a:avLst/>
+              </a:prstGeom>
+              <a:blipFill>
+                <a:blip r:embed="rId5"/>
+                <a:stretch>
+                  <a:fillRect r="-1818" b="-14815"/>
+                </a:stretch>
+              </a:blipFill>
+            </p:spPr>
+            <p:txBody>
+              <a:bodyPr/>
+              <a:lstStyle/>
+              <a:p>
+                <a:r>
+                  <a:rPr lang="en-VN">
+                    <a:noFill/>
+                  </a:rPr>
+                  <a:t> </a:t>
+                </a:r>
+              </a:p>
+            </p:txBody>
+          </p:sp>
+        </mc:Fallback>
+      </mc:AlternateContent>
+      <p:sp>
+        <p:nvSpPr>
+          <p:cNvPr id="66" name="Hình chữ nhật 65">
+            <a:extLst>
+              <a:ext uri="{FF2B5EF4-FFF2-40B4-BE49-F238E27FC236}">
+                <a16:creationId xmlns:a16="http://schemas.microsoft.com/office/drawing/2014/main" id="{5EE7B2C8-CD22-8C89-25DE-1526350FD7CB}"/>
+              </a:ext>
+            </a:extLst>
+          </p:cNvPr>
+          <p:cNvSpPr/>
+          <p:nvPr/>
+        </p:nvSpPr>
+        <p:spPr>
+          <a:xfrm>
+            <a:off x="2709845" y="1324096"/>
+            <a:ext cx="4709736" cy="2397004"/>
+          </a:xfrm>
+          <a:prstGeom prst="rect">
+            <a:avLst/>
+          </a:prstGeom>
+          <a:noFill/>
+          <a:ln>
+            <a:solidFill>
+              <a:schemeClr val="tx1"/>
+            </a:solidFill>
+            <a:prstDash val="dash"/>
+          </a:ln>
+        </p:spPr>
+        <p:style>
+          <a:lnRef idx="2">
+            <a:schemeClr val="accent1">
+              <a:shade val="50000"/>
+            </a:schemeClr>
+          </a:lnRef>
+          <a:fillRef idx="1">
+            <a:schemeClr val="accent1"/>
+          </a:fillRef>
+          <a:effectRef idx="0">
+            <a:schemeClr val="accent1"/>
+          </a:effectRef>
+          <a:fontRef idx="minor">
+            <a:schemeClr val="lt1"/>
+          </a:fontRef>
+        </p:style>
+        <p:txBody>
+          <a:bodyPr rtlCol="0" anchor="ctr"/>
+          <a:lstStyle/>
+          <a:p>
+            <a:pPr algn="ctr"/>
+            <a:endParaRPr lang="vi-VN">
+              <a:latin typeface="Times New Roman" panose="02020603050405020304" pitchFamily="18" charset="0"/>
+              <a:cs typeface="Times New Roman" panose="02020603050405020304" pitchFamily="18" charset="0"/>
+            </a:endParaRPr>
+          </a:p>
+        </p:txBody>
+      </p:sp>
+      <p:sp>
+        <p:nvSpPr>
+          <p:cNvPr id="67" name="Hộp Văn bản 66">
+            <a:extLst>
+              <a:ext uri="{FF2B5EF4-FFF2-40B4-BE49-F238E27FC236}">
+                <a16:creationId xmlns:a16="http://schemas.microsoft.com/office/drawing/2014/main" id="{2D8F7845-ED4A-4195-5947-6B22ED099632}"/>
+              </a:ext>
+            </a:extLst>
+          </p:cNvPr>
+          <p:cNvSpPr txBox="1"/>
+          <p:nvPr/>
+        </p:nvSpPr>
+        <p:spPr>
+          <a:xfrm>
+            <a:off x="876302" y="3743726"/>
+            <a:ext cx="1049461" cy="246221"/>
+          </a:xfrm>
+          <a:prstGeom prst="rect">
+            <a:avLst/>
+          </a:prstGeom>
+          <a:noFill/>
+        </p:spPr>
+        <p:txBody>
+          <a:bodyPr wrap="square" rtlCol="0">
+            <a:spAutoFit/>
+          </a:bodyPr>
+          <a:lstStyle/>
+          <a:p>
+            <a:r>
+              <a:rPr lang="en-US" sz="1000">
+                <a:latin typeface="Times New Roman" panose="02020603050405020304" pitchFamily="18" charset="0"/>
+                <a:cs typeface="Times New Roman" panose="02020603050405020304" pitchFamily="18" charset="0"/>
+              </a:rPr>
+              <a:t>Input: image</a:t>
+            </a:r>
+            <a:endParaRPr lang="vi-VN" sz="1000">
+              <a:latin typeface="Times New Roman" panose="02020603050405020304" pitchFamily="18" charset="0"/>
+              <a:cs typeface="Times New Roman" panose="02020603050405020304" pitchFamily="18" charset="0"/>
+            </a:endParaRPr>
+          </a:p>
+        </p:txBody>
+      </p:sp>
+      <p:sp>
+        <p:nvSpPr>
+          <p:cNvPr id="25" name="Hộp Văn bản 24">
+            <a:extLst>
+              <a:ext uri="{FF2B5EF4-FFF2-40B4-BE49-F238E27FC236}">
+                <a16:creationId xmlns:a16="http://schemas.microsoft.com/office/drawing/2014/main" id="{0EFAC6C0-3EF7-516A-B3D9-189AEF96CB0C}"/>
+              </a:ext>
+            </a:extLst>
+          </p:cNvPr>
+          <p:cNvSpPr txBox="1"/>
+          <p:nvPr/>
+        </p:nvSpPr>
+        <p:spPr>
+          <a:xfrm>
+            <a:off x="4593726" y="3736340"/>
+            <a:ext cx="1523077" cy="246221"/>
+          </a:xfrm>
+          <a:prstGeom prst="rect">
+            <a:avLst/>
+          </a:prstGeom>
+          <a:noFill/>
+        </p:spPr>
+        <p:txBody>
+          <a:bodyPr wrap="square" rtlCol="0">
+            <a:spAutoFit/>
+          </a:bodyPr>
+          <a:lstStyle/>
+          <a:p>
+            <a:r>
+              <a:rPr lang="en-US" sz="1000">
+                <a:latin typeface="Times New Roman" panose="02020603050405020304" pitchFamily="18" charset="0"/>
+                <a:cs typeface="Times New Roman" panose="02020603050405020304" pitchFamily="18" charset="0"/>
+              </a:rPr>
+              <a:t>Quanvolutional filter</a:t>
+            </a:r>
+            <a:endParaRPr lang="vi-VN" sz="1000">
+              <a:latin typeface="Times New Roman" panose="02020603050405020304" pitchFamily="18" charset="0"/>
+              <a:cs typeface="Times New Roman" panose="02020603050405020304" pitchFamily="18" charset="0"/>
+            </a:endParaRPr>
+          </a:p>
+        </p:txBody>
+      </p:sp>
+      <p:sp>
+        <p:nvSpPr>
+          <p:cNvPr id="33" name="Hộp Văn bản 32">
+            <a:extLst>
+              <a:ext uri="{FF2B5EF4-FFF2-40B4-BE49-F238E27FC236}">
+                <a16:creationId xmlns:a16="http://schemas.microsoft.com/office/drawing/2014/main" id="{325EE386-7FB1-6C06-B035-7F9976DED31C}"/>
+              </a:ext>
+            </a:extLst>
+          </p:cNvPr>
+          <p:cNvSpPr txBox="1"/>
+          <p:nvPr/>
+        </p:nvSpPr>
+        <p:spPr>
+          <a:xfrm>
+            <a:off x="8106577" y="3739146"/>
+            <a:ext cx="1598211" cy="246221"/>
+          </a:xfrm>
+          <a:prstGeom prst="rect">
+            <a:avLst/>
+          </a:prstGeom>
+          <a:noFill/>
+        </p:spPr>
+        <p:txBody>
+          <a:bodyPr wrap="square" rtlCol="0">
+            <a:spAutoFit/>
+          </a:bodyPr>
+          <a:lstStyle/>
+          <a:p>
+            <a:r>
+              <a:rPr lang="en-US" sz="1000">
+                <a:latin typeface="Times New Roman" panose="02020603050405020304" pitchFamily="18" charset="0"/>
+                <a:cs typeface="Times New Roman" panose="02020603050405020304" pitchFamily="18" charset="0"/>
+              </a:rPr>
+              <a:t>Output: feature maps</a:t>
+            </a:r>
+            <a:endParaRPr lang="vi-VN" sz="1000">
+              <a:latin typeface="Times New Roman" panose="02020603050405020304" pitchFamily="18" charset="0"/>
+              <a:cs typeface="Times New Roman" panose="02020603050405020304" pitchFamily="18" charset="0"/>
+            </a:endParaRPr>
+          </a:p>
+        </p:txBody>
+      </p:sp>
+      <p:sp>
+        <p:nvSpPr>
+          <p:cNvPr id="22" name="Hình chữ nhật 7">
+            <a:extLst>
+              <a:ext uri="{FF2B5EF4-FFF2-40B4-BE49-F238E27FC236}">
+                <a16:creationId xmlns:a16="http://schemas.microsoft.com/office/drawing/2014/main" id="{A5F25057-9300-B4CA-1B79-F7D249938280}"/>
+              </a:ext>
+            </a:extLst>
+          </p:cNvPr>
+          <p:cNvSpPr/>
+          <p:nvPr/>
+        </p:nvSpPr>
+        <p:spPr>
+          <a:xfrm>
+            <a:off x="1150364" y="1850165"/>
+            <a:ext cx="80710" cy="75490"/>
+          </a:xfrm>
+          <a:prstGeom prst="rect">
+            <a:avLst/>
+          </a:prstGeom>
+          <a:noFill/>
+          <a:ln>
+            <a:solidFill>
+              <a:schemeClr val="accent1"/>
+            </a:solidFill>
+          </a:ln>
+        </p:spPr>
+        <p:style>
+          <a:lnRef idx="2">
+            <a:schemeClr val="accent1">
+              <a:shade val="50000"/>
+            </a:schemeClr>
+          </a:lnRef>
+          <a:fillRef idx="1">
+            <a:schemeClr val="accent1"/>
+          </a:fillRef>
+          <a:effectRef idx="0">
+            <a:schemeClr val="accent1"/>
+          </a:effectRef>
+          <a:fontRef idx="minor">
+            <a:schemeClr val="lt1"/>
+          </a:fontRef>
+        </p:style>
+        <p:txBody>
+          <a:bodyPr rtlCol="0" anchor="ctr"/>
+          <a:lstStyle/>
+          <a:p>
+            <a:pPr algn="ctr"/>
+            <a:endParaRPr lang="vi-VN">
+              <a:latin typeface="Times New Roman" panose="02020603050405020304" pitchFamily="18" charset="0"/>
+              <a:cs typeface="Times New Roman" panose="02020603050405020304" pitchFamily="18" charset="0"/>
+            </a:endParaRPr>
+          </a:p>
+        </p:txBody>
+      </p:sp>
+      <p:cxnSp>
+        <p:nvCxnSpPr>
+          <p:cNvPr id="54" name="Elbow Connector 53">
+            <a:extLst>
+              <a:ext uri="{FF2B5EF4-FFF2-40B4-BE49-F238E27FC236}">
+                <a16:creationId xmlns:a16="http://schemas.microsoft.com/office/drawing/2014/main" id="{8ABB7D33-0AED-13B0-CDC2-0F170DA35498}"/>
+              </a:ext>
+            </a:extLst>
+          </p:cNvPr>
+          <p:cNvCxnSpPr>
+            <a:cxnSpLocks/>
+            <a:stCxn id="5" idx="0"/>
+          </p:cNvCxnSpPr>
+          <p:nvPr/>
+        </p:nvCxnSpPr>
+        <p:spPr>
+          <a:xfrm rot="16200000" flipH="1">
+            <a:off x="1722696" y="837438"/>
+            <a:ext cx="1203121" cy="2176434"/>
+          </a:xfrm>
+          <a:prstGeom prst="bentConnector4">
+            <a:avLst>
+              <a:gd name="adj1" fmla="val -19001"/>
+              <a:gd name="adj2" fmla="val 60835"/>
+            </a:avLst>
+          </a:prstGeom>
+          <a:ln>
+            <a:tailEnd type="triangle"/>
+          </a:ln>
+        </p:spPr>
+        <p:style>
+          <a:lnRef idx="1">
+            <a:schemeClr val="dk1"/>
+          </a:lnRef>
+          <a:fillRef idx="0">
+            <a:schemeClr val="dk1"/>
+          </a:fillRef>
+          <a:effectRef idx="0">
+            <a:schemeClr val="dk1"/>
+          </a:effectRef>
+          <a:fontRef idx="minor">
+            <a:schemeClr val="tx1"/>
+          </a:fontRef>
+        </p:style>
+      </p:cxnSp>
+      <p:sp>
+        <p:nvSpPr>
+          <p:cNvPr id="76" name="Hình chữ nhật 7">
+            <a:extLst>
+              <a:ext uri="{FF2B5EF4-FFF2-40B4-BE49-F238E27FC236}">
+                <a16:creationId xmlns:a16="http://schemas.microsoft.com/office/drawing/2014/main" id="{9C2CB3FA-0138-9878-D7F7-1D1550F586E3}"/>
+              </a:ext>
+            </a:extLst>
+          </p:cNvPr>
+          <p:cNvSpPr/>
+          <p:nvPr/>
+        </p:nvSpPr>
+        <p:spPr>
+          <a:xfrm>
+            <a:off x="1236089" y="1850165"/>
+            <a:ext cx="80710" cy="75490"/>
+          </a:xfrm>
+          <a:prstGeom prst="rect">
+            <a:avLst/>
+          </a:prstGeom>
+          <a:noFill/>
+          <a:ln>
+            <a:solidFill>
+              <a:schemeClr val="accent1"/>
+            </a:solidFill>
+          </a:ln>
+        </p:spPr>
+        <p:style>
+          <a:lnRef idx="2">
+            <a:schemeClr val="accent1">
+              <a:shade val="50000"/>
+            </a:schemeClr>
+          </a:lnRef>
+          <a:fillRef idx="1">
+            <a:schemeClr val="accent1"/>
+          </a:fillRef>
+          <a:effectRef idx="0">
+            <a:schemeClr val="accent1"/>
+          </a:effectRef>
+          <a:fontRef idx="minor">
+            <a:schemeClr val="lt1"/>
+          </a:fontRef>
+        </p:style>
+        <p:txBody>
+          <a:bodyPr rtlCol="0" anchor="ctr"/>
+          <a:lstStyle/>
+          <a:p>
+            <a:pPr algn="ctr"/>
+            <a:endParaRPr lang="vi-VN">
+              <a:latin typeface="Times New Roman" panose="02020603050405020304" pitchFamily="18" charset="0"/>
+              <a:cs typeface="Times New Roman" panose="02020603050405020304" pitchFamily="18" charset="0"/>
+            </a:endParaRPr>
+          </a:p>
+        </p:txBody>
+      </p:sp>
+      <p:sp>
+        <p:nvSpPr>
+          <p:cNvPr id="77" name="Hình chữ nhật 7">
+            <a:extLst>
+              <a:ext uri="{FF2B5EF4-FFF2-40B4-BE49-F238E27FC236}">
+                <a16:creationId xmlns:a16="http://schemas.microsoft.com/office/drawing/2014/main" id="{FF995E45-AD7E-98A8-DE32-28DC030CC8F3}"/>
+              </a:ext>
+            </a:extLst>
+          </p:cNvPr>
+          <p:cNvSpPr/>
+          <p:nvPr/>
+        </p:nvSpPr>
+        <p:spPr>
+          <a:xfrm>
+            <a:off x="1150364" y="1932715"/>
+            <a:ext cx="80710" cy="75490"/>
+          </a:xfrm>
+          <a:prstGeom prst="rect">
+            <a:avLst/>
+          </a:prstGeom>
+          <a:noFill/>
+          <a:ln>
+            <a:solidFill>
+              <a:schemeClr val="accent1"/>
+            </a:solidFill>
+          </a:ln>
+        </p:spPr>
+        <p:style>
+          <a:lnRef idx="2">
+            <a:schemeClr val="accent1">
+              <a:shade val="50000"/>
+            </a:schemeClr>
+          </a:lnRef>
+          <a:fillRef idx="1">
+            <a:schemeClr val="accent1"/>
+          </a:fillRef>
+          <a:effectRef idx="0">
+            <a:schemeClr val="accent1"/>
+          </a:effectRef>
+          <a:fontRef idx="minor">
+            <a:schemeClr val="lt1"/>
+          </a:fontRef>
+        </p:style>
+        <p:txBody>
+          <a:bodyPr rtlCol="0" anchor="ctr"/>
+          <a:lstStyle/>
+          <a:p>
+            <a:pPr algn="ctr"/>
+            <a:endParaRPr lang="vi-VN">
+              <a:latin typeface="Times New Roman" panose="02020603050405020304" pitchFamily="18" charset="0"/>
+              <a:cs typeface="Times New Roman" panose="02020603050405020304" pitchFamily="18" charset="0"/>
+            </a:endParaRPr>
+          </a:p>
+        </p:txBody>
+      </p:sp>
+      <p:sp>
+        <p:nvSpPr>
+          <p:cNvPr id="78" name="Hình chữ nhật 7">
+            <a:extLst>
+              <a:ext uri="{FF2B5EF4-FFF2-40B4-BE49-F238E27FC236}">
+                <a16:creationId xmlns:a16="http://schemas.microsoft.com/office/drawing/2014/main" id="{3DA4F3F9-74B0-BEF0-D9C5-D83552DAEFF0}"/>
+              </a:ext>
+            </a:extLst>
+          </p:cNvPr>
+          <p:cNvSpPr/>
+          <p:nvPr/>
+        </p:nvSpPr>
+        <p:spPr>
+          <a:xfrm>
+            <a:off x="1236089" y="1932715"/>
+            <a:ext cx="80710" cy="75490"/>
+          </a:xfrm>
+          <a:prstGeom prst="rect">
+            <a:avLst/>
+          </a:prstGeom>
+          <a:noFill/>
+          <a:ln>
+            <a:solidFill>
+              <a:schemeClr val="accent1"/>
+            </a:solidFill>
+          </a:ln>
+        </p:spPr>
+        <p:style>
+          <a:lnRef idx="2">
+            <a:schemeClr val="accent1">
+              <a:shade val="50000"/>
+            </a:schemeClr>
+          </a:lnRef>
+          <a:fillRef idx="1">
+            <a:schemeClr val="accent1"/>
+          </a:fillRef>
+          <a:effectRef idx="0">
+            <a:schemeClr val="accent1"/>
+          </a:effectRef>
+          <a:fontRef idx="minor">
+            <a:schemeClr val="lt1"/>
+          </a:fontRef>
+        </p:style>
+        <p:txBody>
+          <a:bodyPr rtlCol="0" anchor="ctr"/>
+          <a:lstStyle/>
+          <a:p>
+            <a:pPr algn="ctr"/>
+            <a:endParaRPr lang="vi-VN">
+              <a:latin typeface="Times New Roman" panose="02020603050405020304" pitchFamily="18" charset="0"/>
+              <a:cs typeface="Times New Roman" panose="02020603050405020304" pitchFamily="18" charset="0"/>
+            </a:endParaRPr>
+          </a:p>
+        </p:txBody>
+      </p:sp>
+      <p:cxnSp>
+        <p:nvCxnSpPr>
+          <p:cNvPr id="80" name="Straight Connector 79">
+            <a:extLst>
+              <a:ext uri="{FF2B5EF4-FFF2-40B4-BE49-F238E27FC236}">
+                <a16:creationId xmlns:a16="http://schemas.microsoft.com/office/drawing/2014/main" id="{56A4438B-22AE-2D22-2FB9-CCC3FC408605}"/>
+              </a:ext>
+            </a:extLst>
+          </p:cNvPr>
+          <p:cNvCxnSpPr>
+            <a:stCxn id="5" idx="0"/>
+          </p:cNvCxnSpPr>
+          <p:nvPr/>
+        </p:nvCxnSpPr>
+        <p:spPr>
+          <a:xfrm flipH="1">
+            <a:off x="1231074" y="1324095"/>
+            <a:ext cx="4966" cy="526070"/>
+          </a:xfrm>
+          <a:prstGeom prst="line">
+            <a:avLst/>
+          </a:prstGeom>
+        </p:spPr>
+        <p:style>
+          <a:lnRef idx="1">
+            <a:schemeClr val="accent1"/>
+          </a:lnRef>
+          <a:fillRef idx="0">
+            <a:schemeClr val="accent1"/>
+          </a:fillRef>
+          <a:effectRef idx="0">
+            <a:schemeClr val="accent1"/>
+          </a:effectRef>
+          <a:fontRef idx="minor">
+            <a:schemeClr val="tx1"/>
+          </a:fontRef>
+        </p:style>
+      </p:cxnSp>
+    </p:spTree>
+    <p:extLst>
+      <p:ext uri="{BB962C8B-B14F-4D97-AF65-F5344CB8AC3E}">
+        <p14:creationId xmlns:p14="http://schemas.microsoft.com/office/powerpoint/2010/main" val="1585028394"/>
+      </p:ext>
+    </p:extLst>
+  </p:cSld>
+  <p:clrMapOvr>
+    <a:masterClrMapping/>
+  </p:clrMapOvr>
+</p:sld>
+</file>
+
+<file path=ppt/slides/slide4.xml><?xml version="1.0" encoding="utf-8"?>
+<p:sld xmlns:a="http://schemas.openxmlformats.org/drawingml/2006/main" xmlns:r="http://schemas.openxmlformats.org/officeDocument/2006/relationships" xmlns:p="http://schemas.openxmlformats.org/presentationml/2006/main">
+  <p:cSld>
+    <p:spTree>
+      <p:nvGrpSpPr>
+        <p:cNvPr id="1" name=""/>
+        <p:cNvGrpSpPr/>
+        <p:nvPr/>
+      </p:nvGrpSpPr>
+      <p:grpSpPr>
+        <a:xfrm>
+          <a:off x="0" y="0"/>
+          <a:ext cx="0" cy="0"/>
+          <a:chOff x="0" y="0"/>
+          <a:chExt cx="0" cy="0"/>
+        </a:xfrm>
+      </p:grpSpPr>
       <p:sp>
         <p:nvSpPr>
           <p:cNvPr id="4" name="Chỗ dành sẵn cho Số hiệu Bản chiếu 3">
@@ -6229,7 +9059,7 @@
               <a:rPr lang="vi-VN" smtClean="0">
                 <a:latin typeface="Times New Roman (Đầu đề)"/>
               </a:rPr>
-              <a:t>3</a:t>
+              <a:t>4</a:t>
             </a:fld>
             <a:endParaRPr lang="vi-VN">
               <a:latin typeface="Times New Roman (Đầu đề)"/>
@@ -6292,7 +9122,16 @@
                 </a:solidFill>
                 <a:latin typeface="Times New Roman (Đầu đề)"/>
               </a:rPr>
-              <a:t>Conv1</a:t>
+              <a:t>Conv</a:t>
+            </a:r>
+            <a:r>
+              <a:rPr lang="vi-VN" sz="1400" baseline="-25000">
+                <a:solidFill>
+                  <a:schemeClr val="tx1"/>
+                </a:solidFill>
+                <a:latin typeface="Times New Roman (Đầu đề)"/>
+              </a:rPr>
+              <a:t>1</a:t>
             </a:r>
           </a:p>
         </p:txBody>
@@ -6352,7 +9191,16 @@
                 </a:solidFill>
                 <a:latin typeface="Times New Roman (Đầu đề)"/>
               </a:rPr>
-              <a:t>MaxPool1</a:t>
+              <a:t>MaxPool</a:t>
+            </a:r>
+            <a:r>
+              <a:rPr lang="vi-VN" sz="1400" baseline="-25000">
+                <a:solidFill>
+                  <a:schemeClr val="tx1"/>
+                </a:solidFill>
+                <a:latin typeface="Times New Roman (Đầu đề)"/>
+              </a:rPr>
+              <a:t>1</a:t>
             </a:r>
           </a:p>
         </p:txBody>
@@ -6412,7 +9260,16 @@
                 </a:solidFill>
                 <a:latin typeface="Times New Roman (Đầu đề)"/>
               </a:rPr>
-              <a:t>Conv2</a:t>
+              <a:t>Conv</a:t>
+            </a:r>
+            <a:r>
+              <a:rPr lang="vi-VN" sz="1400" baseline="-25000">
+                <a:solidFill>
+                  <a:schemeClr val="tx1"/>
+                </a:solidFill>
+                <a:latin typeface="Times New Roman (Đầu đề)"/>
+              </a:rPr>
+              <a:t>2</a:t>
             </a:r>
           </a:p>
         </p:txBody>
@@ -6472,7 +9329,16 @@
                 </a:solidFill>
                 <a:latin typeface="Times New Roman (Đầu đề)"/>
               </a:rPr>
-              <a:t>MaxPool2</a:t>
+              <a:t>MaxPool</a:t>
+            </a:r>
+            <a:r>
+              <a:rPr lang="vi-VN" sz="1400" baseline="-25000">
+                <a:solidFill>
+                  <a:schemeClr val="tx1"/>
+                </a:solidFill>
+                <a:latin typeface="Times New Roman (Đầu đề)"/>
+              </a:rPr>
+              <a:t>2</a:t>
             </a:r>
           </a:p>
         </p:txBody>
@@ -6811,7 +9677,16 @@
                 </a:solidFill>
                 <a:latin typeface="Times New Roman (Đầu đề)"/>
               </a:rPr>
-              <a:t>FC1</a:t>
+              <a:t>FC</a:t>
+            </a:r>
+            <a:r>
+              <a:rPr lang="vi-VN" sz="1400" baseline="-25000">
+                <a:solidFill>
+                  <a:schemeClr val="tx1"/>
+                </a:solidFill>
+                <a:latin typeface="Times New Roman (Đầu đề)"/>
+              </a:rPr>
+              <a:t>1</a:t>
             </a:r>
           </a:p>
         </p:txBody>
@@ -6871,7 +9746,16 @@
                 </a:solidFill>
                 <a:latin typeface="Times New Roman (Đầu đề)"/>
               </a:rPr>
-              <a:t>FC2</a:t>
+              <a:t>FC</a:t>
+            </a:r>
+            <a:r>
+              <a:rPr lang="vi-VN" sz="1400" baseline="-25000">
+                <a:solidFill>
+                  <a:schemeClr val="tx1"/>
+                </a:solidFill>
+                <a:latin typeface="Times New Roman (Đầu đề)"/>
+              </a:rPr>
+              <a:t>2</a:t>
             </a:r>
           </a:p>
         </p:txBody>
@@ -7186,7 +10070,7 @@
         </p:nvSpPr>
         <p:spPr>
           <a:xfrm>
-            <a:off x="4220421" y="419947"/>
+            <a:off x="4343991" y="419947"/>
             <a:ext cx="1424295" cy="365126"/>
           </a:xfrm>
           <a:prstGeom prst="rect">
@@ -7244,7 +10128,7 @@
         </p:nvSpPr>
         <p:spPr>
           <a:xfrm>
-            <a:off x="4700450" y="5319"/>
+            <a:off x="4894043" y="5319"/>
             <a:ext cx="619645" cy="369332"/>
           </a:xfrm>
           <a:prstGeom prst="rect">
@@ -7381,19 +10265,18 @@
           </p:cNvPr>
           <p:cNvCxnSpPr>
             <a:cxnSpLocks/>
-            <a:stCxn id="40" idx="2"/>
             <a:endCxn id="23" idx="0"/>
           </p:cNvCxnSpPr>
           <p:nvPr/>
         </p:nvCxnSpPr>
         <p:spPr>
           <a:xfrm rot="5400000">
-            <a:off x="2536116" y="1571618"/>
-            <a:ext cx="3182998" cy="1609908"/>
+            <a:off x="2598203" y="1509532"/>
+            <a:ext cx="3182998" cy="1734081"/>
           </a:xfrm>
           <a:prstGeom prst="bentConnector3">
             <a:avLst>
-              <a:gd name="adj1" fmla="val 83543"/>
+              <a:gd name="adj1" fmla="val 88802"/>
             </a:avLst>
           </a:prstGeom>
           <a:ln>
@@ -7576,8 +10459,8 @@
           </a:p>
         </p:txBody>
       </p:sp>
-      <mc:AlternateContent xmlns:mc="http://schemas.openxmlformats.org/markup-compatibility/2006" xmlns:a14="http://schemas.microsoft.com/office/drawing/2010/main">
-        <mc:Choice Requires="a14">
+      <mc:AlternateContent xmlns:mc="http://schemas.openxmlformats.org/markup-compatibility/2006">
+        <mc:Choice xmlns:a14="http://schemas.microsoft.com/office/drawing/2010/main" Requires="a14">
           <p:sp>
             <p:nvSpPr>
               <p:cNvPr id="3" name="Hình chữ nhật 2">
@@ -7592,7 +10475,7 @@
             </p:nvSpPr>
             <p:spPr>
               <a:xfrm>
-                <a:off x="4187319" y="2001639"/>
+                <a:off x="4220370" y="2001639"/>
                 <a:ext cx="1359049" cy="365126"/>
               </a:xfrm>
               <a:prstGeom prst="rect">
@@ -7623,7 +10506,6 @@
               <a:bodyPr rtlCol="0" anchor="ctr"/>
               <a:lstStyle/>
               <a:p>
-                <a:pPr algn="ctr"/>
                 <a14:m>
                   <m:oMath xmlns:m="http://schemas.openxmlformats.org/officeDocument/2006/math">
                     <m:sSup>
@@ -7650,13 +10532,16 @@
                       </m:e>
                       <m:sup>
                         <m:r>
-                          <a:rPr lang="vi-VN" sz="1400" b="0" i="1" smtClean="0">
+                          <m:rPr>
+                            <m:sty m:val="p"/>
+                          </m:rPr>
+                          <a:rPr lang="vi-VN" sz="1400" b="0" i="0" smtClean="0">
                             <a:solidFill>
                               <a:schemeClr val="tx1"/>
                             </a:solidFill>
                             <a:latin typeface="Cambria Math" panose="02040503050406030204" pitchFamily="18" charset="0"/>
                           </a:rPr>
-                          <m:t>𝑠𝑡</m:t>
+                          <m:t>st</m:t>
                         </m:r>
                       </m:sup>
                     </m:sSup>
@@ -7675,7 +10560,7 @@
             </p:txBody>
           </p:sp>
         </mc:Choice>
-        <mc:Fallback xmlns="">
+        <mc:Fallback>
           <p:sp>
             <p:nvSpPr>
               <p:cNvPr id="3" name="Hình chữ nhật 2">
@@ -7692,7 +10577,7 @@
             </p:nvSpPr>
             <p:spPr>
               <a:xfrm>
-                <a:off x="4187319" y="2001639"/>
+                <a:off x="4220370" y="2001639"/>
                 <a:ext cx="1359049" cy="365126"/>
               </a:xfrm>
               <a:prstGeom prst="rect">
@@ -7713,7 +10598,7 @@
               <a:lstStyle/>
               <a:p>
                 <a:r>
-                  <a:rPr lang="vi-VN">
+                  <a:rPr lang="en-VN">
                     <a:noFill/>
                   </a:rPr>
                   <a:t> </a:t>
@@ -7723,8 +10608,8 @@
           </p:sp>
         </mc:Fallback>
       </mc:AlternateContent>
-      <mc:AlternateContent xmlns:mc="http://schemas.openxmlformats.org/markup-compatibility/2006" xmlns:a14="http://schemas.microsoft.com/office/drawing/2010/main">
-        <mc:Choice Requires="a14">
+      <mc:AlternateContent xmlns:mc="http://schemas.openxmlformats.org/markup-compatibility/2006">
+        <mc:Choice xmlns:a14="http://schemas.microsoft.com/office/drawing/2010/main" Requires="a14">
           <p:sp>
             <p:nvSpPr>
               <p:cNvPr id="9" name="Hình chữ nhật 8">
@@ -7739,7 +10624,7 @@
             </p:nvSpPr>
             <p:spPr>
               <a:xfrm>
-                <a:off x="4184650" y="4539047"/>
+                <a:off x="4217701" y="4539047"/>
                 <a:ext cx="1359049" cy="365126"/>
               </a:xfrm>
               <a:prstGeom prst="rect">
@@ -7770,7 +10655,6 @@
               <a:bodyPr rtlCol="0" anchor="ctr"/>
               <a:lstStyle/>
               <a:p>
-                <a:pPr algn="ctr"/>
                 <a14:m>
                   <m:oMath xmlns:m="http://schemas.openxmlformats.org/officeDocument/2006/math">
                     <m:sSup>
@@ -7797,13 +10681,16 @@
                       </m:e>
                       <m:sup>
                         <m:r>
-                          <a:rPr lang="vi-VN" sz="1400" b="0" i="1" smtClean="0">
+                          <m:rPr>
+                            <m:sty m:val="p"/>
+                          </m:rPr>
+                          <a:rPr lang="vi-VN" sz="1400" b="0" i="0" smtClean="0">
                             <a:solidFill>
                               <a:schemeClr val="tx1"/>
                             </a:solidFill>
                             <a:latin typeface="Cambria Math" panose="02040503050406030204" pitchFamily="18" charset="0"/>
                           </a:rPr>
-                          <m:t>𝑛𝑑</m:t>
+                          <m:t>nd</m:t>
                         </m:r>
                       </m:sup>
                     </m:sSup>
@@ -7822,7 +10709,7 @@
             </p:txBody>
           </p:sp>
         </mc:Choice>
-        <mc:Fallback xmlns="">
+        <mc:Fallback>
           <p:sp>
             <p:nvSpPr>
               <p:cNvPr id="9" name="Hình chữ nhật 8">
@@ -7839,7 +10726,7 @@
             </p:nvSpPr>
             <p:spPr>
               <a:xfrm>
-                <a:off x="4184650" y="4539047"/>
+                <a:off x="4217701" y="4539047"/>
                 <a:ext cx="1359049" cy="365126"/>
               </a:xfrm>
               <a:prstGeom prst="rect">
@@ -7848,7 +10735,7 @@
               <a:blipFill>
                 <a:blip r:embed="rId3"/>
                 <a:stretch>
-                  <a:fillRect b="-11864"/>
+                  <a:fillRect b="-10345"/>
                 </a:stretch>
               </a:blipFill>
               <a:ln>
@@ -7860,7 +10747,7 @@
               <a:lstStyle/>
               <a:p>
                 <a:r>
-                  <a:rPr lang="vi-VN">
+                  <a:rPr lang="en-VN">
                     <a:noFill/>
                   </a:rPr>
                   <a:t> </a:t>
@@ -7883,7 +10770,7 @@
 </p:sld>
 </file>
 
-<file path=ppt/slides/slide4.xml><?xml version="1.0" encoding="utf-8"?>
+<file path=ppt/slides/slide5.xml><?xml version="1.0" encoding="utf-8"?>
 <p:sld xmlns:a="http://schemas.openxmlformats.org/drawingml/2006/main" xmlns:r="http://schemas.openxmlformats.org/officeDocument/2006/relationships" xmlns:p="http://schemas.openxmlformats.org/presentationml/2006/main">
   <p:cSld>
     <p:spTree>

--- a/Bản trình bày1.pptx
+++ b/Bản trình bày1.pptx
@@ -9036,39 +9036,6 @@
       </p:grpSpPr>
       <p:sp>
         <p:nvSpPr>
-          <p:cNvPr id="4" name="Chỗ dành sẵn cho Số hiệu Bản chiếu 3">
-            <a:extLst>
-              <a:ext uri="{FF2B5EF4-FFF2-40B4-BE49-F238E27FC236}">
-                <a16:creationId xmlns:a16="http://schemas.microsoft.com/office/drawing/2014/main" id="{67F6AB50-C094-2E46-F39A-0F98E603D4C8}"/>
-              </a:ext>
-            </a:extLst>
-          </p:cNvPr>
-          <p:cNvSpPr>
-            <a:spLocks noGrp="1"/>
-          </p:cNvSpPr>
-          <p:nvPr>
-            <p:ph type="sldNum" sz="quarter" idx="12"/>
-          </p:nvPr>
-        </p:nvSpPr>
-        <p:spPr/>
-        <p:txBody>
-          <a:bodyPr/>
-          <a:lstStyle/>
-          <a:p>
-            <a:fld id="{8ABE2698-B386-4030-AF28-2C9E17A48886}" type="slidenum">
-              <a:rPr lang="vi-VN" smtClean="0">
-                <a:latin typeface="Times New Roman (Đầu đề)"/>
-              </a:rPr>
-              <a:t>4</a:t>
-            </a:fld>
-            <a:endParaRPr lang="vi-VN">
-              <a:latin typeface="Times New Roman (Đầu đề)"/>
-            </a:endParaRPr>
-          </a:p>
-        </p:txBody>
-      </p:sp>
-      <p:sp>
-        <p:nvSpPr>
           <p:cNvPr id="5" name="Hình chữ nhật 4">
             <a:extLst>
               <a:ext uri="{FF2B5EF4-FFF2-40B4-BE49-F238E27FC236}">
@@ -10459,8 +10426,8 @@
           </a:p>
         </p:txBody>
       </p:sp>
-      <mc:AlternateContent xmlns:mc="http://schemas.openxmlformats.org/markup-compatibility/2006">
-        <mc:Choice xmlns:a14="http://schemas.microsoft.com/office/drawing/2010/main" Requires="a14">
+      <mc:AlternateContent xmlns:mc="http://schemas.openxmlformats.org/markup-compatibility/2006" xmlns:a14="http://schemas.microsoft.com/office/drawing/2010/main">
+        <mc:Choice Requires="a14">
           <p:sp>
             <p:nvSpPr>
               <p:cNvPr id="3" name="Hình chữ nhật 2">
@@ -10560,7 +10527,7 @@
             </p:txBody>
           </p:sp>
         </mc:Choice>
-        <mc:Fallback>
+        <mc:Fallback xmlns="">
           <p:sp>
             <p:nvSpPr>
               <p:cNvPr id="3" name="Hình chữ nhật 2">
@@ -10608,8 +10575,8 @@
           </p:sp>
         </mc:Fallback>
       </mc:AlternateContent>
-      <mc:AlternateContent xmlns:mc="http://schemas.openxmlformats.org/markup-compatibility/2006">
-        <mc:Choice xmlns:a14="http://schemas.microsoft.com/office/drawing/2010/main" Requires="a14">
+      <mc:AlternateContent xmlns:mc="http://schemas.openxmlformats.org/markup-compatibility/2006" xmlns:a14="http://schemas.microsoft.com/office/drawing/2010/main">
+        <mc:Choice Requires="a14">
           <p:sp>
             <p:nvSpPr>
               <p:cNvPr id="9" name="Hình chữ nhật 8">
@@ -10709,7 +10676,7 @@
             </p:txBody>
           </p:sp>
         </mc:Choice>
-        <mc:Fallback>
+        <mc:Fallback xmlns="">
           <p:sp>
             <p:nvSpPr>
               <p:cNvPr id="9" name="Hình chữ nhật 8">

--- a/Bản trình bày1.pptx
+++ b/Bản trình bày1.pptx
@@ -263,7 +263,7 @@
           <a:p>
             <a:fld id="{6AE564EA-92B0-44EA-B2C2-C792C716ADE0}" type="datetimeFigureOut">
               <a:rPr lang="vi-VN" smtClean="0"/>
-              <a:t>31/01/2023</a:t>
+              <a:t>05/02/2023</a:t>
             </a:fld>
             <a:endParaRPr lang="vi-VN"/>
           </a:p>
@@ -461,7 +461,7 @@
           <a:p>
             <a:fld id="{6AE564EA-92B0-44EA-B2C2-C792C716ADE0}" type="datetimeFigureOut">
               <a:rPr lang="vi-VN" smtClean="0"/>
-              <a:t>31/01/2023</a:t>
+              <a:t>05/02/2023</a:t>
             </a:fld>
             <a:endParaRPr lang="vi-VN"/>
           </a:p>
@@ -669,7 +669,7 @@
           <a:p>
             <a:fld id="{6AE564EA-92B0-44EA-B2C2-C792C716ADE0}" type="datetimeFigureOut">
               <a:rPr lang="vi-VN" smtClean="0"/>
-              <a:t>31/01/2023</a:t>
+              <a:t>05/02/2023</a:t>
             </a:fld>
             <a:endParaRPr lang="vi-VN"/>
           </a:p>
@@ -867,7 +867,7 @@
           <a:p>
             <a:fld id="{6AE564EA-92B0-44EA-B2C2-C792C716ADE0}" type="datetimeFigureOut">
               <a:rPr lang="vi-VN" smtClean="0"/>
-              <a:t>31/01/2023</a:t>
+              <a:t>05/02/2023</a:t>
             </a:fld>
             <a:endParaRPr lang="vi-VN"/>
           </a:p>
@@ -1142,7 +1142,7 @@
           <a:p>
             <a:fld id="{6AE564EA-92B0-44EA-B2C2-C792C716ADE0}" type="datetimeFigureOut">
               <a:rPr lang="vi-VN" smtClean="0"/>
-              <a:t>31/01/2023</a:t>
+              <a:t>05/02/2023</a:t>
             </a:fld>
             <a:endParaRPr lang="vi-VN"/>
           </a:p>
@@ -1407,7 +1407,7 @@
           <a:p>
             <a:fld id="{6AE564EA-92B0-44EA-B2C2-C792C716ADE0}" type="datetimeFigureOut">
               <a:rPr lang="vi-VN" smtClean="0"/>
-              <a:t>31/01/2023</a:t>
+              <a:t>05/02/2023</a:t>
             </a:fld>
             <a:endParaRPr lang="vi-VN"/>
           </a:p>
@@ -1819,7 +1819,7 @@
           <a:p>
             <a:fld id="{6AE564EA-92B0-44EA-B2C2-C792C716ADE0}" type="datetimeFigureOut">
               <a:rPr lang="vi-VN" smtClean="0"/>
-              <a:t>31/01/2023</a:t>
+              <a:t>05/02/2023</a:t>
             </a:fld>
             <a:endParaRPr lang="vi-VN"/>
           </a:p>
@@ -1960,7 +1960,7 @@
           <a:p>
             <a:fld id="{6AE564EA-92B0-44EA-B2C2-C792C716ADE0}" type="datetimeFigureOut">
               <a:rPr lang="vi-VN" smtClean="0"/>
-              <a:t>31/01/2023</a:t>
+              <a:t>05/02/2023</a:t>
             </a:fld>
             <a:endParaRPr lang="vi-VN"/>
           </a:p>
@@ -2073,7 +2073,7 @@
           <a:p>
             <a:fld id="{6AE564EA-92B0-44EA-B2C2-C792C716ADE0}" type="datetimeFigureOut">
               <a:rPr lang="vi-VN" smtClean="0"/>
-              <a:t>31/01/2023</a:t>
+              <a:t>05/02/2023</a:t>
             </a:fld>
             <a:endParaRPr lang="vi-VN"/>
           </a:p>
@@ -2384,7 +2384,7 @@
           <a:p>
             <a:fld id="{6AE564EA-92B0-44EA-B2C2-C792C716ADE0}" type="datetimeFigureOut">
               <a:rPr lang="vi-VN" smtClean="0"/>
-              <a:t>31/01/2023</a:t>
+              <a:t>05/02/2023</a:t>
             </a:fld>
             <a:endParaRPr lang="vi-VN"/>
           </a:p>
@@ -2672,7 +2672,7 @@
           <a:p>
             <a:fld id="{6AE564EA-92B0-44EA-B2C2-C792C716ADE0}" type="datetimeFigureOut">
               <a:rPr lang="vi-VN" smtClean="0"/>
-              <a:t>31/01/2023</a:t>
+              <a:t>05/02/2023</a:t>
             </a:fld>
             <a:endParaRPr lang="vi-VN"/>
           </a:p>
@@ -2913,7 +2913,7 @@
           <a:p>
             <a:fld id="{6AE564EA-92B0-44EA-B2C2-C792C716ADE0}" type="datetimeFigureOut">
               <a:rPr lang="vi-VN" smtClean="0"/>
-              <a:t>31/01/2023</a:t>
+              <a:t>05/02/2023</a:t>
             </a:fld>
             <a:endParaRPr lang="vi-VN"/>
           </a:p>
@@ -6254,7 +6254,7 @@
         </p:nvSpPr>
         <p:spPr>
           <a:xfrm>
-            <a:off x="4702952" y="1655445"/>
+            <a:off x="4702952" y="1490193"/>
             <a:ext cx="1123949" cy="1123949"/>
           </a:xfrm>
           <a:prstGeom prst="rect">
@@ -6314,7 +6314,7 @@
         </p:nvSpPr>
         <p:spPr>
           <a:xfrm>
-            <a:off x="7890035" y="1123280"/>
+            <a:off x="7890035" y="1319926"/>
             <a:ext cx="1303530" cy="1303530"/>
           </a:xfrm>
           <a:prstGeom prst="rect">
@@ -6371,8 +6371,8 @@
         </p:nvSpPr>
         <p:spPr>
           <a:xfrm>
-            <a:off x="7890035" y="1123280"/>
-            <a:ext cx="360836" cy="360836"/>
+            <a:off x="7890035" y="1319926"/>
+            <a:ext cx="190857" cy="190857"/>
           </a:xfrm>
           <a:prstGeom prst="rect">
             <a:avLst/>
@@ -6428,7 +6428,7 @@
         </p:nvSpPr>
         <p:spPr>
           <a:xfrm>
-            <a:off x="8003385" y="1549797"/>
+            <a:off x="8003385" y="1687453"/>
             <a:ext cx="1303530" cy="1303530"/>
           </a:xfrm>
           <a:prstGeom prst="rect">
@@ -6485,8 +6485,8 @@
         </p:nvSpPr>
         <p:spPr>
           <a:xfrm>
-            <a:off x="8003385" y="1549797"/>
-            <a:ext cx="360836" cy="360836"/>
+            <a:off x="8003385" y="1687453"/>
+            <a:ext cx="190857" cy="190857"/>
           </a:xfrm>
           <a:prstGeom prst="rect">
             <a:avLst/>
@@ -6542,7 +6542,7 @@
         </p:nvSpPr>
         <p:spPr>
           <a:xfrm>
-            <a:off x="3412474" y="1836420"/>
+            <a:off x="3412474" y="1632545"/>
             <a:ext cx="381000" cy="381000"/>
           </a:xfrm>
           <a:prstGeom prst="rect">
@@ -6599,7 +6599,7 @@
         </p:nvSpPr>
         <p:spPr>
           <a:xfrm>
-            <a:off x="3412474" y="2217420"/>
+            <a:off x="3412474" y="2013545"/>
             <a:ext cx="381000" cy="381000"/>
           </a:xfrm>
           <a:prstGeom prst="rect">
@@ -6656,7 +6656,7 @@
         </p:nvSpPr>
         <p:spPr>
           <a:xfrm>
-            <a:off x="3412474" y="2596038"/>
+            <a:off x="3412474" y="2392163"/>
             <a:ext cx="381000" cy="381000"/>
           </a:xfrm>
           <a:prstGeom prst="rect">
@@ -6713,7 +6713,7 @@
         </p:nvSpPr>
         <p:spPr>
           <a:xfrm>
-            <a:off x="3412474" y="2977038"/>
+            <a:off x="3412474" y="2773163"/>
             <a:ext cx="381000" cy="381000"/>
           </a:xfrm>
           <a:prstGeom prst="rect">
@@ -6770,7 +6770,7 @@
         </p:nvSpPr>
         <p:spPr>
           <a:xfrm>
-            <a:off x="870490" y="805162"/>
+            <a:off x="700531" y="779941"/>
             <a:ext cx="1061086" cy="246221"/>
           </a:xfrm>
           <a:prstGeom prst="rect">
@@ -6813,7 +6813,7 @@
         </p:nvSpPr>
         <p:spPr>
           <a:xfrm>
-            <a:off x="2779259" y="2234599"/>
+            <a:off x="2823327" y="2030726"/>
             <a:ext cx="576391" cy="246221"/>
           </a:xfrm>
           <a:prstGeom prst="rect">
@@ -6855,7 +6855,7 @@
         </p:nvSpPr>
         <p:spPr>
           <a:xfrm>
-            <a:off x="4832332" y="2034063"/>
+            <a:off x="4832332" y="1835760"/>
             <a:ext cx="1123949" cy="1123949"/>
           </a:xfrm>
           <a:prstGeom prst="rect">
@@ -6917,7 +6917,7 @@
         </p:nvCxnSpPr>
         <p:spPr>
           <a:xfrm flipV="1">
-            <a:off x="3793474" y="2520313"/>
+            <a:off x="3793474" y="2316438"/>
             <a:ext cx="1024571" cy="2285"/>
           </a:xfrm>
           <a:prstGeom prst="straightConnector1">
@@ -6956,7 +6956,7 @@
         </p:nvSpPr>
         <p:spPr>
           <a:xfrm>
-            <a:off x="3810987" y="2099935"/>
+            <a:off x="3810987" y="1896060"/>
             <a:ext cx="825026" cy="400110"/>
           </a:xfrm>
           <a:prstGeom prst="rect">
@@ -7007,7 +7007,7 @@
         </p:nvSpPr>
         <p:spPr>
           <a:xfrm>
-            <a:off x="6875444" y="1836420"/>
+            <a:off x="6963932" y="1622718"/>
             <a:ext cx="381000" cy="381000"/>
           </a:xfrm>
           <a:prstGeom prst="rect">
@@ -7062,7 +7062,7 @@
         </p:nvSpPr>
         <p:spPr>
           <a:xfrm>
-            <a:off x="6875444" y="2217420"/>
+            <a:off x="6963932" y="2003718"/>
             <a:ext cx="381000" cy="381000"/>
           </a:xfrm>
           <a:prstGeom prst="rect">
@@ -7117,7 +7117,7 @@
         </p:nvSpPr>
         <p:spPr>
           <a:xfrm>
-            <a:off x="6875444" y="2596038"/>
+            <a:off x="6963932" y="2382336"/>
             <a:ext cx="381000" cy="381000"/>
           </a:xfrm>
           <a:prstGeom prst="rect">
@@ -7172,7 +7172,7 @@
         </p:nvSpPr>
         <p:spPr>
           <a:xfrm>
-            <a:off x="6875444" y="2977038"/>
+            <a:off x="6963932" y="2763336"/>
             <a:ext cx="381000" cy="381000"/>
           </a:xfrm>
           <a:prstGeom prst="rect">
@@ -7229,8 +7229,8 @@
         </p:nvCxnSpPr>
         <p:spPr>
           <a:xfrm>
-            <a:off x="5970568" y="2550765"/>
-            <a:ext cx="876300" cy="1"/>
+            <a:off x="5970568" y="2307561"/>
+            <a:ext cx="992409" cy="0"/>
           </a:xfrm>
           <a:prstGeom prst="straightConnector1">
             <a:avLst/>
@@ -7268,8 +7268,8 @@
         </p:nvSpPr>
         <p:spPr>
           <a:xfrm>
-            <a:off x="6116803" y="2233090"/>
-            <a:ext cx="971548" cy="246221"/>
+            <a:off x="6383933" y="2048880"/>
+            <a:ext cx="669187" cy="247725"/>
           </a:xfrm>
           <a:prstGeom prst="rect">
             <a:avLst/>
@@ -7310,7 +7310,7 @@
         </p:nvSpPr>
         <p:spPr>
           <a:xfrm>
-            <a:off x="6943310" y="2037099"/>
+            <a:off x="7031798" y="1823397"/>
             <a:ext cx="245267" cy="194226"/>
           </a:xfrm>
           <a:prstGeom prst="arc">
@@ -7360,7 +7360,7 @@
         </p:nvCxnSpPr>
         <p:spPr>
           <a:xfrm flipV="1">
-            <a:off x="7065943" y="1950244"/>
+            <a:off x="7154431" y="1736542"/>
             <a:ext cx="122634" cy="183968"/>
           </a:xfrm>
           <a:prstGeom prst="straightConnector1">
@@ -7399,7 +7399,7 @@
         </p:nvSpPr>
         <p:spPr>
           <a:xfrm>
-            <a:off x="6942833" y="2422725"/>
+            <a:off x="7031321" y="2209023"/>
             <a:ext cx="245267" cy="194226"/>
           </a:xfrm>
           <a:prstGeom prst="arc">
@@ -7449,7 +7449,7 @@
         </p:nvCxnSpPr>
         <p:spPr>
           <a:xfrm flipV="1">
-            <a:off x="7065466" y="2335870"/>
+            <a:off x="7153954" y="2122168"/>
             <a:ext cx="122634" cy="183968"/>
           </a:xfrm>
           <a:prstGeom prst="straightConnector1">
@@ -7488,7 +7488,7 @@
         </p:nvSpPr>
         <p:spPr>
           <a:xfrm>
-            <a:off x="6942833" y="2800568"/>
+            <a:off x="7031321" y="2586866"/>
             <a:ext cx="245267" cy="194226"/>
           </a:xfrm>
           <a:prstGeom prst="arc">
@@ -7538,7 +7538,7 @@
         </p:nvCxnSpPr>
         <p:spPr>
           <a:xfrm flipV="1">
-            <a:off x="7065466" y="2713713"/>
+            <a:off x="7153954" y="2500011"/>
             <a:ext cx="122634" cy="183968"/>
           </a:xfrm>
           <a:prstGeom prst="straightConnector1">
@@ -7577,7 +7577,7 @@
         </p:nvSpPr>
         <p:spPr>
           <a:xfrm>
-            <a:off x="6942833" y="3165512"/>
+            <a:off x="7031321" y="2951810"/>
             <a:ext cx="245267" cy="194226"/>
           </a:xfrm>
           <a:prstGeom prst="arc">
@@ -7627,7 +7627,7 @@
         </p:nvCxnSpPr>
         <p:spPr>
           <a:xfrm flipV="1">
-            <a:off x="7065466" y="3078657"/>
+            <a:off x="7153954" y="2864955"/>
             <a:ext cx="122634" cy="183968"/>
           </a:xfrm>
           <a:prstGeom prst="straightConnector1">
@@ -7666,7 +7666,7 @@
         </p:nvSpPr>
         <p:spPr>
           <a:xfrm>
-            <a:off x="8124906" y="1976314"/>
+            <a:off x="8124906" y="2064805"/>
             <a:ext cx="1303530" cy="1303530"/>
           </a:xfrm>
           <a:prstGeom prst="rect">
@@ -7723,8 +7723,8 @@
         </p:nvSpPr>
         <p:spPr>
           <a:xfrm>
-            <a:off x="8124906" y="1976314"/>
-            <a:ext cx="360836" cy="360836"/>
+            <a:off x="8124906" y="2064805"/>
+            <a:ext cx="190857" cy="190857"/>
           </a:xfrm>
           <a:prstGeom prst="rect">
             <a:avLst/>
@@ -7838,7 +7838,7 @@
         <p:spPr>
           <a:xfrm>
             <a:off x="8238256" y="2426809"/>
-            <a:ext cx="360836" cy="360836"/>
+            <a:ext cx="187333" cy="187333"/>
           </a:xfrm>
           <a:prstGeom prst="rect">
             <a:avLst/>
@@ -7890,6 +7890,7 @@
             </a:extLst>
           </p:cNvPr>
           <p:cNvCxnSpPr>
+            <a:cxnSpLocks/>
             <a:stCxn id="26" idx="3"/>
             <a:endCxn id="48" idx="1"/>
           </p:cNvCxnSpPr>
@@ -7897,8 +7898,8 @@
         </p:nvCxnSpPr>
         <p:spPr>
           <a:xfrm flipV="1">
-            <a:off x="7256444" y="1303698"/>
-            <a:ext cx="633591" cy="723222"/>
+            <a:off x="7344932" y="1415355"/>
+            <a:ext cx="545103" cy="397863"/>
           </a:xfrm>
           <a:prstGeom prst="bentConnector3">
             <a:avLst/>
@@ -7940,8 +7941,8 @@
         </p:nvCxnSpPr>
         <p:spPr>
           <a:xfrm flipV="1">
-            <a:off x="7256444" y="1730215"/>
-            <a:ext cx="746941" cy="677705"/>
+            <a:off x="7344932" y="1782882"/>
+            <a:ext cx="658453" cy="411336"/>
           </a:xfrm>
           <a:prstGeom prst="bentConnector3">
             <a:avLst/>
@@ -7983,8 +7984,8 @@
         </p:nvCxnSpPr>
         <p:spPr>
           <a:xfrm flipV="1">
-            <a:off x="7256444" y="2156732"/>
-            <a:ext cx="868462" cy="629806"/>
+            <a:off x="7344932" y="2160234"/>
+            <a:ext cx="779974" cy="412602"/>
           </a:xfrm>
           <a:prstGeom prst="bentConnector3">
             <a:avLst/>
@@ -8026,8 +8027,8 @@
         </p:nvCxnSpPr>
         <p:spPr>
           <a:xfrm flipV="1">
-            <a:off x="7256444" y="2607227"/>
-            <a:ext cx="981812" cy="560311"/>
+            <a:off x="7344932" y="2520476"/>
+            <a:ext cx="893324" cy="433360"/>
           </a:xfrm>
           <a:prstGeom prst="bentConnector3">
             <a:avLst/>
@@ -8065,7 +8066,7 @@
         </p:nvSpPr>
         <p:spPr>
           <a:xfrm>
-            <a:off x="4970127" y="2431183"/>
+            <a:off x="4970127" y="2188812"/>
             <a:ext cx="1123949" cy="1123949"/>
           </a:xfrm>
           <a:prstGeom prst="rect">
@@ -8111,8 +8112,8 @@
           </a:p>
         </p:txBody>
       </p:sp>
-      <mc:AlternateContent xmlns:mc="http://schemas.openxmlformats.org/markup-compatibility/2006" xmlns:a14="http://schemas.microsoft.com/office/drawing/2010/main">
-        <mc:Choice Requires="a14">
+      <mc:AlternateContent xmlns:mc="http://schemas.openxmlformats.org/markup-compatibility/2006">
+        <mc:Choice xmlns:a14="http://schemas.microsoft.com/office/drawing/2010/main" Requires="a14">
           <p:sp>
             <p:nvSpPr>
               <p:cNvPr id="63" name="Hộp Văn bản 62">
@@ -8127,7 +8128,7 @@
             </p:nvSpPr>
             <p:spPr>
               <a:xfrm>
-                <a:off x="4948655" y="2431830"/>
+                <a:off x="4948655" y="2189459"/>
                 <a:ext cx="694532" cy="338554"/>
               </a:xfrm>
               <a:prstGeom prst="rect">
@@ -8202,7 +8203,7 @@
             </p:txBody>
           </p:sp>
         </mc:Choice>
-        <mc:Fallback xmlns="">
+        <mc:Fallback>
           <p:sp>
             <p:nvSpPr>
               <p:cNvPr id="63" name="Hộp Văn bản 62">
@@ -8219,7 +8220,7 @@
             </p:nvSpPr>
             <p:spPr>
               <a:xfrm>
-                <a:off x="4948655" y="2431830"/>
+                <a:off x="4948655" y="2189459"/>
                 <a:ext cx="694532" cy="338554"/>
               </a:xfrm>
               <a:prstGeom prst="rect">
@@ -8228,7 +8229,7 @@
               <a:blipFill>
                 <a:blip r:embed="rId3"/>
                 <a:stretch>
-                  <a:fillRect b="-14815"/>
+                  <a:fillRect b="-10714"/>
                 </a:stretch>
               </a:blipFill>
             </p:spPr>
@@ -8247,8 +8248,8 @@
           </p:sp>
         </mc:Fallback>
       </mc:AlternateContent>
-      <mc:AlternateContent xmlns:mc="http://schemas.openxmlformats.org/markup-compatibility/2006" xmlns:a14="http://schemas.microsoft.com/office/drawing/2010/main">
-        <mc:Choice Requires="a14">
+      <mc:AlternateContent xmlns:mc="http://schemas.openxmlformats.org/markup-compatibility/2006">
+        <mc:Choice xmlns:a14="http://schemas.microsoft.com/office/drawing/2010/main" Requires="a14">
           <p:sp>
             <p:nvSpPr>
               <p:cNvPr id="64" name="Hộp Văn bản 63">
@@ -8263,7 +8264,7 @@
             </p:nvSpPr>
             <p:spPr>
               <a:xfrm>
-                <a:off x="4839079" y="2026920"/>
+                <a:off x="4839079" y="1828617"/>
                 <a:ext cx="694532" cy="338554"/>
               </a:xfrm>
               <a:prstGeom prst="rect">
@@ -8338,7 +8339,7 @@
             </p:txBody>
           </p:sp>
         </mc:Choice>
-        <mc:Fallback xmlns="">
+        <mc:Fallback>
           <p:sp>
             <p:nvSpPr>
               <p:cNvPr id="64" name="Hộp Văn bản 63">
@@ -8355,7 +8356,7 @@
             </p:nvSpPr>
             <p:spPr>
               <a:xfrm>
-                <a:off x="4839079" y="2026920"/>
+                <a:off x="4839079" y="1828617"/>
                 <a:ext cx="694532" cy="338554"/>
               </a:xfrm>
               <a:prstGeom prst="rect">
@@ -8364,7 +8365,7 @@
               <a:blipFill>
                 <a:blip r:embed="rId4"/>
                 <a:stretch>
-                  <a:fillRect r="-1818" b="-14286"/>
+                  <a:fillRect r="-1818" b="-14815"/>
                 </a:stretch>
               </a:blipFill>
             </p:spPr>
@@ -8383,8 +8384,8 @@
           </p:sp>
         </mc:Fallback>
       </mc:AlternateContent>
-      <mc:AlternateContent xmlns:mc="http://schemas.openxmlformats.org/markup-compatibility/2006" xmlns:a14="http://schemas.microsoft.com/office/drawing/2010/main">
-        <mc:Choice Requires="a14">
+      <mc:AlternateContent xmlns:mc="http://schemas.openxmlformats.org/markup-compatibility/2006">
+        <mc:Choice xmlns:a14="http://schemas.microsoft.com/office/drawing/2010/main" Requires="a14">
           <p:sp>
             <p:nvSpPr>
               <p:cNvPr id="65" name="Hộp Văn bản 64">
@@ -8399,7 +8400,7 @@
             </p:nvSpPr>
             <p:spPr>
               <a:xfrm>
-                <a:off x="4678665" y="1652996"/>
+                <a:off x="4678665" y="1487744"/>
                 <a:ext cx="694532" cy="338554"/>
               </a:xfrm>
               <a:prstGeom prst="rect">
@@ -8474,7 +8475,7 @@
             </p:txBody>
           </p:sp>
         </mc:Choice>
-        <mc:Fallback xmlns="">
+        <mc:Fallback>
           <p:sp>
             <p:nvSpPr>
               <p:cNvPr id="65" name="Hộp Văn bản 64">
@@ -8491,7 +8492,7 @@
             </p:nvSpPr>
             <p:spPr>
               <a:xfrm>
-                <a:off x="4678665" y="1652996"/>
+                <a:off x="4678665" y="1487744"/>
                 <a:ext cx="694532" cy="338554"/>
               </a:xfrm>
               <a:prstGeom prst="rect">
@@ -8534,7 +8535,7 @@
         <p:spPr>
           <a:xfrm>
             <a:off x="2709845" y="1324096"/>
-            <a:ext cx="4709736" cy="2397004"/>
+            <a:ext cx="4819354" cy="2397004"/>
           </a:xfrm>
           <a:prstGeom prst="rect">
             <a:avLst/>
@@ -8631,7 +8632,7 @@
         </p:nvSpPr>
         <p:spPr>
           <a:xfrm>
-            <a:off x="4593726" y="3736340"/>
+            <a:off x="4593726" y="3824478"/>
             <a:ext cx="1523077" cy="246221"/>
           </a:xfrm>
           <a:prstGeom prst="rect">
@@ -8773,13 +8774,13 @@
         </p:nvCxnSpPr>
         <p:spPr>
           <a:xfrm rot="16200000" flipH="1">
-            <a:off x="1722696" y="837438"/>
-            <a:ext cx="1203121" cy="2176434"/>
+            <a:off x="1822804" y="737330"/>
+            <a:ext cx="982043" cy="2155573"/>
           </a:xfrm>
           <a:prstGeom prst="bentConnector4">
             <a:avLst>
-              <a:gd name="adj1" fmla="val -19001"/>
-              <a:gd name="adj2" fmla="val 60835"/>
+              <a:gd name="adj1" fmla="val -23278"/>
+              <a:gd name="adj2" fmla="val 61424"/>
             </a:avLst>
           </a:prstGeom>
           <a:ln>
@@ -9004,6 +9005,480 @@
           </a:fontRef>
         </p:style>
       </p:cxnSp>
+      <p:sp>
+        <p:nvSpPr>
+          <p:cNvPr id="4" name="Hình chữ nhật 65">
+            <a:extLst>
+              <a:ext uri="{FF2B5EF4-FFF2-40B4-BE49-F238E27FC236}">
+                <a16:creationId xmlns:a16="http://schemas.microsoft.com/office/drawing/2014/main" id="{6158C7E4-A2FE-04B2-3E21-CF7E9D9CBB37}"/>
+              </a:ext>
+            </a:extLst>
+          </p:cNvPr>
+          <p:cNvSpPr/>
+          <p:nvPr/>
+        </p:nvSpPr>
+        <p:spPr>
+          <a:xfrm>
+            <a:off x="2796142" y="1406997"/>
+            <a:ext cx="1714429" cy="1965852"/>
+          </a:xfrm>
+          <a:prstGeom prst="rect">
+            <a:avLst/>
+          </a:prstGeom>
+          <a:noFill/>
+          <a:ln>
+            <a:solidFill>
+              <a:schemeClr val="tx1"/>
+            </a:solidFill>
+            <a:prstDash val="dash"/>
+          </a:ln>
+        </p:spPr>
+        <p:style>
+          <a:lnRef idx="2">
+            <a:schemeClr val="accent1">
+              <a:shade val="50000"/>
+            </a:schemeClr>
+          </a:lnRef>
+          <a:fillRef idx="1">
+            <a:schemeClr val="accent1"/>
+          </a:fillRef>
+          <a:effectRef idx="0">
+            <a:schemeClr val="accent1"/>
+          </a:effectRef>
+          <a:fontRef idx="minor">
+            <a:schemeClr val="lt1"/>
+          </a:fontRef>
+        </p:style>
+        <p:txBody>
+          <a:bodyPr rtlCol="0" anchor="ctr"/>
+          <a:lstStyle/>
+          <a:p>
+            <a:pPr algn="ctr"/>
+            <a:endParaRPr lang="vi-VN">
+              <a:latin typeface="Times New Roman" panose="02020603050405020304" pitchFamily="18" charset="0"/>
+              <a:cs typeface="Times New Roman" panose="02020603050405020304" pitchFamily="18" charset="0"/>
+            </a:endParaRPr>
+          </a:p>
+        </p:txBody>
+      </p:sp>
+      <mc:AlternateContent xmlns:mc="http://schemas.openxmlformats.org/markup-compatibility/2006">
+        <mc:Choice xmlns:a14="http://schemas.microsoft.com/office/drawing/2010/main" Requires="a14">
+          <p:sp>
+            <p:nvSpPr>
+              <p:cNvPr id="6" name="Hộp Văn bản 30">
+                <a:extLst>
+                  <a:ext uri="{FF2B5EF4-FFF2-40B4-BE49-F238E27FC236}">
+                    <a16:creationId xmlns:a16="http://schemas.microsoft.com/office/drawing/2014/main" id="{1B0713EE-261F-2D56-0EC5-34B4EFB71284}"/>
+                  </a:ext>
+                </a:extLst>
+              </p:cNvPr>
+              <p:cNvSpPr txBox="1"/>
+              <p:nvPr/>
+            </p:nvSpPr>
+            <p:spPr>
+              <a:xfrm>
+                <a:off x="3294044" y="3405900"/>
+                <a:ext cx="971548" cy="246221"/>
+              </a:xfrm>
+              <a:prstGeom prst="rect">
+                <a:avLst/>
+              </a:prstGeom>
+              <a:noFill/>
+            </p:spPr>
+            <p:txBody>
+              <a:bodyPr wrap="square" rtlCol="0">
+                <a:spAutoFit/>
+              </a:bodyPr>
+              <a:lstStyle/>
+              <a:p>
+                <a:r>
+                  <a:rPr lang="en-US" sz="1000">
+                    <a:latin typeface="Times New Roman" panose="02020603050405020304" pitchFamily="18" charset="0"/>
+                    <a:cs typeface="Times New Roman" panose="02020603050405020304" pitchFamily="18" charset="0"/>
+                  </a:rPr>
+                  <a:t>Encoder </a:t>
+                </a:r>
+                <a14:m>
+                  <m:oMath xmlns:m="http://schemas.openxmlformats.org/officeDocument/2006/math">
+                    <m:r>
+                      <a:rPr lang="en-US" sz="1000" i="1">
+                        <a:latin typeface="Cambria Math" panose="02040503050406030204" pitchFamily="18" charset="0"/>
+                        <a:ea typeface="Cambria Math" panose="02040503050406030204" pitchFamily="18" charset="0"/>
+                        <a:cs typeface="Times New Roman" panose="02020603050405020304" pitchFamily="18" charset="0"/>
+                      </a:rPr>
+                      <m:t>ℰ</m:t>
+                    </m:r>
+                  </m:oMath>
+                </a14:m>
+                <a:endParaRPr lang="vi-VN" sz="1000">
+                  <a:latin typeface="Times New Roman" panose="02020603050405020304" pitchFamily="18" charset="0"/>
+                  <a:cs typeface="Times New Roman" panose="02020603050405020304" pitchFamily="18" charset="0"/>
+                </a:endParaRPr>
+              </a:p>
+            </p:txBody>
+          </p:sp>
+        </mc:Choice>
+        <mc:Fallback>
+          <p:sp>
+            <p:nvSpPr>
+              <p:cNvPr id="6" name="Hộp Văn bản 30">
+                <a:extLst>
+                  <a:ext uri="{FF2B5EF4-FFF2-40B4-BE49-F238E27FC236}">
+                    <a16:creationId xmlns:a16="http://schemas.microsoft.com/office/drawing/2014/main" id="{1B0713EE-261F-2D56-0EC5-34B4EFB71284}"/>
+                  </a:ext>
+                </a:extLst>
+              </p:cNvPr>
+              <p:cNvSpPr txBox="1">
+                <a:spLocks noRot="1" noChangeAspect="1" noMove="1" noResize="1" noEditPoints="1" noAdjustHandles="1" noChangeArrowheads="1" noChangeShapeType="1" noTextEdit="1"/>
+              </p:cNvSpPr>
+              <p:nvPr/>
+            </p:nvSpPr>
+            <p:spPr>
+              <a:xfrm>
+                <a:off x="3294044" y="3405900"/>
+                <a:ext cx="971548" cy="246221"/>
+              </a:xfrm>
+              <a:prstGeom prst="rect">
+                <a:avLst/>
+              </a:prstGeom>
+              <a:blipFill>
+                <a:blip r:embed="rId6"/>
+                <a:stretch>
+                  <a:fillRect b="-10000"/>
+                </a:stretch>
+              </a:blipFill>
+            </p:spPr>
+            <p:txBody>
+              <a:bodyPr/>
+              <a:lstStyle/>
+              <a:p>
+                <a:r>
+                  <a:rPr lang="en-VN">
+                    <a:noFill/>
+                  </a:rPr>
+                  <a:t> </a:t>
+                </a:r>
+              </a:p>
+            </p:txBody>
+          </p:sp>
+        </mc:Fallback>
+      </mc:AlternateContent>
+      <p:sp>
+        <p:nvSpPr>
+          <p:cNvPr id="7" name="Hình chữ nhật 65">
+            <a:extLst>
+              <a:ext uri="{FF2B5EF4-FFF2-40B4-BE49-F238E27FC236}">
+                <a16:creationId xmlns:a16="http://schemas.microsoft.com/office/drawing/2014/main" id="{83F9CC3D-C434-4313-7393-46291036DADE}"/>
+              </a:ext>
+            </a:extLst>
+          </p:cNvPr>
+          <p:cNvSpPr/>
+          <p:nvPr/>
+        </p:nvSpPr>
+        <p:spPr>
+          <a:xfrm>
+            <a:off x="4589082" y="1414808"/>
+            <a:ext cx="1714429" cy="1965852"/>
+          </a:xfrm>
+          <a:prstGeom prst="rect">
+            <a:avLst/>
+          </a:prstGeom>
+          <a:noFill/>
+          <a:ln>
+            <a:solidFill>
+              <a:schemeClr val="tx1"/>
+            </a:solidFill>
+            <a:prstDash val="dash"/>
+          </a:ln>
+        </p:spPr>
+        <p:style>
+          <a:lnRef idx="2">
+            <a:schemeClr val="accent1">
+              <a:shade val="50000"/>
+            </a:schemeClr>
+          </a:lnRef>
+          <a:fillRef idx="1">
+            <a:schemeClr val="accent1"/>
+          </a:fillRef>
+          <a:effectRef idx="0">
+            <a:schemeClr val="accent1"/>
+          </a:effectRef>
+          <a:fontRef idx="minor">
+            <a:schemeClr val="lt1"/>
+          </a:fontRef>
+        </p:style>
+        <p:txBody>
+          <a:bodyPr rtlCol="0" anchor="ctr"/>
+          <a:lstStyle/>
+          <a:p>
+            <a:pPr algn="ctr"/>
+            <a:endParaRPr lang="vi-VN">
+              <a:latin typeface="Times New Roman" panose="02020603050405020304" pitchFamily="18" charset="0"/>
+              <a:cs typeface="Times New Roman" panose="02020603050405020304" pitchFamily="18" charset="0"/>
+            </a:endParaRPr>
+          </a:p>
+        </p:txBody>
+      </p:sp>
+      <p:sp>
+        <p:nvSpPr>
+          <p:cNvPr id="9" name="Hình chữ nhật 65">
+            <a:extLst>
+              <a:ext uri="{FF2B5EF4-FFF2-40B4-BE49-F238E27FC236}">
+                <a16:creationId xmlns:a16="http://schemas.microsoft.com/office/drawing/2014/main" id="{D87E0E83-18F0-ED18-1ACB-7E8A93366000}"/>
+              </a:ext>
+            </a:extLst>
+          </p:cNvPr>
+          <p:cNvSpPr/>
+          <p:nvPr/>
+        </p:nvSpPr>
+        <p:spPr>
+          <a:xfrm>
+            <a:off x="6389808" y="1414808"/>
+            <a:ext cx="1058454" cy="1965852"/>
+          </a:xfrm>
+          <a:prstGeom prst="rect">
+            <a:avLst/>
+          </a:prstGeom>
+          <a:noFill/>
+          <a:ln>
+            <a:solidFill>
+              <a:schemeClr val="tx1"/>
+            </a:solidFill>
+            <a:prstDash val="dash"/>
+          </a:ln>
+        </p:spPr>
+        <p:style>
+          <a:lnRef idx="2">
+            <a:schemeClr val="accent1">
+              <a:shade val="50000"/>
+            </a:schemeClr>
+          </a:lnRef>
+          <a:fillRef idx="1">
+            <a:schemeClr val="accent1"/>
+          </a:fillRef>
+          <a:effectRef idx="0">
+            <a:schemeClr val="accent1"/>
+          </a:effectRef>
+          <a:fontRef idx="minor">
+            <a:schemeClr val="lt1"/>
+          </a:fontRef>
+        </p:style>
+        <p:txBody>
+          <a:bodyPr rtlCol="0" anchor="ctr"/>
+          <a:lstStyle/>
+          <a:p>
+            <a:pPr algn="ctr"/>
+            <a:endParaRPr lang="vi-VN">
+              <a:latin typeface="Times New Roman" panose="02020603050405020304" pitchFamily="18" charset="0"/>
+              <a:cs typeface="Times New Roman" panose="02020603050405020304" pitchFamily="18" charset="0"/>
+            </a:endParaRPr>
+          </a:p>
+        </p:txBody>
+      </p:sp>
+      <mc:AlternateContent xmlns:mc="http://schemas.openxmlformats.org/markup-compatibility/2006">
+        <mc:Choice xmlns:a14="http://schemas.microsoft.com/office/drawing/2010/main" Requires="a14">
+          <p:sp>
+            <p:nvSpPr>
+              <p:cNvPr id="52" name="Hộp Văn bản 30">
+                <a:extLst>
+                  <a:ext uri="{FF2B5EF4-FFF2-40B4-BE49-F238E27FC236}">
+                    <a16:creationId xmlns:a16="http://schemas.microsoft.com/office/drawing/2014/main" id="{A38CDD03-D728-2DAB-81BC-B207D3C64B54}"/>
+                  </a:ext>
+                </a:extLst>
+              </p:cNvPr>
+              <p:cNvSpPr txBox="1"/>
+              <p:nvPr/>
+            </p:nvSpPr>
+            <p:spPr>
+              <a:xfrm>
+                <a:off x="4970127" y="3401858"/>
+                <a:ext cx="971548" cy="246221"/>
+              </a:xfrm>
+              <a:prstGeom prst="rect">
+                <a:avLst/>
+              </a:prstGeom>
+              <a:noFill/>
+            </p:spPr>
+            <p:txBody>
+              <a:bodyPr wrap="square" rtlCol="0">
+                <a:spAutoFit/>
+              </a:bodyPr>
+              <a:lstStyle/>
+              <a:p>
+                <a:r>
+                  <a:rPr lang="en-US" sz="1000">
+                    <a:latin typeface="Times New Roman" panose="02020603050405020304" pitchFamily="18" charset="0"/>
+                    <a:cs typeface="Times New Roman" panose="02020603050405020304" pitchFamily="18" charset="0"/>
+                  </a:rPr>
+                  <a:t>Circuit </a:t>
+                </a:r>
+                <a14:m>
+                  <m:oMath xmlns:m="http://schemas.openxmlformats.org/officeDocument/2006/math">
+                    <m:r>
+                      <a:rPr lang="en-US" sz="1000" i="1">
+                        <a:latin typeface="Cambria Math" panose="02040503050406030204" pitchFamily="18" charset="0"/>
+                        <a:ea typeface="Cambria Math" panose="02040503050406030204" pitchFamily="18" charset="0"/>
+                        <a:cs typeface="Times New Roman" panose="02020603050405020304" pitchFamily="18" charset="0"/>
+                      </a:rPr>
+                      <m:t>𝒰</m:t>
+                    </m:r>
+                  </m:oMath>
+                </a14:m>
+                <a:endParaRPr lang="vi-VN" sz="1000">
+                  <a:latin typeface="Times New Roman" panose="02020603050405020304" pitchFamily="18" charset="0"/>
+                  <a:cs typeface="Times New Roman" panose="02020603050405020304" pitchFamily="18" charset="0"/>
+                </a:endParaRPr>
+              </a:p>
+            </p:txBody>
+          </p:sp>
+        </mc:Choice>
+        <mc:Fallback>
+          <p:sp>
+            <p:nvSpPr>
+              <p:cNvPr id="52" name="Hộp Văn bản 30">
+                <a:extLst>
+                  <a:ext uri="{FF2B5EF4-FFF2-40B4-BE49-F238E27FC236}">
+                    <a16:creationId xmlns:a16="http://schemas.microsoft.com/office/drawing/2014/main" id="{A38CDD03-D728-2DAB-81BC-B207D3C64B54}"/>
+                  </a:ext>
+                </a:extLst>
+              </p:cNvPr>
+              <p:cNvSpPr txBox="1">
+                <a:spLocks noRot="1" noChangeAspect="1" noMove="1" noResize="1" noEditPoints="1" noAdjustHandles="1" noChangeArrowheads="1" noChangeShapeType="1" noTextEdit="1"/>
+              </p:cNvSpPr>
+              <p:nvPr/>
+            </p:nvSpPr>
+            <p:spPr>
+              <a:xfrm>
+                <a:off x="4970127" y="3401858"/>
+                <a:ext cx="971548" cy="246221"/>
+              </a:xfrm>
+              <a:prstGeom prst="rect">
+                <a:avLst/>
+              </a:prstGeom>
+              <a:blipFill>
+                <a:blip r:embed="rId7"/>
+                <a:stretch>
+                  <a:fillRect b="-9524"/>
+                </a:stretch>
+              </a:blipFill>
+            </p:spPr>
+            <p:txBody>
+              <a:bodyPr/>
+              <a:lstStyle/>
+              <a:p>
+                <a:r>
+                  <a:rPr lang="en-VN">
+                    <a:noFill/>
+                  </a:rPr>
+                  <a:t> </a:t>
+                </a:r>
+              </a:p>
+            </p:txBody>
+          </p:sp>
+        </mc:Fallback>
+      </mc:AlternateContent>
+      <mc:AlternateContent xmlns:mc="http://schemas.openxmlformats.org/markup-compatibility/2006">
+        <mc:Choice xmlns:a14="http://schemas.microsoft.com/office/drawing/2010/main" Requires="a14">
+          <p:sp>
+            <p:nvSpPr>
+              <p:cNvPr id="53" name="Hộp Văn bản 30">
+                <a:extLst>
+                  <a:ext uri="{FF2B5EF4-FFF2-40B4-BE49-F238E27FC236}">
+                    <a16:creationId xmlns:a16="http://schemas.microsoft.com/office/drawing/2014/main" id="{F94400ED-0443-634E-4E79-D7BA3CC76DEA}"/>
+                  </a:ext>
+                </a:extLst>
+              </p:cNvPr>
+              <p:cNvSpPr txBox="1"/>
+              <p:nvPr/>
+            </p:nvSpPr>
+            <p:spPr>
+              <a:xfrm>
+                <a:off x="6609803" y="3406332"/>
+                <a:ext cx="971548" cy="246221"/>
+              </a:xfrm>
+              <a:prstGeom prst="rect">
+                <a:avLst/>
+              </a:prstGeom>
+              <a:noFill/>
+            </p:spPr>
+            <p:txBody>
+              <a:bodyPr wrap="square" rtlCol="0">
+                <a:spAutoFit/>
+              </a:bodyPr>
+              <a:lstStyle/>
+              <a:p>
+                <a:r>
+                  <a:rPr lang="en-US" sz="1000">
+                    <a:latin typeface="Times New Roman" panose="02020603050405020304" pitchFamily="18" charset="0"/>
+                    <a:cs typeface="Times New Roman" panose="02020603050405020304" pitchFamily="18" charset="0"/>
+                  </a:rPr>
+                  <a:t>Decoder </a:t>
+                </a:r>
+                <a14:m>
+                  <m:oMath xmlns:m="http://schemas.openxmlformats.org/officeDocument/2006/math">
+                    <m:r>
+                      <a:rPr lang="en-US" sz="1000" i="1">
+                        <a:latin typeface="Cambria Math" panose="02040503050406030204" pitchFamily="18" charset="0"/>
+                        <a:ea typeface="Cambria Math" panose="02040503050406030204" pitchFamily="18" charset="0"/>
+                        <a:cs typeface="Times New Roman" panose="02020603050405020304" pitchFamily="18" charset="0"/>
+                      </a:rPr>
+                      <m:t>𝒟</m:t>
+                    </m:r>
+                  </m:oMath>
+                </a14:m>
+                <a:endParaRPr lang="vi-VN" sz="1000">
+                  <a:latin typeface="Times New Roman" panose="02020603050405020304" pitchFamily="18" charset="0"/>
+                  <a:cs typeface="Times New Roman" panose="02020603050405020304" pitchFamily="18" charset="0"/>
+                </a:endParaRPr>
+              </a:p>
+            </p:txBody>
+          </p:sp>
+        </mc:Choice>
+        <mc:Fallback>
+          <p:sp>
+            <p:nvSpPr>
+              <p:cNvPr id="53" name="Hộp Văn bản 30">
+                <a:extLst>
+                  <a:ext uri="{FF2B5EF4-FFF2-40B4-BE49-F238E27FC236}">
+                    <a16:creationId xmlns:a16="http://schemas.microsoft.com/office/drawing/2014/main" id="{F94400ED-0443-634E-4E79-D7BA3CC76DEA}"/>
+                  </a:ext>
+                </a:extLst>
+              </p:cNvPr>
+              <p:cNvSpPr txBox="1">
+                <a:spLocks noRot="1" noChangeAspect="1" noMove="1" noResize="1" noEditPoints="1" noAdjustHandles="1" noChangeArrowheads="1" noChangeShapeType="1" noTextEdit="1"/>
+              </p:cNvSpPr>
+              <p:nvPr/>
+            </p:nvSpPr>
+            <p:spPr>
+              <a:xfrm>
+                <a:off x="6609803" y="3406332"/>
+                <a:ext cx="971548" cy="246221"/>
+              </a:xfrm>
+              <a:prstGeom prst="rect">
+                <a:avLst/>
+              </a:prstGeom>
+              <a:blipFill>
+                <a:blip r:embed="rId8"/>
+                <a:stretch>
+                  <a:fillRect b="-10000"/>
+                </a:stretch>
+              </a:blipFill>
+            </p:spPr>
+            <p:txBody>
+              <a:bodyPr/>
+              <a:lstStyle/>
+              <a:p>
+                <a:r>
+                  <a:rPr lang="en-VN">
+                    <a:noFill/>
+                  </a:rPr>
+                  <a:t> </a:t>
+                </a:r>
+              </a:p>
+            </p:txBody>
+          </p:sp>
+        </mc:Fallback>
+      </mc:AlternateContent>
     </p:spTree>
     <p:extLst>
       <p:ext uri="{BB962C8B-B14F-4D97-AF65-F5344CB8AC3E}">
